--- a/Design Flow/GetStorageDetails Design Flow.pptx
+++ b/Design Flow/GetStorageDetails Design Flow.pptx
@@ -6,6 +6,8 @@
   </p:sldMasterIdLst>
   <p:sldIdLst>
     <p:sldId id="256" r:id="rId2"/>
+    <p:sldId id="257" r:id="rId3"/>
+    <p:sldId id="258" r:id="rId4"/>
   </p:sldIdLst>
   <p:sldSz cx="12192000" cy="6858000"/>
   <p:notesSz cx="6858000" cy="9144000"/>
@@ -104,6 +106,11 @@
       </a:defRPr>
     </a:lvl9pPr>
   </p:defaultTextStyle>
+  <p:extLst>
+    <p:ext uri="{EFAFB233-063F-42B5-8137-9DF3F51BA10A}">
+      <p15:sldGuideLst xmlns:p15="http://schemas.microsoft.com/office/powerpoint/2012/main"/>
+    </p:ext>
+  </p:extLst>
 </p:presentation>
 </file>
 
@@ -254,7 +261,7 @@
           <a:p>
             <a:fld id="{DA5AA0C9-F5FB-446F-B631-F9A7A053F640}" type="datetimeFigureOut">
               <a:rPr lang="en-US" smtClean="0"/>
-              <a:t>11/15/2021</a:t>
+              <a:t>11/16/2021</a:t>
             </a:fld>
             <a:endParaRPr lang="en-US"/>
           </a:p>
@@ -452,7 +459,7 @@
           <a:p>
             <a:fld id="{DA5AA0C9-F5FB-446F-B631-F9A7A053F640}" type="datetimeFigureOut">
               <a:rPr lang="en-US" smtClean="0"/>
-              <a:t>11/15/2021</a:t>
+              <a:t>11/16/2021</a:t>
             </a:fld>
             <a:endParaRPr lang="en-US"/>
           </a:p>
@@ -660,7 +667,7 @@
           <a:p>
             <a:fld id="{DA5AA0C9-F5FB-446F-B631-F9A7A053F640}" type="datetimeFigureOut">
               <a:rPr lang="en-US" smtClean="0"/>
-              <a:t>11/15/2021</a:t>
+              <a:t>11/16/2021</a:t>
             </a:fld>
             <a:endParaRPr lang="en-US"/>
           </a:p>
@@ -858,7 +865,7 @@
           <a:p>
             <a:fld id="{DA5AA0C9-F5FB-446F-B631-F9A7A053F640}" type="datetimeFigureOut">
               <a:rPr lang="en-US" smtClean="0"/>
-              <a:t>11/15/2021</a:t>
+              <a:t>11/16/2021</a:t>
             </a:fld>
             <a:endParaRPr lang="en-US"/>
           </a:p>
@@ -1133,7 +1140,7 @@
           <a:p>
             <a:fld id="{DA5AA0C9-F5FB-446F-B631-F9A7A053F640}" type="datetimeFigureOut">
               <a:rPr lang="en-US" smtClean="0"/>
-              <a:t>11/15/2021</a:t>
+              <a:t>11/16/2021</a:t>
             </a:fld>
             <a:endParaRPr lang="en-US"/>
           </a:p>
@@ -1398,7 +1405,7 @@
           <a:p>
             <a:fld id="{DA5AA0C9-F5FB-446F-B631-F9A7A053F640}" type="datetimeFigureOut">
               <a:rPr lang="en-US" smtClean="0"/>
-              <a:t>11/15/2021</a:t>
+              <a:t>11/16/2021</a:t>
             </a:fld>
             <a:endParaRPr lang="en-US"/>
           </a:p>
@@ -1810,7 +1817,7 @@
           <a:p>
             <a:fld id="{DA5AA0C9-F5FB-446F-B631-F9A7A053F640}" type="datetimeFigureOut">
               <a:rPr lang="en-US" smtClean="0"/>
-              <a:t>11/15/2021</a:t>
+              <a:t>11/16/2021</a:t>
             </a:fld>
             <a:endParaRPr lang="en-US"/>
           </a:p>
@@ -1951,7 +1958,7 @@
           <a:p>
             <a:fld id="{DA5AA0C9-F5FB-446F-B631-F9A7A053F640}" type="datetimeFigureOut">
               <a:rPr lang="en-US" smtClean="0"/>
-              <a:t>11/15/2021</a:t>
+              <a:t>11/16/2021</a:t>
             </a:fld>
             <a:endParaRPr lang="en-US"/>
           </a:p>
@@ -2064,7 +2071,7 @@
           <a:p>
             <a:fld id="{DA5AA0C9-F5FB-446F-B631-F9A7A053F640}" type="datetimeFigureOut">
               <a:rPr lang="en-US" smtClean="0"/>
-              <a:t>11/15/2021</a:t>
+              <a:t>11/16/2021</a:t>
             </a:fld>
             <a:endParaRPr lang="en-US"/>
           </a:p>
@@ -2375,7 +2382,7 @@
           <a:p>
             <a:fld id="{DA5AA0C9-F5FB-446F-B631-F9A7A053F640}" type="datetimeFigureOut">
               <a:rPr lang="en-US" smtClean="0"/>
-              <a:t>11/15/2021</a:t>
+              <a:t>11/16/2021</a:t>
             </a:fld>
             <a:endParaRPr lang="en-US"/>
           </a:p>
@@ -2663,7 +2670,7 @@
           <a:p>
             <a:fld id="{DA5AA0C9-F5FB-446F-B631-F9A7A053F640}" type="datetimeFigureOut">
               <a:rPr lang="en-US" smtClean="0"/>
-              <a:t>11/15/2021</a:t>
+              <a:t>11/16/2021</a:t>
             </a:fld>
             <a:endParaRPr lang="en-US"/>
           </a:p>
@@ -2904,7 +2911,7 @@
           <a:p>
             <a:fld id="{DA5AA0C9-F5FB-446F-B631-F9A7A053F640}" type="datetimeFigureOut">
               <a:rPr lang="en-US" smtClean="0"/>
-              <a:t>11/15/2021</a:t>
+              <a:t>11/16/2021</a:t>
             </a:fld>
             <a:endParaRPr lang="en-US"/>
           </a:p>
@@ -3339,7 +3346,7 @@
         </p:nvSpPr>
         <p:spPr>
           <a:xfrm>
-            <a:off x="1524000" y="1122363"/>
+            <a:off x="1524000" y="531521"/>
             <a:ext cx="9144000" cy="477837"/>
           </a:xfrm>
         </p:spPr>
@@ -3374,19 +3381,183 @@
         </p:nvSpPr>
         <p:spPr>
           <a:xfrm>
-            <a:off x="1524000" y="1913206"/>
-            <a:ext cx="9144000" cy="3344594"/>
+            <a:off x="1524000" y="1252024"/>
+            <a:ext cx="9144000" cy="5190979"/>
           </a:xfrm>
         </p:spPr>
         <p:txBody>
-          <a:bodyPr/>
-          <a:lstStyle/>
+          <a:bodyPr>
+            <a:noAutofit/>
+          </a:bodyPr>
+          <a:lstStyle/>
+          <a:p>
+            <a:pPr algn="l"/>
+            <a:r>
+              <a:rPr lang="en-US" sz="1400" b="1" u="sng" dirty="0"/>
+              <a:t>Product Use Case</a:t>
+            </a:r>
+          </a:p>
           <a:p>
             <a:pPr marL="342900" indent="-342900" algn="l">
               <a:buFont typeface="Arial" panose="020B0604020202020204" pitchFamily="34" charset="0"/>
               <a:buChar char="•"/>
             </a:pPr>
-            <a:endParaRPr lang="en-US" dirty="0"/>
+            <a:r>
+              <a:rPr lang="en-US" sz="1400" dirty="0"/>
+              <a:t>Pull Disk Space Info From A User Defined Path</a:t>
+            </a:r>
+          </a:p>
+          <a:p>
+            <a:pPr marL="342900" indent="-342900" algn="l">
+              <a:buFont typeface="Arial" panose="020B0604020202020204" pitchFamily="34" charset="0"/>
+              <a:buChar char="•"/>
+            </a:pPr>
+            <a:r>
+              <a:rPr lang="en-US" sz="1400" dirty="0"/>
+              <a:t>Format The Details Into JSON readable format</a:t>
+            </a:r>
+          </a:p>
+          <a:p>
+            <a:pPr algn="l"/>
+            <a:r>
+              <a:rPr lang="en-US" sz="1400" b="1" u="sng" dirty="0"/>
+              <a:t>MVP Offered : (Product)</a:t>
+            </a:r>
+          </a:p>
+          <a:p>
+            <a:pPr marL="342900" indent="-342900" algn="l">
+              <a:buFont typeface="Arial" panose="020B0604020202020204" pitchFamily="34" charset="0"/>
+              <a:buChar char="•"/>
+            </a:pPr>
+            <a:r>
+              <a:rPr lang="en-US" sz="1400" dirty="0"/>
+              <a:t>Enable </a:t>
+            </a:r>
+            <a:r>
+              <a:rPr lang="en-US" sz="1400" dirty="0" err="1"/>
+              <a:t>OsAgnostics</a:t>
+            </a:r>
+            <a:r>
+              <a:rPr lang="en-US" sz="1400" dirty="0"/>
+              <a:t>: To capture </a:t>
+            </a:r>
+            <a:r>
+              <a:rPr lang="en-US" sz="1400" dirty="0" err="1"/>
+              <a:t>diskSpaceDetails</a:t>
+            </a:r>
+            <a:r>
+              <a:rPr lang="en-US" sz="1400" dirty="0"/>
+              <a:t> independent of where product is installed/running</a:t>
+            </a:r>
+          </a:p>
+          <a:p>
+            <a:pPr marL="342900" indent="-342900" algn="l">
+              <a:buFont typeface="Arial" panose="020B0604020202020204" pitchFamily="34" charset="0"/>
+              <a:buChar char="•"/>
+            </a:pPr>
+            <a:r>
+              <a:rPr lang="en-US" sz="1400" dirty="0"/>
+              <a:t>Enable Multiple Format: Provide multiple formats like JSON, XML, Text, etc. to support multiple business operations model</a:t>
+            </a:r>
+          </a:p>
+          <a:p>
+            <a:pPr marL="342900" indent="-342900" algn="l">
+              <a:buFont typeface="Arial" panose="020B0604020202020204" pitchFamily="34" charset="0"/>
+              <a:buChar char="•"/>
+            </a:pPr>
+            <a:r>
+              <a:rPr lang="en-US" sz="1400" dirty="0"/>
+              <a:t>Enable Multiple Publish: Provide multiple publish methods like transfer desired formatted results to local disk, as email attachment, </a:t>
+            </a:r>
+            <a:r>
+              <a:rPr lang="en-US" sz="1400" dirty="0" err="1"/>
+              <a:t>ssh</a:t>
+            </a:r>
+            <a:r>
+              <a:rPr lang="en-US" sz="1400" dirty="0"/>
+              <a:t> to a shared path server, etc.</a:t>
+            </a:r>
+          </a:p>
+          <a:p>
+            <a:pPr algn="l"/>
+            <a:r>
+              <a:rPr lang="en-US" sz="1400" b="1" u="sng" dirty="0"/>
+              <a:t>MVP Offered : (DevOps)</a:t>
+            </a:r>
+          </a:p>
+          <a:p>
+            <a:pPr marL="342900" indent="-342900" algn="l">
+              <a:buFont typeface="Arial" panose="020B0604020202020204" pitchFamily="34" charset="0"/>
+              <a:buChar char="•"/>
+            </a:pPr>
+            <a:r>
+              <a:rPr lang="en-US" sz="1400" dirty="0"/>
+              <a:t>Enable CI-CD for multiple OS like Windows, Linux, etc.</a:t>
+            </a:r>
+          </a:p>
+          <a:p>
+            <a:pPr marL="342900" indent="-342900" algn="l">
+              <a:buFont typeface="Arial" panose="020B0604020202020204" pitchFamily="34" charset="0"/>
+              <a:buChar char="•"/>
+            </a:pPr>
+            <a:r>
+              <a:rPr lang="en-US" sz="1400" dirty="0"/>
+              <a:t>Enable SCM for version control and CI-CD set-up</a:t>
+            </a:r>
+          </a:p>
+          <a:p>
+            <a:pPr algn="l"/>
+            <a:r>
+              <a:rPr lang="en-US" sz="1400" b="1" u="sng" dirty="0"/>
+              <a:t>MVP Offered : (Infra-Structure)</a:t>
+            </a:r>
+          </a:p>
+          <a:p>
+            <a:pPr marL="342900" indent="-342900" algn="l">
+              <a:buFont typeface="Arial" panose="020B0604020202020204" pitchFamily="34" charset="0"/>
+              <a:buChar char="•"/>
+            </a:pPr>
+            <a:r>
+              <a:rPr lang="en-US" sz="1400" dirty="0"/>
+              <a:t>Enable Windows/Linux OS instances</a:t>
+            </a:r>
+          </a:p>
+          <a:p>
+            <a:pPr marL="342900" indent="-342900" algn="l">
+              <a:buFont typeface="Arial" panose="020B0604020202020204" pitchFamily="34" charset="0"/>
+              <a:buChar char="•"/>
+            </a:pPr>
+            <a:r>
+              <a:rPr lang="en-US" sz="1400" dirty="0"/>
+              <a:t>Enable Jenkins (CI-CD) in Windows/Linux OS</a:t>
+            </a:r>
+          </a:p>
+          <a:p>
+            <a:pPr marL="342900" indent="-342900" algn="l">
+              <a:buFont typeface="Arial" panose="020B0604020202020204" pitchFamily="34" charset="0"/>
+              <a:buChar char="•"/>
+            </a:pPr>
+            <a:r>
+              <a:rPr lang="en-US" sz="1400" dirty="0"/>
+              <a:t>Enable Git (SCM) in Windows/Linux OS</a:t>
+            </a:r>
+          </a:p>
+          <a:p>
+            <a:pPr marL="342900" indent="-342900" algn="l">
+              <a:buFont typeface="Arial" panose="020B0604020202020204" pitchFamily="34" charset="0"/>
+              <a:buChar char="•"/>
+            </a:pPr>
+            <a:r>
+              <a:rPr lang="en-US" sz="1400" dirty="0"/>
+              <a:t>Enable Python (Application Execution Language) in Windows/Linux OS</a:t>
+            </a:r>
+          </a:p>
+          <a:p>
+            <a:pPr marL="342900" indent="-342900" algn="l">
+              <a:buFont typeface="Arial" panose="020B0604020202020204" pitchFamily="34" charset="0"/>
+              <a:buChar char="•"/>
+            </a:pPr>
+            <a:endParaRPr lang="en-US" sz="1400" dirty="0"/>
           </a:p>
         </p:txBody>
       </p:sp>
@@ -3394,6 +3565,1810 @@
     <p:extLst>
       <p:ext uri="{BB962C8B-B14F-4D97-AF65-F5344CB8AC3E}">
         <p14:creationId xmlns:p14="http://schemas.microsoft.com/office/powerpoint/2010/main" val="1113527353"/>
+      </p:ext>
+    </p:extLst>
+  </p:cSld>
+  <p:clrMapOvr>
+    <a:masterClrMapping/>
+  </p:clrMapOvr>
+</p:sld>
+</file>
+
+<file path=ppt/slides/slide2.xml><?xml version="1.0" encoding="utf-8"?>
+<p:sld xmlns:a="http://schemas.openxmlformats.org/drawingml/2006/main" xmlns:r="http://schemas.openxmlformats.org/officeDocument/2006/relationships" xmlns:p="http://schemas.openxmlformats.org/presentationml/2006/main">
+  <p:cSld>
+    <p:spTree>
+      <p:nvGrpSpPr>
+        <p:cNvPr id="1" name=""/>
+        <p:cNvGrpSpPr/>
+        <p:nvPr/>
+      </p:nvGrpSpPr>
+      <p:grpSpPr>
+        <a:xfrm>
+          <a:off x="0" y="0"/>
+          <a:ext cx="0" cy="0"/>
+          <a:chOff x="0" y="0"/>
+          <a:chExt cx="0" cy="0"/>
+        </a:xfrm>
+      </p:grpSpPr>
+      <p:sp>
+        <p:nvSpPr>
+          <p:cNvPr id="2" name="Title 1">
+            <a:extLst>
+              <a:ext uri="{FF2B5EF4-FFF2-40B4-BE49-F238E27FC236}">
+                <a16:creationId xmlns:a16="http://schemas.microsoft.com/office/drawing/2014/main" id="{5B336246-F970-4E72-8DC3-5A0C7662B686}"/>
+              </a:ext>
+            </a:extLst>
+          </p:cNvPr>
+          <p:cNvSpPr>
+            <a:spLocks noGrp="1"/>
+          </p:cNvSpPr>
+          <p:nvPr>
+            <p:ph type="ctrTitle"/>
+          </p:nvPr>
+        </p:nvSpPr>
+        <p:spPr>
+          <a:xfrm>
+            <a:off x="1524000" y="644065"/>
+            <a:ext cx="9144000" cy="477837"/>
+          </a:xfrm>
+        </p:spPr>
+        <p:txBody>
+          <a:bodyPr>
+            <a:noAutofit/>
+          </a:bodyPr>
+          <a:lstStyle/>
+          <a:p>
+            <a:r>
+              <a:rPr lang="en-US" sz="3200" dirty="0"/>
+              <a:t>Product High Level Design Flow</a:t>
+            </a:r>
+          </a:p>
+        </p:txBody>
+      </p:sp>
+      <p:pic>
+        <p:nvPicPr>
+          <p:cNvPr id="8" name="Picture 7">
+            <a:extLst>
+              <a:ext uri="{FF2B5EF4-FFF2-40B4-BE49-F238E27FC236}">
+                <a16:creationId xmlns:a16="http://schemas.microsoft.com/office/drawing/2014/main" id="{43AFB9A5-0AA7-4BFE-9860-15FFFCD049EF}"/>
+              </a:ext>
+            </a:extLst>
+          </p:cNvPr>
+          <p:cNvPicPr>
+            <a:picLocks noChangeAspect="1"/>
+          </p:cNvPicPr>
+          <p:nvPr/>
+        </p:nvPicPr>
+        <p:blipFill>
+          <a:blip r:embed="rId2"/>
+          <a:stretch>
+            <a:fillRect/>
+          </a:stretch>
+        </p:blipFill>
+        <p:spPr>
+          <a:xfrm>
+            <a:off x="5527284" y="1135966"/>
+            <a:ext cx="6514660" cy="5011616"/>
+          </a:xfrm>
+          <a:prstGeom prst="rect">
+            <a:avLst/>
+          </a:prstGeom>
+        </p:spPr>
+      </p:pic>
+      <p:sp>
+        <p:nvSpPr>
+          <p:cNvPr id="9" name="Title 1">
+            <a:extLst>
+              <a:ext uri="{FF2B5EF4-FFF2-40B4-BE49-F238E27FC236}">
+                <a16:creationId xmlns:a16="http://schemas.microsoft.com/office/drawing/2014/main" id="{21A4F382-A6A7-4BE5-B917-F5B249C52EE3}"/>
+              </a:ext>
+            </a:extLst>
+          </p:cNvPr>
+          <p:cNvSpPr txBox="1">
+            <a:spLocks/>
+          </p:cNvSpPr>
+          <p:nvPr/>
+        </p:nvSpPr>
+        <p:spPr>
+          <a:xfrm>
+            <a:off x="1676400" y="1009358"/>
+            <a:ext cx="2809875" cy="5317589"/>
+          </a:xfrm>
+          <a:prstGeom prst="rect">
+            <a:avLst/>
+          </a:prstGeom>
+        </p:spPr>
+        <p:txBody>
+          <a:bodyPr vert="horz" lIns="91440" tIns="45720" rIns="91440" bIns="45720" rtlCol="0" anchor="b">
+            <a:noAutofit/>
+          </a:bodyPr>
+          <a:lstStyle>
+            <a:lvl1pPr algn="ctr" defTabSz="914400" rtl="0" eaLnBrk="1" latinLnBrk="0" hangingPunct="1">
+              <a:lnSpc>
+                <a:spcPct val="90000"/>
+              </a:lnSpc>
+              <a:spcBef>
+                <a:spcPct val="0"/>
+              </a:spcBef>
+              <a:buNone/>
+              <a:defRPr sz="6000" kern="1200">
+                <a:solidFill>
+                  <a:schemeClr val="tx1"/>
+                </a:solidFill>
+                <a:latin typeface="+mj-lt"/>
+                <a:ea typeface="+mj-ea"/>
+                <a:cs typeface="+mj-cs"/>
+              </a:defRPr>
+            </a:lvl1pPr>
+          </a:lstStyle>
+          <a:p>
+            <a:pPr algn="l"/>
+            <a:endParaRPr lang="en-US" sz="1200" dirty="0"/>
+          </a:p>
+        </p:txBody>
+      </p:sp>
+      <p:sp>
+        <p:nvSpPr>
+          <p:cNvPr id="13" name="Subtitle 2">
+            <a:extLst>
+              <a:ext uri="{FF2B5EF4-FFF2-40B4-BE49-F238E27FC236}">
+                <a16:creationId xmlns:a16="http://schemas.microsoft.com/office/drawing/2014/main" id="{A4A3C8F3-C5B8-46B2-99D3-68146B0FA66C}"/>
+              </a:ext>
+            </a:extLst>
+          </p:cNvPr>
+          <p:cNvSpPr>
+            <a:spLocks noGrp="1"/>
+          </p:cNvSpPr>
+          <p:nvPr>
+            <p:ph type="subTitle" idx="1"/>
+          </p:nvPr>
+        </p:nvSpPr>
+        <p:spPr>
+          <a:xfrm>
+            <a:off x="464234" y="1252024"/>
+            <a:ext cx="4797083" cy="5552760"/>
+          </a:xfrm>
+        </p:spPr>
+        <p:txBody>
+          <a:bodyPr>
+            <a:noAutofit/>
+          </a:bodyPr>
+          <a:lstStyle/>
+          <a:p>
+            <a:pPr algn="l">
+              <a:lnSpc>
+                <a:spcPct val="100000"/>
+              </a:lnSpc>
+              <a:spcBef>
+                <a:spcPts val="0"/>
+              </a:spcBef>
+            </a:pPr>
+            <a:r>
+              <a:rPr lang="en-US" sz="1400" b="1" u="sng" dirty="0"/>
+              <a:t>User:</a:t>
+            </a:r>
+          </a:p>
+          <a:p>
+            <a:pPr marL="285750" indent="-285750" algn="l">
+              <a:lnSpc>
+                <a:spcPct val="100000"/>
+              </a:lnSpc>
+              <a:spcBef>
+                <a:spcPts val="0"/>
+              </a:spcBef>
+              <a:buFont typeface="Wingdings" panose="05000000000000000000" pitchFamily="2" charset="2"/>
+              <a:buChar char="Ø"/>
+            </a:pPr>
+            <a:r>
+              <a:rPr lang="en-US" sz="1400" dirty="0"/>
+              <a:t>Develops Code</a:t>
+            </a:r>
+          </a:p>
+          <a:p>
+            <a:pPr marL="285750" indent="-285750" algn="l">
+              <a:lnSpc>
+                <a:spcPct val="100000"/>
+              </a:lnSpc>
+              <a:spcBef>
+                <a:spcPts val="0"/>
+              </a:spcBef>
+              <a:buFont typeface="Wingdings" panose="05000000000000000000" pitchFamily="2" charset="2"/>
+              <a:buChar char="Ø"/>
+            </a:pPr>
+            <a:endParaRPr lang="en-US" sz="1400" dirty="0"/>
+          </a:p>
+          <a:p>
+            <a:pPr algn="l">
+              <a:lnSpc>
+                <a:spcPct val="100000"/>
+              </a:lnSpc>
+              <a:spcBef>
+                <a:spcPts val="0"/>
+              </a:spcBef>
+            </a:pPr>
+            <a:r>
+              <a:rPr lang="en-US" sz="1400" b="1" u="sng" dirty="0"/>
+              <a:t>Code Editor:</a:t>
+            </a:r>
+          </a:p>
+          <a:p>
+            <a:pPr marL="285750" indent="-285750" algn="l">
+              <a:lnSpc>
+                <a:spcPct val="100000"/>
+              </a:lnSpc>
+              <a:spcBef>
+                <a:spcPts val="0"/>
+              </a:spcBef>
+              <a:buFont typeface="Wingdings" panose="05000000000000000000" pitchFamily="2" charset="2"/>
+              <a:buChar char="Ø"/>
+            </a:pPr>
+            <a:r>
+              <a:rPr lang="en-US" sz="1400" dirty="0"/>
+              <a:t>IntelliJ: Used as an IDE for code development.</a:t>
+            </a:r>
+          </a:p>
+          <a:p>
+            <a:pPr marL="285750" indent="-285750" algn="l">
+              <a:lnSpc>
+                <a:spcPct val="100000"/>
+              </a:lnSpc>
+              <a:spcBef>
+                <a:spcPts val="0"/>
+              </a:spcBef>
+              <a:buFont typeface="Wingdings" panose="05000000000000000000" pitchFamily="2" charset="2"/>
+              <a:buChar char="Ø"/>
+            </a:pPr>
+            <a:endParaRPr lang="en-US" sz="1400" dirty="0"/>
+          </a:p>
+          <a:p>
+            <a:pPr algn="l">
+              <a:lnSpc>
+                <a:spcPct val="100000"/>
+              </a:lnSpc>
+              <a:spcBef>
+                <a:spcPts val="0"/>
+              </a:spcBef>
+            </a:pPr>
+            <a:r>
+              <a:rPr lang="en-US" sz="1400" b="1" u="sng" dirty="0"/>
+              <a:t>SCM:</a:t>
+            </a:r>
+          </a:p>
+          <a:p>
+            <a:pPr marL="285750" indent="-285750" algn="l">
+              <a:lnSpc>
+                <a:spcPct val="100000"/>
+              </a:lnSpc>
+              <a:spcBef>
+                <a:spcPts val="0"/>
+              </a:spcBef>
+              <a:buFont typeface="Wingdings" panose="05000000000000000000" pitchFamily="2" charset="2"/>
+              <a:buChar char="Ø"/>
+            </a:pPr>
+            <a:r>
+              <a:rPr lang="en-US" sz="1400" dirty="0"/>
+              <a:t>GitHub: To manage code in GitHub</a:t>
+            </a:r>
+          </a:p>
+          <a:p>
+            <a:pPr marL="285750" indent="-285750" algn="l">
+              <a:lnSpc>
+                <a:spcPct val="100000"/>
+              </a:lnSpc>
+              <a:spcBef>
+                <a:spcPts val="0"/>
+              </a:spcBef>
+              <a:buFont typeface="Wingdings" panose="05000000000000000000" pitchFamily="2" charset="2"/>
+              <a:buChar char="Ø"/>
+            </a:pPr>
+            <a:r>
+              <a:rPr lang="en-US" sz="1400" dirty="0"/>
+              <a:t>Git Bash: For code check-in and commit in GitHub</a:t>
+            </a:r>
+          </a:p>
+          <a:p>
+            <a:pPr marL="285750" indent="-285750" algn="l">
+              <a:lnSpc>
+                <a:spcPct val="100000"/>
+              </a:lnSpc>
+              <a:spcBef>
+                <a:spcPts val="0"/>
+              </a:spcBef>
+              <a:buFont typeface="Wingdings" panose="05000000000000000000" pitchFamily="2" charset="2"/>
+              <a:buChar char="Ø"/>
+            </a:pPr>
+            <a:endParaRPr lang="en-US" sz="1400" dirty="0"/>
+          </a:p>
+          <a:p>
+            <a:pPr algn="l">
+              <a:lnSpc>
+                <a:spcPct val="100000"/>
+              </a:lnSpc>
+              <a:spcBef>
+                <a:spcPts val="0"/>
+              </a:spcBef>
+            </a:pPr>
+            <a:r>
+              <a:rPr lang="en-US" sz="1400" b="1" u="sng" dirty="0"/>
+              <a:t>CI-CD:</a:t>
+            </a:r>
+          </a:p>
+          <a:p>
+            <a:pPr algn="l">
+              <a:lnSpc>
+                <a:spcPct val="100000"/>
+              </a:lnSpc>
+              <a:spcBef>
+                <a:spcPts val="0"/>
+              </a:spcBef>
+            </a:pPr>
+            <a:r>
+              <a:rPr lang="en-US" sz="1400" dirty="0">
+                <a:solidFill>
+                  <a:srgbClr val="0070C0"/>
+                </a:solidFill>
+              </a:rPr>
+              <a:t>Windows OS:</a:t>
+            </a:r>
+          </a:p>
+          <a:p>
+            <a:pPr marL="285750" indent="-285750" algn="l">
+              <a:lnSpc>
+                <a:spcPct val="100000"/>
+              </a:lnSpc>
+              <a:spcBef>
+                <a:spcPts val="0"/>
+              </a:spcBef>
+              <a:buFont typeface="Wingdings" panose="05000000000000000000" pitchFamily="2" charset="2"/>
+              <a:buChar char="Ø"/>
+            </a:pPr>
+            <a:r>
+              <a:rPr lang="en-US" sz="1400" dirty="0"/>
+              <a:t>Git Bash: To check-in code</a:t>
+            </a:r>
+          </a:p>
+          <a:p>
+            <a:pPr marL="285750" indent="-285750" algn="l">
+              <a:lnSpc>
+                <a:spcPct val="100000"/>
+              </a:lnSpc>
+              <a:spcBef>
+                <a:spcPts val="0"/>
+              </a:spcBef>
+              <a:buFont typeface="Wingdings" panose="05000000000000000000" pitchFamily="2" charset="2"/>
+              <a:buChar char="Ø"/>
+            </a:pPr>
+            <a:r>
+              <a:rPr lang="en-US" sz="1400" dirty="0"/>
+              <a:t>Python Compiler: To compile and run python code</a:t>
+            </a:r>
+          </a:p>
+          <a:p>
+            <a:pPr marL="285750" indent="-285750" algn="l">
+              <a:lnSpc>
+                <a:spcPct val="100000"/>
+              </a:lnSpc>
+              <a:spcBef>
+                <a:spcPts val="0"/>
+              </a:spcBef>
+              <a:buFont typeface="Wingdings" panose="05000000000000000000" pitchFamily="2" charset="2"/>
+              <a:buChar char="Ø"/>
+            </a:pPr>
+            <a:r>
+              <a:rPr lang="en-US" sz="1400" dirty="0"/>
+              <a:t>Jenkins: To define code deployment as pipeline.</a:t>
+            </a:r>
+          </a:p>
+          <a:p>
+            <a:pPr algn="l">
+              <a:lnSpc>
+                <a:spcPct val="100000"/>
+              </a:lnSpc>
+              <a:spcBef>
+                <a:spcPts val="0"/>
+              </a:spcBef>
+            </a:pPr>
+            <a:r>
+              <a:rPr lang="en-US" sz="1400" dirty="0">
+                <a:solidFill>
+                  <a:srgbClr val="0070C0"/>
+                </a:solidFill>
+              </a:rPr>
+              <a:t>Windows OS -&gt; Linux Instance:</a:t>
+            </a:r>
+          </a:p>
+          <a:p>
+            <a:pPr marL="285750" indent="-285750" algn="l">
+              <a:lnSpc>
+                <a:spcPct val="100000"/>
+              </a:lnSpc>
+              <a:spcBef>
+                <a:spcPts val="0"/>
+              </a:spcBef>
+              <a:buFont typeface="Wingdings" panose="05000000000000000000" pitchFamily="2" charset="2"/>
+              <a:buChar char="Ø"/>
+            </a:pPr>
+            <a:r>
+              <a:rPr lang="en-US" sz="1400" dirty="0"/>
+              <a:t>Docker Desktop (Container Service): To manage Linux VM in windows OS.</a:t>
+            </a:r>
+          </a:p>
+          <a:p>
+            <a:pPr marL="285750" indent="-285750" algn="l">
+              <a:lnSpc>
+                <a:spcPct val="100000"/>
+              </a:lnSpc>
+              <a:spcBef>
+                <a:spcPts val="0"/>
+              </a:spcBef>
+              <a:buFont typeface="Wingdings" panose="05000000000000000000" pitchFamily="2" charset="2"/>
+              <a:buChar char="Ø"/>
+            </a:pPr>
+            <a:r>
+              <a:rPr lang="en-US" sz="1400" dirty="0"/>
+              <a:t>Git Bash: To check-in code</a:t>
+            </a:r>
+          </a:p>
+          <a:p>
+            <a:pPr marL="285750" indent="-285750" algn="l">
+              <a:lnSpc>
+                <a:spcPct val="100000"/>
+              </a:lnSpc>
+              <a:spcBef>
+                <a:spcPts val="0"/>
+              </a:spcBef>
+              <a:buFont typeface="Wingdings" panose="05000000000000000000" pitchFamily="2" charset="2"/>
+              <a:buChar char="Ø"/>
+            </a:pPr>
+            <a:r>
+              <a:rPr lang="en-US" sz="1400" dirty="0"/>
+              <a:t>Python Compiler: To compile and run python code</a:t>
+            </a:r>
+          </a:p>
+          <a:p>
+            <a:pPr marL="285750" indent="-285750" algn="l">
+              <a:lnSpc>
+                <a:spcPct val="100000"/>
+              </a:lnSpc>
+              <a:spcBef>
+                <a:spcPts val="0"/>
+              </a:spcBef>
+              <a:buFont typeface="Wingdings" panose="05000000000000000000" pitchFamily="2" charset="2"/>
+              <a:buChar char="Ø"/>
+            </a:pPr>
+            <a:r>
+              <a:rPr lang="en-US" sz="1400" dirty="0"/>
+              <a:t>Jenkins: To define code deployment as pipeline.</a:t>
+            </a:r>
+          </a:p>
+          <a:p>
+            <a:pPr algn="l">
+              <a:lnSpc>
+                <a:spcPct val="100000"/>
+              </a:lnSpc>
+              <a:spcBef>
+                <a:spcPts val="0"/>
+              </a:spcBef>
+            </a:pPr>
+            <a:r>
+              <a:rPr lang="en-US" sz="1400" dirty="0">
+                <a:solidFill>
+                  <a:srgbClr val="0070C0"/>
+                </a:solidFill>
+              </a:rPr>
+              <a:t>AWS EC2 Instance:</a:t>
+            </a:r>
+          </a:p>
+          <a:p>
+            <a:pPr marL="285750" indent="-285750" algn="l">
+              <a:lnSpc>
+                <a:spcPct val="100000"/>
+              </a:lnSpc>
+              <a:spcBef>
+                <a:spcPts val="0"/>
+              </a:spcBef>
+              <a:buFont typeface="Wingdings" panose="05000000000000000000" pitchFamily="2" charset="2"/>
+              <a:buChar char="Ø"/>
+            </a:pPr>
+            <a:r>
+              <a:rPr lang="en-US" sz="1400" dirty="0"/>
+              <a:t>Git Bash: To check-in code</a:t>
+            </a:r>
+          </a:p>
+          <a:p>
+            <a:pPr marL="285750" indent="-285750" algn="l">
+              <a:lnSpc>
+                <a:spcPct val="100000"/>
+              </a:lnSpc>
+              <a:spcBef>
+                <a:spcPts val="0"/>
+              </a:spcBef>
+              <a:buFont typeface="Wingdings" panose="05000000000000000000" pitchFamily="2" charset="2"/>
+              <a:buChar char="Ø"/>
+            </a:pPr>
+            <a:r>
+              <a:rPr lang="en-US" sz="1400" dirty="0"/>
+              <a:t>Python Compiler: To compile and run python code</a:t>
+            </a:r>
+          </a:p>
+          <a:p>
+            <a:pPr marL="285750" indent="-285750" algn="l">
+              <a:lnSpc>
+                <a:spcPct val="100000"/>
+              </a:lnSpc>
+              <a:spcBef>
+                <a:spcPts val="0"/>
+              </a:spcBef>
+              <a:buFont typeface="Wingdings" panose="05000000000000000000" pitchFamily="2" charset="2"/>
+              <a:buChar char="Ø"/>
+            </a:pPr>
+            <a:r>
+              <a:rPr lang="en-US" sz="1400" dirty="0"/>
+              <a:t>Jenkins: To define code deployment as pipeline.</a:t>
+            </a:r>
+          </a:p>
+        </p:txBody>
+      </p:sp>
+    </p:spTree>
+    <p:extLst>
+      <p:ext uri="{BB962C8B-B14F-4D97-AF65-F5344CB8AC3E}">
+        <p14:creationId xmlns:p14="http://schemas.microsoft.com/office/powerpoint/2010/main" val="3568542050"/>
+      </p:ext>
+    </p:extLst>
+  </p:cSld>
+  <p:clrMapOvr>
+    <a:masterClrMapping/>
+  </p:clrMapOvr>
+</p:sld>
+</file>
+
+<file path=ppt/slides/slide3.xml><?xml version="1.0" encoding="utf-8"?>
+<p:sld xmlns:a="http://schemas.openxmlformats.org/drawingml/2006/main" xmlns:r="http://schemas.openxmlformats.org/officeDocument/2006/relationships" xmlns:p="http://schemas.openxmlformats.org/presentationml/2006/main">
+  <p:cSld>
+    <p:spTree>
+      <p:nvGrpSpPr>
+        <p:cNvPr id="1" name=""/>
+        <p:cNvGrpSpPr/>
+        <p:nvPr/>
+      </p:nvGrpSpPr>
+      <p:grpSpPr>
+        <a:xfrm>
+          <a:off x="0" y="0"/>
+          <a:ext cx="0" cy="0"/>
+          <a:chOff x="0" y="0"/>
+          <a:chExt cx="0" cy="0"/>
+        </a:xfrm>
+      </p:grpSpPr>
+      <p:sp>
+        <p:nvSpPr>
+          <p:cNvPr id="2" name="Title 1">
+            <a:extLst>
+              <a:ext uri="{FF2B5EF4-FFF2-40B4-BE49-F238E27FC236}">
+                <a16:creationId xmlns:a16="http://schemas.microsoft.com/office/drawing/2014/main" id="{5B336246-F970-4E72-8DC3-5A0C7662B686}"/>
+              </a:ext>
+            </a:extLst>
+          </p:cNvPr>
+          <p:cNvSpPr>
+            <a:spLocks noGrp="1"/>
+          </p:cNvSpPr>
+          <p:nvPr>
+            <p:ph type="ctrTitle"/>
+          </p:nvPr>
+        </p:nvSpPr>
+        <p:spPr>
+          <a:xfrm>
+            <a:off x="1524000" y="644065"/>
+            <a:ext cx="9144000" cy="477837"/>
+          </a:xfrm>
+        </p:spPr>
+        <p:txBody>
+          <a:bodyPr>
+            <a:noAutofit/>
+          </a:bodyPr>
+          <a:lstStyle/>
+          <a:p>
+            <a:r>
+              <a:rPr lang="en-US" sz="3200" dirty="0"/>
+              <a:t>Modules/Components Design Flow</a:t>
+            </a:r>
+          </a:p>
+        </p:txBody>
+      </p:sp>
+      <p:sp>
+        <p:nvSpPr>
+          <p:cNvPr id="5" name="Rectangle 4">
+            <a:extLst>
+              <a:ext uri="{FF2B5EF4-FFF2-40B4-BE49-F238E27FC236}">
+                <a16:creationId xmlns:a16="http://schemas.microsoft.com/office/drawing/2014/main" id="{60A99C81-F6EC-46C1-B6F0-A3DF21AE214F}"/>
+              </a:ext>
+            </a:extLst>
+          </p:cNvPr>
+          <p:cNvSpPr/>
+          <p:nvPr/>
+        </p:nvSpPr>
+        <p:spPr>
+          <a:xfrm>
+            <a:off x="4512649" y="1375108"/>
+            <a:ext cx="4462905" cy="4360990"/>
+          </a:xfrm>
+          <a:prstGeom prst="rect">
+            <a:avLst/>
+          </a:prstGeom>
+        </p:spPr>
+        <p:style>
+          <a:lnRef idx="2">
+            <a:schemeClr val="accent6"/>
+          </a:lnRef>
+          <a:fillRef idx="1">
+            <a:schemeClr val="lt1"/>
+          </a:fillRef>
+          <a:effectRef idx="0">
+            <a:schemeClr val="accent6"/>
+          </a:effectRef>
+          <a:fontRef idx="minor">
+            <a:schemeClr val="dk1"/>
+          </a:fontRef>
+        </p:style>
+        <p:txBody>
+          <a:bodyPr rtlCol="0" anchor="ctr"/>
+          <a:lstStyle/>
+          <a:p>
+            <a:r>
+              <a:rPr lang="en-US" sz="900" dirty="0"/>
+              <a:t>Class GetStorage:`</a:t>
+            </a:r>
+          </a:p>
+          <a:p>
+            <a:r>
+              <a:rPr lang="en-US" sz="900" dirty="0"/>
+              <a:t>     def __init__(self, *param)</a:t>
+            </a:r>
+          </a:p>
+          <a:p>
+            <a:r>
+              <a:rPr lang="en-US" sz="900" dirty="0"/>
+              <a:t>     def validateParameters(self, *param)</a:t>
+            </a:r>
+          </a:p>
+          <a:p>
+            <a:r>
+              <a:rPr lang="en-US" sz="900" dirty="0"/>
+              <a:t>     def getStorageDetails(self, *param)</a:t>
+            </a:r>
+          </a:p>
+          <a:p>
+            <a:r>
+              <a:rPr lang="en-US" sz="900" dirty="0"/>
+              <a:t>     def runScript(self, *param)</a:t>
+            </a:r>
+          </a:p>
+          <a:p>
+            <a:r>
+              <a:rPr lang="en-US" sz="900" dirty="0"/>
+              <a:t>     def loadStorage(self, *param)</a:t>
+            </a:r>
+          </a:p>
+          <a:p>
+            <a:r>
+              <a:rPr lang="en-US" sz="900" dirty="0"/>
+              <a:t>     def extractDetailsWindows(self, *param)</a:t>
+            </a:r>
+          </a:p>
+          <a:p>
+            <a:r>
+              <a:rPr lang="en-US" sz="900" dirty="0"/>
+              <a:t>     def extractDetailsLinux(self, *param)</a:t>
+            </a:r>
+          </a:p>
+          <a:p>
+            <a:r>
+              <a:rPr lang="en-US" sz="900" dirty="0"/>
+              <a:t>     def fileFormatter(self, *param)</a:t>
+            </a:r>
+          </a:p>
+          <a:p>
+            <a:r>
+              <a:rPr lang="en-US" sz="900" dirty="0"/>
+              <a:t>     def loadJsonFormat(self, *param)</a:t>
+            </a:r>
+          </a:p>
+          <a:p>
+            <a:r>
+              <a:rPr lang="en-US" sz="900" dirty="0"/>
+              <a:t>     def loadXMLFormat(self, *param)</a:t>
+            </a:r>
+          </a:p>
+          <a:p>
+            <a:r>
+              <a:rPr lang="en-US" sz="900" dirty="0"/>
+              <a:t>     def loadTextFormat(self, *param)</a:t>
+            </a:r>
+          </a:p>
+          <a:p>
+            <a:r>
+              <a:rPr lang="en-US" sz="900" dirty="0"/>
+              <a:t>     def publishResults(self, *param)</a:t>
+            </a:r>
+          </a:p>
+          <a:p>
+            <a:r>
+              <a:rPr lang="en-US" sz="900" dirty="0"/>
+              <a:t>     def transferFileToDisk(self, *param)</a:t>
+            </a:r>
+          </a:p>
+          <a:p>
+            <a:r>
+              <a:rPr lang="en-US" sz="900" dirty="0"/>
+              <a:t>     def transferFileToEmail(self, *param)</a:t>
+            </a:r>
+          </a:p>
+          <a:p>
+            <a:r>
+              <a:rPr lang="en-US" sz="900" dirty="0"/>
+              <a:t>     def transferFileToSharedServer(self, *param)</a:t>
+            </a:r>
+          </a:p>
+          <a:p>
+            <a:endParaRPr lang="en-US" sz="900" dirty="0"/>
+          </a:p>
+          <a:p>
+            <a:r>
+              <a:rPr lang="en-US" sz="900" dirty="0"/>
+              <a:t>parameterFile = "param.json"</a:t>
+            </a:r>
+          </a:p>
+          <a:p>
+            <a:r>
+              <a:rPr lang="en-US" sz="900" dirty="0"/>
+              <a:t>parameterFile = ParameterFile(parameterFile)</a:t>
+            </a:r>
+          </a:p>
+          <a:p>
+            <a:r>
+              <a:rPr lang="en-US" sz="900" dirty="0"/>
+              <a:t>osProxy, scriptName, fileFormat, publishType, path = parameterFile.readParameterFile()</a:t>
+            </a:r>
+          </a:p>
+          <a:p>
+            <a:r>
+              <a:rPr lang="en-US" sz="900" dirty="0"/>
+              <a:t>newPath = r'C:\{}'.format(path)</a:t>
+            </a:r>
+          </a:p>
+          <a:p>
+            <a:r>
+              <a:rPr lang="en-US" sz="900" dirty="0"/>
+              <a:t>validator = Validator()</a:t>
+            </a:r>
+          </a:p>
+          <a:p>
+            <a:r>
+              <a:rPr lang="en-US" sz="900" dirty="0"/>
+              <a:t>getStorage = GetStorage(newPath, osProxy, scriptName, fileFormat, publishType, validator)</a:t>
+            </a:r>
+          </a:p>
+          <a:p>
+            <a:r>
+              <a:rPr lang="en-US" sz="900" dirty="0"/>
+              <a:t>getStorage.validateParameters()</a:t>
+            </a:r>
+          </a:p>
+          <a:p>
+            <a:r>
+              <a:rPr lang="en-US" sz="900" dirty="0"/>
+              <a:t>getStorage.getStorageDetails()</a:t>
+            </a:r>
+          </a:p>
+          <a:p>
+            <a:r>
+              <a:rPr lang="en-US" sz="900" dirty="0"/>
+              <a:t>getStorage.runScript()</a:t>
+            </a:r>
+          </a:p>
+          <a:p>
+            <a:r>
+              <a:rPr lang="en-US" sz="900" dirty="0"/>
+              <a:t>getStorage.loadStorage()</a:t>
+            </a:r>
+          </a:p>
+          <a:p>
+            <a:r>
+              <a:rPr lang="en-US" sz="900" dirty="0"/>
+              <a:t>getStorage.fileFormatter()</a:t>
+            </a:r>
+          </a:p>
+          <a:p>
+            <a:r>
+              <a:rPr lang="en-US" sz="900" dirty="0"/>
+              <a:t>getStorage.publishResults()</a:t>
+            </a:r>
+          </a:p>
+        </p:txBody>
+      </p:sp>
+      <p:sp>
+        <p:nvSpPr>
+          <p:cNvPr id="10" name="Rectangle 9">
+            <a:extLst>
+              <a:ext uri="{FF2B5EF4-FFF2-40B4-BE49-F238E27FC236}">
+                <a16:creationId xmlns:a16="http://schemas.microsoft.com/office/drawing/2014/main" id="{C326569B-B108-43FB-BB51-05839DDEB7C6}"/>
+              </a:ext>
+            </a:extLst>
+          </p:cNvPr>
+          <p:cNvSpPr/>
+          <p:nvPr/>
+        </p:nvSpPr>
+        <p:spPr>
+          <a:xfrm>
+            <a:off x="362811" y="1362075"/>
+            <a:ext cx="3961377" cy="5187290"/>
+          </a:xfrm>
+          <a:prstGeom prst="rect">
+            <a:avLst/>
+          </a:prstGeom>
+          <a:solidFill>
+            <a:schemeClr val="accent1">
+              <a:lumMod val="20000"/>
+              <a:lumOff val="80000"/>
+            </a:schemeClr>
+          </a:solidFill>
+        </p:spPr>
+        <p:style>
+          <a:lnRef idx="2">
+            <a:schemeClr val="accent6"/>
+          </a:lnRef>
+          <a:fillRef idx="1">
+            <a:schemeClr val="lt1"/>
+          </a:fillRef>
+          <a:effectRef idx="0">
+            <a:schemeClr val="accent6"/>
+          </a:effectRef>
+          <a:fontRef idx="minor">
+            <a:schemeClr val="dk1"/>
+          </a:fontRef>
+        </p:style>
+        <p:txBody>
+          <a:bodyPr rtlCol="0" anchor="ctr"/>
+          <a:lstStyle/>
+          <a:p>
+            <a:r>
+              <a:rPr lang="en-US" sz="800" dirty="0"/>
+              <a:t>String condaInstallPath ="C:\\Users\\manoj\\Anaconda3\\condabin";</a:t>
+            </a:r>
+          </a:p>
+          <a:p>
+            <a:r>
+              <a:rPr lang="en-US" sz="800" dirty="0"/>
+              <a:t>String pythonInstallPath = "C:\\Users\\manoj\\AppData\\Local\\Programs\\Python\\Python37-32";</a:t>
+            </a:r>
+          </a:p>
+          <a:p>
+            <a:r>
+              <a:rPr lang="en-US" sz="800" dirty="0"/>
+              <a:t>String parameterFileName = "parameter.json";</a:t>
+            </a:r>
+          </a:p>
+          <a:p>
+            <a:r>
+              <a:rPr lang="en-US" sz="800" dirty="0"/>
+              <a:t>pipeline {</a:t>
+            </a:r>
+          </a:p>
+          <a:p>
+            <a:r>
+              <a:rPr lang="en-US" sz="800" dirty="0"/>
+              <a:t>        stage('pipeline initialization') {</a:t>
+            </a:r>
+          </a:p>
+          <a:p>
+            <a:r>
+              <a:rPr lang="en-US" sz="800" dirty="0"/>
+              <a:t>            steps { }</a:t>
+            </a:r>
+          </a:p>
+          <a:p>
+            <a:r>
+              <a:rPr lang="en-US" sz="800" dirty="0"/>
+              <a:t>        }</a:t>
+            </a:r>
+          </a:p>
+          <a:p>
+            <a:r>
+              <a:rPr lang="en-US" sz="800" dirty="0"/>
+              <a:t>        stage('code checkout') {</a:t>
+            </a:r>
+          </a:p>
+          <a:p>
+            <a:r>
+              <a:rPr lang="en-US" sz="800" dirty="0"/>
+              <a:t>            steps{}</a:t>
+            </a:r>
+          </a:p>
+          <a:p>
+            <a:r>
+              <a:rPr lang="en-US" sz="800" dirty="0"/>
+              <a:t>        }</a:t>
+            </a:r>
+          </a:p>
+          <a:p>
+            <a:r>
+              <a:rPr lang="en-US" sz="800" dirty="0"/>
+              <a:t>        stage('prepare environment execute the module') {</a:t>
+            </a:r>
+          </a:p>
+          <a:p>
+            <a:r>
+              <a:rPr lang="en-US" sz="800" dirty="0"/>
+              <a:t>            steps {</a:t>
+            </a:r>
+          </a:p>
+          <a:p>
+            <a:r>
+              <a:rPr lang="en-US" sz="800" dirty="0"/>
+              <a:t>                script {</a:t>
+            </a:r>
+          </a:p>
+          <a:p>
+            <a:r>
+              <a:rPr lang="en-US" sz="800" dirty="0"/>
+              <a:t>                    def workspace = env.WORKSPACE</a:t>
+            </a:r>
+          </a:p>
+          <a:p>
+            <a:r>
+              <a:rPr lang="en-US" sz="800" dirty="0"/>
+              <a:t>                    dir(condaInstallPath) {</a:t>
+            </a:r>
+          </a:p>
+          <a:p>
+            <a:r>
+              <a:rPr lang="en-US" sz="800" dirty="0"/>
+              <a:t>                        bat '''dir</a:t>
+            </a:r>
+          </a:p>
+          <a:p>
+            <a:r>
+              <a:rPr lang="en-US" sz="800" dirty="0"/>
+              <a:t>                            conda env list</a:t>
+            </a:r>
+          </a:p>
+          <a:p>
+            <a:r>
+              <a:rPr lang="en-US" sz="800" dirty="0"/>
+              <a:t>                            conda activate base'''</a:t>
+            </a:r>
+          </a:p>
+          <a:p>
+            <a:r>
+              <a:rPr lang="en-US" sz="800" dirty="0"/>
+              <a:t>                    }</a:t>
+            </a:r>
+          </a:p>
+          <a:p>
+            <a:r>
+              <a:rPr lang="en-US" sz="800" dirty="0"/>
+              <a:t>                    dir(workspace) {</a:t>
+            </a:r>
+          </a:p>
+          <a:p>
+            <a:r>
+              <a:rPr lang="en-US" sz="800" dirty="0"/>
+              <a:t>                        bat '‘’SET PATH=%PATH%;%PYTHON_PATH%</a:t>
+            </a:r>
+          </a:p>
+          <a:p>
+            <a:r>
+              <a:rPr lang="en-US" sz="800" dirty="0"/>
+              <a:t>                            type parameter.json &gt; param.json</a:t>
+            </a:r>
+          </a:p>
+          <a:p>
+            <a:r>
+              <a:rPr lang="en-US" sz="800" dirty="0"/>
+              <a:t>                            python GetStorage.py'‘’</a:t>
+            </a:r>
+          </a:p>
+          <a:p>
+            <a:r>
+              <a:rPr lang="en-US" sz="800" dirty="0"/>
+              <a:t>                    }</a:t>
+            </a:r>
+          </a:p>
+          <a:p>
+            <a:r>
+              <a:rPr lang="en-US" sz="800" dirty="0"/>
+              <a:t>                 }</a:t>
+            </a:r>
+          </a:p>
+          <a:p>
+            <a:r>
+              <a:rPr lang="en-US" sz="800" dirty="0"/>
+              <a:t>            }</a:t>
+            </a:r>
+          </a:p>
+          <a:p>
+            <a:r>
+              <a:rPr lang="en-US" sz="800" dirty="0"/>
+              <a:t>        }</a:t>
+            </a:r>
+          </a:p>
+          <a:p>
+            <a:r>
+              <a:rPr lang="en-US" sz="800" dirty="0"/>
+              <a:t>        stage('Move the result file to a different space location') {</a:t>
+            </a:r>
+          </a:p>
+          <a:p>
+            <a:r>
+              <a:rPr lang="en-US" sz="800" dirty="0"/>
+              <a:t>            steps {</a:t>
+            </a:r>
+          </a:p>
+          <a:p>
+            <a:r>
+              <a:rPr lang="en-US" sz="800" dirty="0"/>
+              <a:t>                dir(workspace) {</a:t>
+            </a:r>
+          </a:p>
+          <a:p>
+            <a:r>
+              <a:rPr lang="en-US" sz="800" dirty="0"/>
+              <a:t>                bat '''copy "PublishResults\\diskSpaceInfo.json" /A "C:\\Users\\manoj\\Downloads\\Python Study\\Coding Challenges\\Interview Problem Statement\\System_Programming_getStorageDetails\\CaptureResults\\Windows\\diskSpaceInfo.json" /A /Y'''</a:t>
+            </a:r>
+          </a:p>
+          <a:p>
+            <a:r>
+              <a:rPr lang="en-US" sz="800" dirty="0"/>
+              <a:t>                }</a:t>
+            </a:r>
+          </a:p>
+          <a:p>
+            <a:r>
+              <a:rPr lang="en-US" sz="800" dirty="0"/>
+              <a:t>            }</a:t>
+            </a:r>
+          </a:p>
+          <a:p>
+            <a:r>
+              <a:rPr lang="en-US" sz="800" dirty="0"/>
+              <a:t>        }</a:t>
+            </a:r>
+          </a:p>
+          <a:p>
+            <a:r>
+              <a:rPr lang="en-US" sz="800" dirty="0"/>
+              <a:t>    }</a:t>
+            </a:r>
+          </a:p>
+          <a:p>
+            <a:r>
+              <a:rPr lang="en-US" sz="800" dirty="0"/>
+              <a:t>}</a:t>
+            </a:r>
+          </a:p>
+        </p:txBody>
+      </p:sp>
+      <p:cxnSp>
+        <p:nvCxnSpPr>
+          <p:cNvPr id="20" name="Connector: Elbow 19">
+            <a:extLst>
+              <a:ext uri="{FF2B5EF4-FFF2-40B4-BE49-F238E27FC236}">
+                <a16:creationId xmlns:a16="http://schemas.microsoft.com/office/drawing/2014/main" id="{ADDDF8E3-80EE-4539-A311-109E972D99EF}"/>
+              </a:ext>
+            </a:extLst>
+          </p:cNvPr>
+          <p:cNvCxnSpPr>
+            <a:cxnSpLocks/>
+          </p:cNvCxnSpPr>
+          <p:nvPr/>
+        </p:nvCxnSpPr>
+        <p:spPr>
+          <a:xfrm flipV="1">
+            <a:off x="2117558" y="3937753"/>
+            <a:ext cx="2395091" cy="477837"/>
+          </a:xfrm>
+          <a:prstGeom prst="bentConnector3">
+            <a:avLst/>
+          </a:prstGeom>
+          <a:ln>
+            <a:tailEnd type="triangle"/>
+          </a:ln>
+        </p:spPr>
+        <p:style>
+          <a:lnRef idx="1">
+            <a:schemeClr val="accent1"/>
+          </a:lnRef>
+          <a:fillRef idx="0">
+            <a:schemeClr val="accent1"/>
+          </a:fillRef>
+          <a:effectRef idx="0">
+            <a:schemeClr val="accent1"/>
+          </a:effectRef>
+          <a:fontRef idx="minor">
+            <a:schemeClr val="tx1"/>
+          </a:fontRef>
+        </p:style>
+      </p:cxnSp>
+      <p:sp>
+        <p:nvSpPr>
+          <p:cNvPr id="21" name="Rectangle 20">
+            <a:extLst>
+              <a:ext uri="{FF2B5EF4-FFF2-40B4-BE49-F238E27FC236}">
+                <a16:creationId xmlns:a16="http://schemas.microsoft.com/office/drawing/2014/main" id="{A9BC44F7-5FED-43D8-857B-76D59189D897}"/>
+              </a:ext>
+            </a:extLst>
+          </p:cNvPr>
+          <p:cNvSpPr/>
+          <p:nvPr/>
+        </p:nvSpPr>
+        <p:spPr>
+          <a:xfrm>
+            <a:off x="1229054" y="1117832"/>
+            <a:ext cx="2056405" cy="244244"/>
+          </a:xfrm>
+          <a:prstGeom prst="rect">
+            <a:avLst/>
+          </a:prstGeom>
+        </p:spPr>
+        <p:style>
+          <a:lnRef idx="2">
+            <a:schemeClr val="accent1">
+              <a:shade val="50000"/>
+            </a:schemeClr>
+          </a:lnRef>
+          <a:fillRef idx="1">
+            <a:schemeClr val="accent1"/>
+          </a:fillRef>
+          <a:effectRef idx="0">
+            <a:schemeClr val="accent1"/>
+          </a:effectRef>
+          <a:fontRef idx="minor">
+            <a:schemeClr val="lt1"/>
+          </a:fontRef>
+        </p:style>
+        <p:txBody>
+          <a:bodyPr rtlCol="0" anchor="ctr"/>
+          <a:lstStyle/>
+          <a:p>
+            <a:pPr algn="ctr"/>
+            <a:r>
+              <a:rPr lang="en-US" dirty="0"/>
+              <a:t>Jenkins File</a:t>
+            </a:r>
+          </a:p>
+        </p:txBody>
+      </p:sp>
+      <p:sp>
+        <p:nvSpPr>
+          <p:cNvPr id="25" name="Rectangle 24">
+            <a:extLst>
+              <a:ext uri="{FF2B5EF4-FFF2-40B4-BE49-F238E27FC236}">
+                <a16:creationId xmlns:a16="http://schemas.microsoft.com/office/drawing/2014/main" id="{93F003D8-5BEA-4FE0-BBF5-0927730C37A6}"/>
+              </a:ext>
+            </a:extLst>
+          </p:cNvPr>
+          <p:cNvSpPr/>
+          <p:nvPr/>
+        </p:nvSpPr>
+        <p:spPr>
+          <a:xfrm>
+            <a:off x="9252283" y="1363075"/>
+            <a:ext cx="2310063" cy="586041"/>
+          </a:xfrm>
+          <a:prstGeom prst="rect">
+            <a:avLst/>
+          </a:prstGeom>
+        </p:spPr>
+        <p:style>
+          <a:lnRef idx="2">
+            <a:schemeClr val="accent4"/>
+          </a:lnRef>
+          <a:fillRef idx="1">
+            <a:schemeClr val="lt1"/>
+          </a:fillRef>
+          <a:effectRef idx="0">
+            <a:schemeClr val="accent4"/>
+          </a:effectRef>
+          <a:fontRef idx="minor">
+            <a:schemeClr val="dk1"/>
+          </a:fontRef>
+        </p:style>
+        <p:txBody>
+          <a:bodyPr rtlCol="0" anchor="ctr"/>
+          <a:lstStyle/>
+          <a:p>
+            <a:r>
+              <a:rPr lang="en-US" sz="900" dirty="0"/>
+              <a:t>Class ParameterFile:`</a:t>
+            </a:r>
+          </a:p>
+          <a:p>
+            <a:r>
+              <a:rPr lang="en-US" sz="900" dirty="0"/>
+              <a:t>     def __init__(self, *param)</a:t>
+            </a:r>
+          </a:p>
+          <a:p>
+            <a:r>
+              <a:rPr lang="en-US" sz="900" dirty="0"/>
+              <a:t>     def </a:t>
+            </a:r>
+            <a:r>
+              <a:rPr lang="en-US" sz="900" dirty="0" err="1"/>
+              <a:t>readParamterFile</a:t>
+            </a:r>
+            <a:r>
+              <a:rPr lang="en-US" sz="900" dirty="0"/>
+              <a:t>(self, *param)</a:t>
+            </a:r>
+          </a:p>
+        </p:txBody>
+      </p:sp>
+      <p:sp>
+        <p:nvSpPr>
+          <p:cNvPr id="27" name="Rectangle 26">
+            <a:extLst>
+              <a:ext uri="{FF2B5EF4-FFF2-40B4-BE49-F238E27FC236}">
+                <a16:creationId xmlns:a16="http://schemas.microsoft.com/office/drawing/2014/main" id="{F2267F14-0C4E-4091-A8C2-7413CE73D72E}"/>
+              </a:ext>
+            </a:extLst>
+          </p:cNvPr>
+          <p:cNvSpPr/>
+          <p:nvPr/>
+        </p:nvSpPr>
+        <p:spPr>
+          <a:xfrm>
+            <a:off x="5460160" y="1121902"/>
+            <a:ext cx="2056405" cy="244244"/>
+          </a:xfrm>
+          <a:prstGeom prst="rect">
+            <a:avLst/>
+          </a:prstGeom>
+        </p:spPr>
+        <p:style>
+          <a:lnRef idx="2">
+            <a:schemeClr val="accent1">
+              <a:shade val="50000"/>
+            </a:schemeClr>
+          </a:lnRef>
+          <a:fillRef idx="1">
+            <a:schemeClr val="accent1"/>
+          </a:fillRef>
+          <a:effectRef idx="0">
+            <a:schemeClr val="accent1"/>
+          </a:effectRef>
+          <a:fontRef idx="minor">
+            <a:schemeClr val="lt1"/>
+          </a:fontRef>
+        </p:style>
+        <p:txBody>
+          <a:bodyPr rtlCol="0" anchor="ctr"/>
+          <a:lstStyle/>
+          <a:p>
+            <a:pPr algn="ctr"/>
+            <a:r>
+              <a:rPr lang="en-US" dirty="0"/>
+              <a:t>GetStorage.py</a:t>
+            </a:r>
+          </a:p>
+        </p:txBody>
+      </p:sp>
+      <p:sp>
+        <p:nvSpPr>
+          <p:cNvPr id="28" name="Rectangle 27">
+            <a:extLst>
+              <a:ext uri="{FF2B5EF4-FFF2-40B4-BE49-F238E27FC236}">
+                <a16:creationId xmlns:a16="http://schemas.microsoft.com/office/drawing/2014/main" id="{7C8E2988-E17D-495E-9EEA-CB613416A7BE}"/>
+              </a:ext>
+            </a:extLst>
+          </p:cNvPr>
+          <p:cNvSpPr/>
+          <p:nvPr/>
+        </p:nvSpPr>
+        <p:spPr>
+          <a:xfrm>
+            <a:off x="9379111" y="1106799"/>
+            <a:ext cx="2056405" cy="244244"/>
+          </a:xfrm>
+          <a:prstGeom prst="rect">
+            <a:avLst/>
+          </a:prstGeom>
+        </p:spPr>
+        <p:style>
+          <a:lnRef idx="2">
+            <a:schemeClr val="accent1">
+              <a:shade val="50000"/>
+            </a:schemeClr>
+          </a:lnRef>
+          <a:fillRef idx="1">
+            <a:schemeClr val="accent1"/>
+          </a:fillRef>
+          <a:effectRef idx="0">
+            <a:schemeClr val="accent1"/>
+          </a:effectRef>
+          <a:fontRef idx="minor">
+            <a:schemeClr val="lt1"/>
+          </a:fontRef>
+        </p:style>
+        <p:txBody>
+          <a:bodyPr rtlCol="0" anchor="ctr"/>
+          <a:lstStyle/>
+          <a:p>
+            <a:pPr algn="ctr"/>
+            <a:r>
+              <a:rPr lang="en-US" dirty="0"/>
+              <a:t>ParameterFile.py</a:t>
+            </a:r>
+          </a:p>
+        </p:txBody>
+      </p:sp>
+      <p:cxnSp>
+        <p:nvCxnSpPr>
+          <p:cNvPr id="31" name="Connector: Elbow 30">
+            <a:extLst>
+              <a:ext uri="{FF2B5EF4-FFF2-40B4-BE49-F238E27FC236}">
+                <a16:creationId xmlns:a16="http://schemas.microsoft.com/office/drawing/2014/main" id="{C447FD03-0D16-423B-93AC-0BC04A23BFB4}"/>
+              </a:ext>
+            </a:extLst>
+          </p:cNvPr>
+          <p:cNvCxnSpPr>
+            <a:cxnSpLocks/>
+          </p:cNvCxnSpPr>
+          <p:nvPr/>
+        </p:nvCxnSpPr>
+        <p:spPr>
+          <a:xfrm flipV="1">
+            <a:off x="6771109" y="1595936"/>
+            <a:ext cx="2541334" cy="2496068"/>
+          </a:xfrm>
+          <a:prstGeom prst="bentConnector3">
+            <a:avLst/>
+          </a:prstGeom>
+          <a:ln>
+            <a:tailEnd type="triangle"/>
+          </a:ln>
+        </p:spPr>
+        <p:style>
+          <a:lnRef idx="1">
+            <a:schemeClr val="accent2"/>
+          </a:lnRef>
+          <a:fillRef idx="0">
+            <a:schemeClr val="accent2"/>
+          </a:fillRef>
+          <a:effectRef idx="0">
+            <a:schemeClr val="accent2"/>
+          </a:effectRef>
+          <a:fontRef idx="minor">
+            <a:schemeClr val="tx1"/>
+          </a:fontRef>
+        </p:style>
+      </p:cxnSp>
+      <p:sp>
+        <p:nvSpPr>
+          <p:cNvPr id="35" name="TextBox 34">
+            <a:extLst>
+              <a:ext uri="{FF2B5EF4-FFF2-40B4-BE49-F238E27FC236}">
+                <a16:creationId xmlns:a16="http://schemas.microsoft.com/office/drawing/2014/main" id="{21B169E7-9800-433F-B1CC-FC3109E75ECB}"/>
+              </a:ext>
+            </a:extLst>
+          </p:cNvPr>
+          <p:cNvSpPr txBox="1"/>
+          <p:nvPr/>
+        </p:nvSpPr>
+        <p:spPr>
+          <a:xfrm>
+            <a:off x="2454442" y="3290325"/>
+            <a:ext cx="1515979" cy="215444"/>
+          </a:xfrm>
+          <a:prstGeom prst="rect">
+            <a:avLst/>
+          </a:prstGeom>
+          <a:solidFill>
+            <a:schemeClr val="accent2">
+              <a:lumMod val="60000"/>
+              <a:lumOff val="40000"/>
+            </a:schemeClr>
+          </a:solidFill>
+        </p:spPr>
+        <p:txBody>
+          <a:bodyPr wrap="square" rtlCol="0">
+            <a:spAutoFit/>
+          </a:bodyPr>
+          <a:lstStyle/>
+          <a:p>
+            <a:r>
+              <a:rPr lang="en-US" sz="800" dirty="0"/>
+              <a:t>Prepare Execution Environment</a:t>
+            </a:r>
+          </a:p>
+        </p:txBody>
+      </p:sp>
+      <p:sp>
+        <p:nvSpPr>
+          <p:cNvPr id="37" name="TextBox 36">
+            <a:extLst>
+              <a:ext uri="{FF2B5EF4-FFF2-40B4-BE49-F238E27FC236}">
+                <a16:creationId xmlns:a16="http://schemas.microsoft.com/office/drawing/2014/main" id="{4D0E4232-0E16-46F6-956B-55847B5F2EED}"/>
+              </a:ext>
+            </a:extLst>
+          </p:cNvPr>
+          <p:cNvSpPr txBox="1"/>
+          <p:nvPr/>
+        </p:nvSpPr>
+        <p:spPr>
+          <a:xfrm>
+            <a:off x="3521238" y="1499283"/>
+            <a:ext cx="698636" cy="338554"/>
+          </a:xfrm>
+          <a:prstGeom prst="rect">
+            <a:avLst/>
+          </a:prstGeom>
+          <a:solidFill>
+            <a:schemeClr val="accent2">
+              <a:lumMod val="60000"/>
+              <a:lumOff val="40000"/>
+            </a:schemeClr>
+          </a:solidFill>
+        </p:spPr>
+        <p:txBody>
+          <a:bodyPr wrap="square" rtlCol="0">
+            <a:spAutoFit/>
+          </a:bodyPr>
+          <a:lstStyle/>
+          <a:p>
+            <a:r>
+              <a:rPr lang="en-US" sz="800" dirty="0"/>
+              <a:t>Jenkins Parameters</a:t>
+            </a:r>
+          </a:p>
+        </p:txBody>
+      </p:sp>
+      <p:sp>
+        <p:nvSpPr>
+          <p:cNvPr id="38" name="TextBox 37">
+            <a:extLst>
+              <a:ext uri="{FF2B5EF4-FFF2-40B4-BE49-F238E27FC236}">
+                <a16:creationId xmlns:a16="http://schemas.microsoft.com/office/drawing/2014/main" id="{BB68FD74-5178-456E-ABFB-AD697C6874B4}"/>
+              </a:ext>
+            </a:extLst>
+          </p:cNvPr>
+          <p:cNvSpPr txBox="1"/>
+          <p:nvPr/>
+        </p:nvSpPr>
+        <p:spPr>
+          <a:xfrm>
+            <a:off x="1018676" y="4489468"/>
+            <a:ext cx="1183104" cy="215444"/>
+          </a:xfrm>
+          <a:prstGeom prst="rect">
+            <a:avLst/>
+          </a:prstGeom>
+          <a:solidFill>
+            <a:schemeClr val="accent2">
+              <a:lumMod val="60000"/>
+              <a:lumOff val="40000"/>
+            </a:schemeClr>
+          </a:solidFill>
+        </p:spPr>
+        <p:txBody>
+          <a:bodyPr wrap="square" rtlCol="0">
+            <a:spAutoFit/>
+          </a:bodyPr>
+          <a:lstStyle/>
+          <a:p>
+            <a:r>
+              <a:rPr lang="en-US" sz="800" dirty="0"/>
+              <a:t>Trigger Python Module</a:t>
+            </a:r>
+          </a:p>
+        </p:txBody>
+      </p:sp>
+      <p:sp>
+        <p:nvSpPr>
+          <p:cNvPr id="39" name="TextBox 38">
+            <a:extLst>
+              <a:ext uri="{FF2B5EF4-FFF2-40B4-BE49-F238E27FC236}">
+                <a16:creationId xmlns:a16="http://schemas.microsoft.com/office/drawing/2014/main" id="{C370CAEE-1742-47F6-925F-E423451EA956}"/>
+              </a:ext>
+            </a:extLst>
+          </p:cNvPr>
+          <p:cNvSpPr txBox="1"/>
+          <p:nvPr/>
+        </p:nvSpPr>
+        <p:spPr>
+          <a:xfrm>
+            <a:off x="978564" y="5796899"/>
+            <a:ext cx="2101519" cy="215444"/>
+          </a:xfrm>
+          <a:prstGeom prst="rect">
+            <a:avLst/>
+          </a:prstGeom>
+          <a:solidFill>
+            <a:schemeClr val="accent2">
+              <a:lumMod val="60000"/>
+              <a:lumOff val="40000"/>
+            </a:schemeClr>
+          </a:solidFill>
+        </p:spPr>
+        <p:txBody>
+          <a:bodyPr wrap="square" rtlCol="0">
+            <a:spAutoFit/>
+          </a:bodyPr>
+          <a:lstStyle/>
+          <a:p>
+            <a:r>
+              <a:rPr lang="en-US" sz="800" dirty="0"/>
+              <a:t>Pull Results From Workspace To Local Storage</a:t>
+            </a:r>
+          </a:p>
+        </p:txBody>
+      </p:sp>
+      <p:cxnSp>
+        <p:nvCxnSpPr>
+          <p:cNvPr id="49" name="Connector: Elbow 48">
+            <a:extLst>
+              <a:ext uri="{FF2B5EF4-FFF2-40B4-BE49-F238E27FC236}">
+                <a16:creationId xmlns:a16="http://schemas.microsoft.com/office/drawing/2014/main" id="{12AD08E6-CE13-4CC6-8C0F-8F7509369D77}"/>
+              </a:ext>
+            </a:extLst>
+          </p:cNvPr>
+          <p:cNvCxnSpPr>
+            <a:cxnSpLocks/>
+          </p:cNvCxnSpPr>
+          <p:nvPr/>
+        </p:nvCxnSpPr>
+        <p:spPr>
+          <a:xfrm rot="5400000" flipH="1" flipV="1">
+            <a:off x="7781448" y="2537391"/>
+            <a:ext cx="2364159" cy="914403"/>
+          </a:xfrm>
+          <a:prstGeom prst="bentConnector3">
+            <a:avLst>
+              <a:gd name="adj1" fmla="val 100383"/>
+            </a:avLst>
+          </a:prstGeom>
+          <a:ln>
+            <a:tailEnd type="triangle"/>
+          </a:ln>
+        </p:spPr>
+        <p:style>
+          <a:lnRef idx="1">
+            <a:schemeClr val="accent2"/>
+          </a:lnRef>
+          <a:fillRef idx="0">
+            <a:schemeClr val="accent2"/>
+          </a:fillRef>
+          <a:effectRef idx="0">
+            <a:schemeClr val="accent2"/>
+          </a:effectRef>
+          <a:fontRef idx="minor">
+            <a:schemeClr val="tx1"/>
+          </a:fontRef>
+        </p:style>
+      </p:cxnSp>
+      <p:sp>
+        <p:nvSpPr>
+          <p:cNvPr id="52" name="Rectangle 51">
+            <a:extLst>
+              <a:ext uri="{FF2B5EF4-FFF2-40B4-BE49-F238E27FC236}">
+                <a16:creationId xmlns:a16="http://schemas.microsoft.com/office/drawing/2014/main" id="{A607C658-CFD6-43F7-B12A-257B026382C1}"/>
+              </a:ext>
+            </a:extLst>
+          </p:cNvPr>
+          <p:cNvSpPr/>
+          <p:nvPr/>
+        </p:nvSpPr>
+        <p:spPr>
+          <a:xfrm>
+            <a:off x="9260305" y="2477999"/>
+            <a:ext cx="2310063" cy="586041"/>
+          </a:xfrm>
+          <a:prstGeom prst="rect">
+            <a:avLst/>
+          </a:prstGeom>
+        </p:spPr>
+        <p:style>
+          <a:lnRef idx="2">
+            <a:schemeClr val="accent6"/>
+          </a:lnRef>
+          <a:fillRef idx="1">
+            <a:schemeClr val="lt1"/>
+          </a:fillRef>
+          <a:effectRef idx="0">
+            <a:schemeClr val="accent6"/>
+          </a:effectRef>
+          <a:fontRef idx="minor">
+            <a:schemeClr val="dk1"/>
+          </a:fontRef>
+        </p:style>
+        <p:txBody>
+          <a:bodyPr rtlCol="0" anchor="ctr"/>
+          <a:lstStyle/>
+          <a:p>
+            <a:r>
+              <a:rPr lang="en-US" sz="900" dirty="0"/>
+              <a:t>Class Validator:`</a:t>
+            </a:r>
+          </a:p>
+          <a:p>
+            <a:r>
+              <a:rPr lang="en-US" sz="900" dirty="0"/>
+              <a:t>     def </a:t>
+            </a:r>
+            <a:r>
+              <a:rPr lang="en-US" sz="900" dirty="0" err="1"/>
+              <a:t>validatorNull</a:t>
+            </a:r>
+            <a:r>
+              <a:rPr lang="en-US" sz="900" dirty="0"/>
+              <a:t>(self, *param)</a:t>
+            </a:r>
+          </a:p>
+          <a:p>
+            <a:r>
+              <a:rPr lang="en-US" sz="900" dirty="0"/>
+              <a:t>     def </a:t>
+            </a:r>
+            <a:r>
+              <a:rPr lang="en-US" sz="900" dirty="0" err="1"/>
+              <a:t>validateEmpty</a:t>
+            </a:r>
+            <a:r>
+              <a:rPr lang="en-US" sz="900" dirty="0"/>
+              <a:t>(self, *param)</a:t>
+            </a:r>
+          </a:p>
+          <a:p>
+            <a:r>
+              <a:rPr lang="en-US" sz="900" dirty="0"/>
+              <a:t>     def </a:t>
+            </a:r>
+            <a:r>
+              <a:rPr lang="en-US" sz="900" dirty="0" err="1"/>
+              <a:t>validateGetValue</a:t>
+            </a:r>
+            <a:r>
+              <a:rPr lang="en-US" sz="900" dirty="0"/>
+              <a:t>(self, *param)</a:t>
+            </a:r>
+          </a:p>
+        </p:txBody>
+      </p:sp>
+      <p:sp>
+        <p:nvSpPr>
+          <p:cNvPr id="53" name="Rectangle 52">
+            <a:extLst>
+              <a:ext uri="{FF2B5EF4-FFF2-40B4-BE49-F238E27FC236}">
+                <a16:creationId xmlns:a16="http://schemas.microsoft.com/office/drawing/2014/main" id="{8A36B22A-7B21-48D5-8711-024853F46C0E}"/>
+              </a:ext>
+            </a:extLst>
+          </p:cNvPr>
+          <p:cNvSpPr/>
+          <p:nvPr/>
+        </p:nvSpPr>
+        <p:spPr>
+          <a:xfrm>
+            <a:off x="9387133" y="2221723"/>
+            <a:ext cx="2056405" cy="244244"/>
+          </a:xfrm>
+          <a:prstGeom prst="rect">
+            <a:avLst/>
+          </a:prstGeom>
+        </p:spPr>
+        <p:style>
+          <a:lnRef idx="2">
+            <a:schemeClr val="accent1">
+              <a:shade val="50000"/>
+            </a:schemeClr>
+          </a:lnRef>
+          <a:fillRef idx="1">
+            <a:schemeClr val="accent1"/>
+          </a:fillRef>
+          <a:effectRef idx="0">
+            <a:schemeClr val="accent1"/>
+          </a:effectRef>
+          <a:fontRef idx="minor">
+            <a:schemeClr val="lt1"/>
+          </a:fontRef>
+        </p:style>
+        <p:txBody>
+          <a:bodyPr rtlCol="0" anchor="ctr"/>
+          <a:lstStyle/>
+          <a:p>
+            <a:pPr algn="ctr"/>
+            <a:r>
+              <a:rPr lang="en-US" dirty="0"/>
+              <a:t>Validator.py</a:t>
+            </a:r>
+          </a:p>
+        </p:txBody>
+      </p:sp>
+      <p:cxnSp>
+        <p:nvCxnSpPr>
+          <p:cNvPr id="55" name="Connector: Elbow 54">
+            <a:extLst>
+              <a:ext uri="{FF2B5EF4-FFF2-40B4-BE49-F238E27FC236}">
+                <a16:creationId xmlns:a16="http://schemas.microsoft.com/office/drawing/2014/main" id="{E77437D9-D7DE-45D2-B3B6-8B9821C9F8D4}"/>
+              </a:ext>
+            </a:extLst>
+          </p:cNvPr>
+          <p:cNvCxnSpPr>
+            <a:cxnSpLocks/>
+          </p:cNvCxnSpPr>
+          <p:nvPr/>
+        </p:nvCxnSpPr>
+        <p:spPr>
+          <a:xfrm flipV="1">
+            <a:off x="5678906" y="2622884"/>
+            <a:ext cx="3581399" cy="1890648"/>
+          </a:xfrm>
+          <a:prstGeom prst="bentConnector3">
+            <a:avLst>
+              <a:gd name="adj1" fmla="val 85274"/>
+            </a:avLst>
+          </a:prstGeom>
+          <a:ln>
+            <a:tailEnd type="triangle"/>
+          </a:ln>
+        </p:spPr>
+        <p:style>
+          <a:lnRef idx="1">
+            <a:schemeClr val="accent6"/>
+          </a:lnRef>
+          <a:fillRef idx="0">
+            <a:schemeClr val="accent6"/>
+          </a:fillRef>
+          <a:effectRef idx="0">
+            <a:schemeClr val="accent6"/>
+          </a:effectRef>
+          <a:fontRef idx="minor">
+            <a:schemeClr val="tx1"/>
+          </a:fontRef>
+        </p:style>
+      </p:cxnSp>
+      <p:cxnSp>
+        <p:nvCxnSpPr>
+          <p:cNvPr id="67" name="Connector: Elbow 66">
+            <a:extLst>
+              <a:ext uri="{FF2B5EF4-FFF2-40B4-BE49-F238E27FC236}">
+                <a16:creationId xmlns:a16="http://schemas.microsoft.com/office/drawing/2014/main" id="{AEDA1797-201D-4EB2-917D-25206E70DD9F}"/>
+              </a:ext>
+            </a:extLst>
+          </p:cNvPr>
+          <p:cNvCxnSpPr/>
+          <p:nvPr/>
+        </p:nvCxnSpPr>
+        <p:spPr>
+          <a:xfrm>
+            <a:off x="6488362" y="1949116"/>
+            <a:ext cx="2763921" cy="894854"/>
+          </a:xfrm>
+          <a:prstGeom prst="bentConnector3">
+            <a:avLst/>
+          </a:prstGeom>
+          <a:ln>
+            <a:tailEnd type="triangle"/>
+          </a:ln>
+        </p:spPr>
+        <p:style>
+          <a:lnRef idx="1">
+            <a:schemeClr val="accent6"/>
+          </a:lnRef>
+          <a:fillRef idx="0">
+            <a:schemeClr val="accent6"/>
+          </a:fillRef>
+          <a:effectRef idx="0">
+            <a:schemeClr val="accent6"/>
+          </a:effectRef>
+          <a:fontRef idx="minor">
+            <a:schemeClr val="tx1"/>
+          </a:fontRef>
+        </p:style>
+      </p:cxnSp>
+    </p:spTree>
+    <p:extLst>
+      <p:ext uri="{BB962C8B-B14F-4D97-AF65-F5344CB8AC3E}">
+        <p14:creationId xmlns:p14="http://schemas.microsoft.com/office/powerpoint/2010/main" val="2728604786"/>
       </p:ext>
     </p:extLst>
   </p:cSld>

--- a/Design Flow/GetStorageDetails Design Flow.pptx
+++ b/Design Flow/GetStorageDetails Design Flow.pptx
@@ -4,10 +4,14 @@
   <p:sldMasterIdLst>
     <p:sldMasterId id="2147483648" r:id="rId1"/>
   </p:sldMasterIdLst>
+  <p:notesMasterIdLst>
+    <p:notesMasterId r:id="rId6"/>
+  </p:notesMasterIdLst>
   <p:sldIdLst>
     <p:sldId id="256" r:id="rId2"/>
     <p:sldId id="257" r:id="rId3"/>
     <p:sldId id="258" r:id="rId4"/>
+    <p:sldId id="259" r:id="rId5"/>
   </p:sldIdLst>
   <p:sldSz cx="12192000" cy="6858000"/>
   <p:notesSz cx="6858000" cy="9144000"/>
@@ -112,6 +116,535 @@
     </p:ext>
   </p:extLst>
 </p:presentation>
+</file>
+
+<file path=ppt/commentAuthors.xml><?xml version="1.0" encoding="utf-8"?>
+<p:cmAuthorLst xmlns:a="http://schemas.openxmlformats.org/drawingml/2006/main" xmlns:r="http://schemas.openxmlformats.org/officeDocument/2006/relationships" xmlns:p="http://schemas.openxmlformats.org/presentationml/2006/main">
+  <p:cmAuthor id="1" name="ManojKumar Nayak" initials="MN" lastIdx="2" clrIdx="0">
+    <p:extLst>
+      <p:ext uri="{19B8F6BF-5375-455C-9EA6-DF929625EA0E}">
+        <p15:presenceInfo xmlns:p15="http://schemas.microsoft.com/office/powerpoint/2012/main" userId="ManojKumar Nayak" providerId="None"/>
+      </p:ext>
+    </p:extLst>
+  </p:cmAuthor>
+</p:cmAuthorLst>
+</file>
+
+<file path=ppt/notesMasters/notesMaster1.xml><?xml version="1.0" encoding="utf-8"?>
+<p:notesMaster xmlns:a="http://schemas.openxmlformats.org/drawingml/2006/main" xmlns:r="http://schemas.openxmlformats.org/officeDocument/2006/relationships" xmlns:p="http://schemas.openxmlformats.org/presentationml/2006/main">
+  <p:cSld>
+    <p:bg>
+      <p:bgRef idx="1001">
+        <a:schemeClr val="bg1"/>
+      </p:bgRef>
+    </p:bg>
+    <p:spTree>
+      <p:nvGrpSpPr>
+        <p:cNvPr id="1" name=""/>
+        <p:cNvGrpSpPr/>
+        <p:nvPr/>
+      </p:nvGrpSpPr>
+      <p:grpSpPr>
+        <a:xfrm>
+          <a:off x="0" y="0"/>
+          <a:ext cx="0" cy="0"/>
+          <a:chOff x="0" y="0"/>
+          <a:chExt cx="0" cy="0"/>
+        </a:xfrm>
+      </p:grpSpPr>
+      <p:sp>
+        <p:nvSpPr>
+          <p:cNvPr id="2" name="Header Placeholder 1"/>
+          <p:cNvSpPr>
+            <a:spLocks noGrp="1"/>
+          </p:cNvSpPr>
+          <p:nvPr>
+            <p:ph type="hdr" sz="quarter"/>
+          </p:nvPr>
+        </p:nvSpPr>
+        <p:spPr>
+          <a:xfrm>
+            <a:off x="0" y="0"/>
+            <a:ext cx="2971800" cy="458788"/>
+          </a:xfrm>
+          <a:prstGeom prst="rect">
+            <a:avLst/>
+          </a:prstGeom>
+        </p:spPr>
+        <p:txBody>
+          <a:bodyPr vert="horz" lIns="91440" tIns="45720" rIns="91440" bIns="45720" rtlCol="0"/>
+          <a:lstStyle>
+            <a:lvl1pPr algn="l">
+              <a:defRPr sz="1200"/>
+            </a:lvl1pPr>
+          </a:lstStyle>
+          <a:p>
+            <a:endParaRPr lang="en-US"/>
+          </a:p>
+        </p:txBody>
+      </p:sp>
+      <p:sp>
+        <p:nvSpPr>
+          <p:cNvPr id="3" name="Date Placeholder 2"/>
+          <p:cNvSpPr>
+            <a:spLocks noGrp="1"/>
+          </p:cNvSpPr>
+          <p:nvPr>
+            <p:ph type="dt" idx="1"/>
+          </p:nvPr>
+        </p:nvSpPr>
+        <p:spPr>
+          <a:xfrm>
+            <a:off x="3884613" y="0"/>
+            <a:ext cx="2971800" cy="458788"/>
+          </a:xfrm>
+          <a:prstGeom prst="rect">
+            <a:avLst/>
+          </a:prstGeom>
+        </p:spPr>
+        <p:txBody>
+          <a:bodyPr vert="horz" lIns="91440" tIns="45720" rIns="91440" bIns="45720" rtlCol="0"/>
+          <a:lstStyle>
+            <a:lvl1pPr algn="r">
+              <a:defRPr sz="1200"/>
+            </a:lvl1pPr>
+          </a:lstStyle>
+          <a:p>
+            <a:fld id="{82C04CC9-4614-4461-9A8E-2DD5F8516BC4}" type="datetimeFigureOut">
+              <a:rPr lang="en-US" smtClean="0"/>
+              <a:t>11/16/2021</a:t>
+            </a:fld>
+            <a:endParaRPr lang="en-US"/>
+          </a:p>
+        </p:txBody>
+      </p:sp>
+      <p:sp>
+        <p:nvSpPr>
+          <p:cNvPr id="4" name="Slide Image Placeholder 3"/>
+          <p:cNvSpPr>
+            <a:spLocks noGrp="1" noRot="1" noChangeAspect="1"/>
+          </p:cNvSpPr>
+          <p:nvPr>
+            <p:ph type="sldImg" idx="2"/>
+          </p:nvPr>
+        </p:nvSpPr>
+        <p:spPr>
+          <a:xfrm>
+            <a:off x="685800" y="1143000"/>
+            <a:ext cx="5486400" cy="3086100"/>
+          </a:xfrm>
+          <a:prstGeom prst="rect">
+            <a:avLst/>
+          </a:prstGeom>
+          <a:noFill/>
+          <a:ln w="12700">
+            <a:solidFill>
+              <a:prstClr val="black"/>
+            </a:solidFill>
+          </a:ln>
+        </p:spPr>
+        <p:txBody>
+          <a:bodyPr vert="horz" lIns="91440" tIns="45720" rIns="91440" bIns="45720" rtlCol="0" anchor="ctr"/>
+          <a:lstStyle/>
+          <a:p>
+            <a:endParaRPr lang="en-US"/>
+          </a:p>
+        </p:txBody>
+      </p:sp>
+      <p:sp>
+        <p:nvSpPr>
+          <p:cNvPr id="5" name="Notes Placeholder 4"/>
+          <p:cNvSpPr>
+            <a:spLocks noGrp="1"/>
+          </p:cNvSpPr>
+          <p:nvPr>
+            <p:ph type="body" sz="quarter" idx="3"/>
+          </p:nvPr>
+        </p:nvSpPr>
+        <p:spPr>
+          <a:xfrm>
+            <a:off x="685800" y="4400550"/>
+            <a:ext cx="5486400" cy="3600450"/>
+          </a:xfrm>
+          <a:prstGeom prst="rect">
+            <a:avLst/>
+          </a:prstGeom>
+        </p:spPr>
+        <p:txBody>
+          <a:bodyPr vert="horz" lIns="91440" tIns="45720" rIns="91440" bIns="45720" rtlCol="0"/>
+          <a:lstStyle/>
+          <a:p>
+            <a:pPr lvl="0"/>
+            <a:r>
+              <a:rPr lang="en-US"/>
+              <a:t>Click to edit Master text styles</a:t>
+            </a:r>
+          </a:p>
+          <a:p>
+            <a:pPr lvl="1"/>
+            <a:r>
+              <a:rPr lang="en-US"/>
+              <a:t>Second level</a:t>
+            </a:r>
+          </a:p>
+          <a:p>
+            <a:pPr lvl="2"/>
+            <a:r>
+              <a:rPr lang="en-US"/>
+              <a:t>Third level</a:t>
+            </a:r>
+          </a:p>
+          <a:p>
+            <a:pPr lvl="3"/>
+            <a:r>
+              <a:rPr lang="en-US"/>
+              <a:t>Fourth level</a:t>
+            </a:r>
+          </a:p>
+          <a:p>
+            <a:pPr lvl="4"/>
+            <a:r>
+              <a:rPr lang="en-US"/>
+              <a:t>Fifth level</a:t>
+            </a:r>
+          </a:p>
+        </p:txBody>
+      </p:sp>
+      <p:sp>
+        <p:nvSpPr>
+          <p:cNvPr id="6" name="Footer Placeholder 5"/>
+          <p:cNvSpPr>
+            <a:spLocks noGrp="1"/>
+          </p:cNvSpPr>
+          <p:nvPr>
+            <p:ph type="ftr" sz="quarter" idx="4"/>
+          </p:nvPr>
+        </p:nvSpPr>
+        <p:spPr>
+          <a:xfrm>
+            <a:off x="0" y="8685213"/>
+            <a:ext cx="2971800" cy="458787"/>
+          </a:xfrm>
+          <a:prstGeom prst="rect">
+            <a:avLst/>
+          </a:prstGeom>
+        </p:spPr>
+        <p:txBody>
+          <a:bodyPr vert="horz" lIns="91440" tIns="45720" rIns="91440" bIns="45720" rtlCol="0" anchor="b"/>
+          <a:lstStyle>
+            <a:lvl1pPr algn="l">
+              <a:defRPr sz="1200"/>
+            </a:lvl1pPr>
+          </a:lstStyle>
+          <a:p>
+            <a:endParaRPr lang="en-US"/>
+          </a:p>
+        </p:txBody>
+      </p:sp>
+      <p:sp>
+        <p:nvSpPr>
+          <p:cNvPr id="7" name="Slide Number Placeholder 6"/>
+          <p:cNvSpPr>
+            <a:spLocks noGrp="1"/>
+          </p:cNvSpPr>
+          <p:nvPr>
+            <p:ph type="sldNum" sz="quarter" idx="5"/>
+          </p:nvPr>
+        </p:nvSpPr>
+        <p:spPr>
+          <a:xfrm>
+            <a:off x="3884613" y="8685213"/>
+            <a:ext cx="2971800" cy="458787"/>
+          </a:xfrm>
+          <a:prstGeom prst="rect">
+            <a:avLst/>
+          </a:prstGeom>
+        </p:spPr>
+        <p:txBody>
+          <a:bodyPr vert="horz" lIns="91440" tIns="45720" rIns="91440" bIns="45720" rtlCol="0" anchor="b"/>
+          <a:lstStyle>
+            <a:lvl1pPr algn="r">
+              <a:defRPr sz="1200"/>
+            </a:lvl1pPr>
+          </a:lstStyle>
+          <a:p>
+            <a:fld id="{DADD36BA-0A25-443A-A822-6163FB8DE140}" type="slidenum">
+              <a:rPr lang="en-US" smtClean="0"/>
+              <a:t>‹#›</a:t>
+            </a:fld>
+            <a:endParaRPr lang="en-US"/>
+          </a:p>
+        </p:txBody>
+      </p:sp>
+    </p:spTree>
+    <p:extLst>
+      <p:ext uri="{BB962C8B-B14F-4D97-AF65-F5344CB8AC3E}">
+        <p14:creationId xmlns:p14="http://schemas.microsoft.com/office/powerpoint/2010/main" val="335214321"/>
+      </p:ext>
+    </p:extLst>
+  </p:cSld>
+  <p:clrMap bg1="lt1" tx1="dk1" bg2="lt2" tx2="dk2" accent1="accent1" accent2="accent2" accent3="accent3" accent4="accent4" accent5="accent5" accent6="accent6" hlink="hlink" folHlink="folHlink"/>
+  <p:notesStyle>
+    <a:lvl1pPr marL="0" algn="l" defTabSz="914400" rtl="0" eaLnBrk="1" latinLnBrk="0" hangingPunct="1">
+      <a:defRPr sz="1200" kern="1200">
+        <a:solidFill>
+          <a:schemeClr val="tx1"/>
+        </a:solidFill>
+        <a:latin typeface="+mn-lt"/>
+        <a:ea typeface="+mn-ea"/>
+        <a:cs typeface="+mn-cs"/>
+      </a:defRPr>
+    </a:lvl1pPr>
+    <a:lvl2pPr marL="457200" algn="l" defTabSz="914400" rtl="0" eaLnBrk="1" latinLnBrk="0" hangingPunct="1">
+      <a:defRPr sz="1200" kern="1200">
+        <a:solidFill>
+          <a:schemeClr val="tx1"/>
+        </a:solidFill>
+        <a:latin typeface="+mn-lt"/>
+        <a:ea typeface="+mn-ea"/>
+        <a:cs typeface="+mn-cs"/>
+      </a:defRPr>
+    </a:lvl2pPr>
+    <a:lvl3pPr marL="914400" algn="l" defTabSz="914400" rtl="0" eaLnBrk="1" latinLnBrk="0" hangingPunct="1">
+      <a:defRPr sz="1200" kern="1200">
+        <a:solidFill>
+          <a:schemeClr val="tx1"/>
+        </a:solidFill>
+        <a:latin typeface="+mn-lt"/>
+        <a:ea typeface="+mn-ea"/>
+        <a:cs typeface="+mn-cs"/>
+      </a:defRPr>
+    </a:lvl3pPr>
+    <a:lvl4pPr marL="1371600" algn="l" defTabSz="914400" rtl="0" eaLnBrk="1" latinLnBrk="0" hangingPunct="1">
+      <a:defRPr sz="1200" kern="1200">
+        <a:solidFill>
+          <a:schemeClr val="tx1"/>
+        </a:solidFill>
+        <a:latin typeface="+mn-lt"/>
+        <a:ea typeface="+mn-ea"/>
+        <a:cs typeface="+mn-cs"/>
+      </a:defRPr>
+    </a:lvl4pPr>
+    <a:lvl5pPr marL="1828800" algn="l" defTabSz="914400" rtl="0" eaLnBrk="1" latinLnBrk="0" hangingPunct="1">
+      <a:defRPr sz="1200" kern="1200">
+        <a:solidFill>
+          <a:schemeClr val="tx1"/>
+        </a:solidFill>
+        <a:latin typeface="+mn-lt"/>
+        <a:ea typeface="+mn-ea"/>
+        <a:cs typeface="+mn-cs"/>
+      </a:defRPr>
+    </a:lvl5pPr>
+    <a:lvl6pPr marL="2286000" algn="l" defTabSz="914400" rtl="0" eaLnBrk="1" latinLnBrk="0" hangingPunct="1">
+      <a:defRPr sz="1200" kern="1200">
+        <a:solidFill>
+          <a:schemeClr val="tx1"/>
+        </a:solidFill>
+        <a:latin typeface="+mn-lt"/>
+        <a:ea typeface="+mn-ea"/>
+        <a:cs typeface="+mn-cs"/>
+      </a:defRPr>
+    </a:lvl6pPr>
+    <a:lvl7pPr marL="2743200" algn="l" defTabSz="914400" rtl="0" eaLnBrk="1" latinLnBrk="0" hangingPunct="1">
+      <a:defRPr sz="1200" kern="1200">
+        <a:solidFill>
+          <a:schemeClr val="tx1"/>
+        </a:solidFill>
+        <a:latin typeface="+mn-lt"/>
+        <a:ea typeface="+mn-ea"/>
+        <a:cs typeface="+mn-cs"/>
+      </a:defRPr>
+    </a:lvl7pPr>
+    <a:lvl8pPr marL="3200400" algn="l" defTabSz="914400" rtl="0" eaLnBrk="1" latinLnBrk="0" hangingPunct="1">
+      <a:defRPr sz="1200" kern="1200">
+        <a:solidFill>
+          <a:schemeClr val="tx1"/>
+        </a:solidFill>
+        <a:latin typeface="+mn-lt"/>
+        <a:ea typeface="+mn-ea"/>
+        <a:cs typeface="+mn-cs"/>
+      </a:defRPr>
+    </a:lvl8pPr>
+    <a:lvl9pPr marL="3657600" algn="l" defTabSz="914400" rtl="0" eaLnBrk="1" latinLnBrk="0" hangingPunct="1">
+      <a:defRPr sz="1200" kern="1200">
+        <a:solidFill>
+          <a:schemeClr val="tx1"/>
+        </a:solidFill>
+        <a:latin typeface="+mn-lt"/>
+        <a:ea typeface="+mn-ea"/>
+        <a:cs typeface="+mn-cs"/>
+      </a:defRPr>
+    </a:lvl9pPr>
+  </p:notesStyle>
+</p:notesMaster>
+</file>
+
+<file path=ppt/notesSlides/notesSlide1.xml><?xml version="1.0" encoding="utf-8"?>
+<p:notes xmlns:a="http://schemas.openxmlformats.org/drawingml/2006/main" xmlns:r="http://schemas.openxmlformats.org/officeDocument/2006/relationships" xmlns:p="http://schemas.openxmlformats.org/presentationml/2006/main">
+  <p:cSld>
+    <p:spTree>
+      <p:nvGrpSpPr>
+        <p:cNvPr id="1" name=""/>
+        <p:cNvGrpSpPr/>
+        <p:nvPr/>
+      </p:nvGrpSpPr>
+      <p:grpSpPr>
+        <a:xfrm>
+          <a:off x="0" y="0"/>
+          <a:ext cx="0" cy="0"/>
+          <a:chOff x="0" y="0"/>
+          <a:chExt cx="0" cy="0"/>
+        </a:xfrm>
+      </p:grpSpPr>
+      <p:sp>
+        <p:nvSpPr>
+          <p:cNvPr id="2" name="Slide Image Placeholder 1"/>
+          <p:cNvSpPr>
+            <a:spLocks noGrp="1" noRot="1" noChangeAspect="1"/>
+          </p:cNvSpPr>
+          <p:nvPr>
+            <p:ph type="sldImg"/>
+          </p:nvPr>
+        </p:nvSpPr>
+        <p:spPr/>
+      </p:sp>
+      <p:sp>
+        <p:nvSpPr>
+          <p:cNvPr id="3" name="Notes Placeholder 2"/>
+          <p:cNvSpPr>
+            <a:spLocks noGrp="1"/>
+          </p:cNvSpPr>
+          <p:nvPr>
+            <p:ph type="body" idx="1"/>
+          </p:nvPr>
+        </p:nvSpPr>
+        <p:spPr/>
+        <p:txBody>
+          <a:bodyPr/>
+          <a:lstStyle/>
+          <a:p>
+            <a:endParaRPr lang="en-US" dirty="0"/>
+          </a:p>
+        </p:txBody>
+      </p:sp>
+      <p:sp>
+        <p:nvSpPr>
+          <p:cNvPr id="4" name="Slide Number Placeholder 3"/>
+          <p:cNvSpPr>
+            <a:spLocks noGrp="1"/>
+          </p:cNvSpPr>
+          <p:nvPr>
+            <p:ph type="sldNum" sz="quarter" idx="5"/>
+          </p:nvPr>
+        </p:nvSpPr>
+        <p:spPr/>
+        <p:txBody>
+          <a:bodyPr/>
+          <a:lstStyle/>
+          <a:p>
+            <a:fld id="{DADD36BA-0A25-443A-A822-6163FB8DE140}" type="slidenum">
+              <a:rPr lang="en-US" smtClean="0"/>
+              <a:t>3</a:t>
+            </a:fld>
+            <a:endParaRPr lang="en-US"/>
+          </a:p>
+        </p:txBody>
+      </p:sp>
+    </p:spTree>
+    <p:extLst>
+      <p:ext uri="{BB962C8B-B14F-4D97-AF65-F5344CB8AC3E}">
+        <p14:creationId xmlns:p14="http://schemas.microsoft.com/office/powerpoint/2010/main" val="2924246243"/>
+      </p:ext>
+    </p:extLst>
+  </p:cSld>
+  <p:clrMapOvr>
+    <a:masterClrMapping/>
+  </p:clrMapOvr>
+</p:notes>
+</file>
+
+<file path=ppt/notesSlides/notesSlide2.xml><?xml version="1.0" encoding="utf-8"?>
+<p:notes xmlns:a="http://schemas.openxmlformats.org/drawingml/2006/main" xmlns:r="http://schemas.openxmlformats.org/officeDocument/2006/relationships" xmlns:p="http://schemas.openxmlformats.org/presentationml/2006/main">
+  <p:cSld>
+    <p:spTree>
+      <p:nvGrpSpPr>
+        <p:cNvPr id="1" name=""/>
+        <p:cNvGrpSpPr/>
+        <p:nvPr/>
+      </p:nvGrpSpPr>
+      <p:grpSpPr>
+        <a:xfrm>
+          <a:off x="0" y="0"/>
+          <a:ext cx="0" cy="0"/>
+          <a:chOff x="0" y="0"/>
+          <a:chExt cx="0" cy="0"/>
+        </a:xfrm>
+      </p:grpSpPr>
+      <p:sp>
+        <p:nvSpPr>
+          <p:cNvPr id="2" name="Slide Image Placeholder 1"/>
+          <p:cNvSpPr>
+            <a:spLocks noGrp="1" noRot="1" noChangeAspect="1"/>
+          </p:cNvSpPr>
+          <p:nvPr>
+            <p:ph type="sldImg"/>
+          </p:nvPr>
+        </p:nvSpPr>
+        <p:spPr/>
+      </p:sp>
+      <p:sp>
+        <p:nvSpPr>
+          <p:cNvPr id="3" name="Notes Placeholder 2"/>
+          <p:cNvSpPr>
+            <a:spLocks noGrp="1"/>
+          </p:cNvSpPr>
+          <p:nvPr>
+            <p:ph type="body" idx="1"/>
+          </p:nvPr>
+        </p:nvSpPr>
+        <p:spPr/>
+        <p:txBody>
+          <a:bodyPr/>
+          <a:lstStyle/>
+          <a:p>
+            <a:endParaRPr lang="en-US" dirty="0"/>
+          </a:p>
+        </p:txBody>
+      </p:sp>
+      <p:sp>
+        <p:nvSpPr>
+          <p:cNvPr id="4" name="Slide Number Placeholder 3"/>
+          <p:cNvSpPr>
+            <a:spLocks noGrp="1"/>
+          </p:cNvSpPr>
+          <p:nvPr>
+            <p:ph type="sldNum" sz="quarter" idx="5"/>
+          </p:nvPr>
+        </p:nvSpPr>
+        <p:spPr/>
+        <p:txBody>
+          <a:bodyPr/>
+          <a:lstStyle/>
+          <a:p>
+            <a:fld id="{DADD36BA-0A25-443A-A822-6163FB8DE140}" type="slidenum">
+              <a:rPr lang="en-US" smtClean="0"/>
+              <a:t>4</a:t>
+            </a:fld>
+            <a:endParaRPr lang="en-US"/>
+          </a:p>
+        </p:txBody>
+      </p:sp>
+    </p:spTree>
+    <p:extLst>
+      <p:ext uri="{BB962C8B-B14F-4D97-AF65-F5344CB8AC3E}">
+        <p14:creationId xmlns:p14="http://schemas.microsoft.com/office/powerpoint/2010/main" val="2044232955"/>
+      </p:ext>
+    </p:extLst>
+  </p:cSld>
+  <p:clrMapOvr>
+    <a:masterClrMapping/>
+  </p:clrMapOvr>
+</p:notes>
 </file>
 
 <file path=ppt/slideLayouts/slideLayout1.xml><?xml version="1.0" encoding="utf-8"?>
@@ -4158,8 +4691,8 @@
         </p:nvSpPr>
         <p:spPr>
           <a:xfrm>
-            <a:off x="1524000" y="644065"/>
-            <a:ext cx="9144000" cy="477837"/>
+            <a:off x="3402761" y="644066"/>
+            <a:ext cx="5207840" cy="423234"/>
           </a:xfrm>
         </p:spPr>
         <p:txBody>
@@ -4169,7 +4702,7 @@
           <a:lstStyle/>
           <a:p>
             <a:r>
-              <a:rPr lang="en-US" sz="3200" dirty="0"/>
+              <a:rPr lang="en-US" sz="2800" dirty="0"/>
               <a:t>Modules/Components Design Flow</a:t>
             </a:r>
           </a:p>
@@ -4189,12 +4722,13 @@
         </p:nvSpPr>
         <p:spPr>
           <a:xfrm>
-            <a:off x="4512649" y="1375108"/>
-            <a:ext cx="4462905" cy="4360990"/>
+            <a:off x="4512650" y="1375107"/>
+            <a:ext cx="4318520" cy="5218194"/>
           </a:xfrm>
           <a:prstGeom prst="rect">
             <a:avLst/>
           </a:prstGeom>
+          <a:ln w="19050"/>
         </p:spPr>
         <p:style>
           <a:lnRef idx="2">
@@ -4215,174 +4749,439 @@
           <a:lstStyle/>
           <a:p>
             <a:r>
-              <a:rPr lang="en-US" sz="900" dirty="0"/>
+              <a:rPr lang="en-US" sz="1000" dirty="0"/>
               <a:t>Class GetStorage:`</a:t>
             </a:r>
           </a:p>
           <a:p>
             <a:r>
-              <a:rPr lang="en-US" sz="900" dirty="0"/>
-              <a:t>     def __init__(self, *param)</a:t>
-            </a:r>
-          </a:p>
-          <a:p>
-            <a:r>
-              <a:rPr lang="en-US" sz="900" dirty="0"/>
-              <a:t>     def validateParameters(self, *param)</a:t>
-            </a:r>
-          </a:p>
-          <a:p>
-            <a:r>
-              <a:rPr lang="en-US" sz="900" dirty="0"/>
-              <a:t>     def getStorageDetails(self, *param)</a:t>
-            </a:r>
-          </a:p>
-          <a:p>
-            <a:r>
-              <a:rPr lang="en-US" sz="900" dirty="0"/>
-              <a:t>     def runScript(self, *param)</a:t>
-            </a:r>
-          </a:p>
-          <a:p>
-            <a:r>
-              <a:rPr lang="en-US" sz="900" dirty="0"/>
-              <a:t>     def loadStorage(self, *param)</a:t>
-            </a:r>
-          </a:p>
-          <a:p>
-            <a:r>
-              <a:rPr lang="en-US" sz="900" dirty="0"/>
-              <a:t>     def extractDetailsWindows(self, *param)</a:t>
-            </a:r>
-          </a:p>
-          <a:p>
-            <a:r>
-              <a:rPr lang="en-US" sz="900" dirty="0"/>
-              <a:t>     def extractDetailsLinux(self, *param)</a:t>
-            </a:r>
-          </a:p>
-          <a:p>
-            <a:r>
-              <a:rPr lang="en-US" sz="900" dirty="0"/>
-              <a:t>     def fileFormatter(self, *param)</a:t>
-            </a:r>
-          </a:p>
-          <a:p>
-            <a:r>
-              <a:rPr lang="en-US" sz="900" dirty="0"/>
-              <a:t>     def loadJsonFormat(self, *param)</a:t>
-            </a:r>
-          </a:p>
-          <a:p>
-            <a:r>
-              <a:rPr lang="en-US" sz="900" dirty="0"/>
-              <a:t>     def loadXMLFormat(self, *param)</a:t>
-            </a:r>
-          </a:p>
-          <a:p>
-            <a:r>
-              <a:rPr lang="en-US" sz="900" dirty="0"/>
-              <a:t>     def loadTextFormat(self, *param)</a:t>
-            </a:r>
-          </a:p>
-          <a:p>
-            <a:r>
-              <a:rPr lang="en-US" sz="900" dirty="0"/>
-              <a:t>     def publishResults(self, *param)</a:t>
-            </a:r>
-          </a:p>
-          <a:p>
-            <a:r>
-              <a:rPr lang="en-US" sz="900" dirty="0"/>
-              <a:t>     def transferFileToDisk(self, *param)</a:t>
-            </a:r>
-          </a:p>
-          <a:p>
-            <a:r>
-              <a:rPr lang="en-US" sz="900" dirty="0"/>
-              <a:t>     def transferFileToEmail(self, *param)</a:t>
-            </a:r>
-          </a:p>
-          <a:p>
-            <a:r>
-              <a:rPr lang="en-US" sz="900" dirty="0"/>
-              <a:t>     def transferFileToSharedServer(self, *param)</a:t>
-            </a:r>
-          </a:p>
-          <a:p>
-            <a:endParaRPr lang="en-US" sz="900" dirty="0"/>
-          </a:p>
-          <a:p>
-            <a:r>
-              <a:rPr lang="en-US" sz="900" dirty="0"/>
+              <a:rPr lang="en-US" sz="1000" dirty="0"/>
+              <a:t>     def __init__(self, </a:t>
+            </a:r>
+            <a:r>
+              <a:rPr lang="en-US" sz="1000" b="0" i="0" dirty="0">
+                <a:solidFill>
+                  <a:srgbClr val="24292F"/>
+                </a:solidFill>
+                <a:effectLst/>
+                <a:latin typeface="ui-monospace"/>
+              </a:rPr>
+              <a:t>path, osProxy, scriptName, fileFormat, publishType</a:t>
+            </a:r>
+            <a:r>
+              <a:rPr lang="en-US" sz="1000" dirty="0"/>
+              <a:t>)</a:t>
+            </a:r>
+          </a:p>
+          <a:p>
+            <a:r>
+              <a:rPr lang="en-US" sz="1000" b="0" i="0" dirty="0">
+                <a:effectLst/>
+                <a:latin typeface="ui-monospace"/>
+              </a:rPr>
+              <a:t>     def</a:t>
+            </a:r>
+            <a:r>
+              <a:rPr lang="en-US" sz="1000" b="0" i="0" dirty="0">
+                <a:solidFill>
+                  <a:srgbClr val="24292F"/>
+                </a:solidFill>
+                <a:effectLst/>
+                <a:latin typeface="ui-monospace"/>
+              </a:rPr>
+              <a:t> </a:t>
+            </a:r>
+            <a:r>
+              <a:rPr lang="en-US" sz="1000" b="0" i="0" dirty="0">
+                <a:effectLst/>
+                <a:latin typeface="ui-monospace"/>
+              </a:rPr>
+              <a:t>initializeClassObjects</a:t>
+            </a:r>
+            <a:r>
+              <a:rPr lang="en-US" sz="1000" b="0" i="0" dirty="0">
+                <a:solidFill>
+                  <a:srgbClr val="24292F"/>
+                </a:solidFill>
+                <a:effectLst/>
+                <a:latin typeface="ui-monospace"/>
+              </a:rPr>
+              <a:t>(self)</a:t>
+            </a:r>
+            <a:endParaRPr lang="en-US" sz="1000" dirty="0"/>
+          </a:p>
+          <a:p>
+            <a:r>
+              <a:rPr lang="en-US" sz="1000" dirty="0"/>
+              <a:t>     </a:t>
+            </a:r>
+            <a:r>
+              <a:rPr lang="en-US" sz="1000" b="0" i="0" dirty="0">
+                <a:effectLst/>
+                <a:latin typeface="ui-monospace"/>
+              </a:rPr>
+              <a:t>def</a:t>
+            </a:r>
+            <a:r>
+              <a:rPr lang="en-US" sz="1000" b="0" i="0" dirty="0">
+                <a:solidFill>
+                  <a:srgbClr val="24292F"/>
+                </a:solidFill>
+                <a:effectLst/>
+                <a:latin typeface="ui-monospace"/>
+              </a:rPr>
+              <a:t> </a:t>
+            </a:r>
+            <a:r>
+              <a:rPr lang="en-US" sz="1000" b="0" i="0" dirty="0">
+                <a:effectLst/>
+                <a:latin typeface="ui-monospace"/>
+              </a:rPr>
+              <a:t>initializeGlobalVariables</a:t>
+            </a:r>
+            <a:r>
+              <a:rPr lang="en-US" sz="1000" b="0" i="0" dirty="0">
+                <a:solidFill>
+                  <a:srgbClr val="24292F"/>
+                </a:solidFill>
+                <a:effectLst/>
+                <a:latin typeface="ui-monospace"/>
+              </a:rPr>
+              <a:t>(self)</a:t>
+            </a:r>
+            <a:endParaRPr lang="en-US" sz="1000" dirty="0"/>
+          </a:p>
+          <a:p>
+            <a:r>
+              <a:rPr lang="en-US" sz="1000" dirty="0"/>
+              <a:t>     </a:t>
+            </a:r>
+            <a:r>
+              <a:rPr lang="en-US" sz="1000" b="0" i="0" dirty="0">
+                <a:effectLst/>
+                <a:latin typeface="ui-monospace"/>
+              </a:rPr>
+              <a:t>def</a:t>
+            </a:r>
+            <a:r>
+              <a:rPr lang="en-US" sz="1000" b="0" i="0" dirty="0">
+                <a:solidFill>
+                  <a:srgbClr val="24292F"/>
+                </a:solidFill>
+                <a:effectLst/>
+                <a:latin typeface="ui-monospace"/>
+              </a:rPr>
+              <a:t> </a:t>
+            </a:r>
+            <a:r>
+              <a:rPr lang="en-US" sz="1000" b="0" i="0" dirty="0">
+                <a:effectLst/>
+                <a:latin typeface="ui-monospace"/>
+              </a:rPr>
+              <a:t>validateParameters</a:t>
+            </a:r>
+            <a:r>
+              <a:rPr lang="en-US" sz="1000" b="0" i="0" dirty="0">
+                <a:solidFill>
+                  <a:srgbClr val="24292F"/>
+                </a:solidFill>
+                <a:effectLst/>
+                <a:latin typeface="ui-monospace"/>
+              </a:rPr>
+              <a:t>(self)</a:t>
+            </a:r>
+          </a:p>
+          <a:p>
+            <a:r>
+              <a:rPr lang="en-US" sz="1000" dirty="0"/>
+              <a:t>     </a:t>
+            </a:r>
+            <a:r>
+              <a:rPr lang="en-US" sz="1000" b="0" i="0" dirty="0">
+                <a:effectLst/>
+                <a:latin typeface="ui-monospace"/>
+              </a:rPr>
+              <a:t>def</a:t>
+            </a:r>
+            <a:r>
+              <a:rPr lang="en-US" sz="1000" b="0" i="0" dirty="0">
+                <a:solidFill>
+                  <a:srgbClr val="24292F"/>
+                </a:solidFill>
+                <a:effectLst/>
+                <a:latin typeface="ui-monospace"/>
+              </a:rPr>
+              <a:t> </a:t>
+            </a:r>
+            <a:r>
+              <a:rPr lang="en-US" sz="1000" b="0" i="0" dirty="0">
+                <a:effectLst/>
+                <a:latin typeface="ui-monospace"/>
+              </a:rPr>
+              <a:t>getStorageDetails</a:t>
+            </a:r>
+            <a:r>
+              <a:rPr lang="en-US" sz="1000" b="0" i="0" dirty="0">
+                <a:solidFill>
+                  <a:srgbClr val="24292F"/>
+                </a:solidFill>
+                <a:effectLst/>
+                <a:latin typeface="ui-monospace"/>
+              </a:rPr>
+              <a:t>(self)</a:t>
+            </a:r>
+            <a:endParaRPr lang="en-US" sz="1000" dirty="0"/>
+          </a:p>
+          <a:p>
+            <a:r>
+              <a:rPr lang="en-US" sz="1000" dirty="0"/>
+              <a:t>     </a:t>
+            </a:r>
+            <a:r>
+              <a:rPr lang="en-US" sz="1000" b="0" i="0" dirty="0">
+                <a:effectLst/>
+                <a:latin typeface="ui-monospace"/>
+              </a:rPr>
+              <a:t>def</a:t>
+            </a:r>
+            <a:r>
+              <a:rPr lang="en-US" sz="1000" b="0" i="0" dirty="0">
+                <a:solidFill>
+                  <a:srgbClr val="24292F"/>
+                </a:solidFill>
+                <a:effectLst/>
+                <a:latin typeface="ui-monospace"/>
+              </a:rPr>
+              <a:t> </a:t>
+            </a:r>
+            <a:r>
+              <a:rPr lang="en-US" sz="1000" b="0" i="0" dirty="0">
+                <a:effectLst/>
+                <a:latin typeface="ui-monospace"/>
+              </a:rPr>
+              <a:t>runScript</a:t>
+            </a:r>
+            <a:r>
+              <a:rPr lang="en-US" sz="1000" b="0" i="0" dirty="0">
+                <a:solidFill>
+                  <a:srgbClr val="24292F"/>
+                </a:solidFill>
+                <a:effectLst/>
+                <a:latin typeface="ui-monospace"/>
+              </a:rPr>
+              <a:t>(self)</a:t>
+            </a:r>
+            <a:endParaRPr lang="en-US" sz="1000" dirty="0"/>
+          </a:p>
+          <a:p>
+            <a:r>
+              <a:rPr lang="en-US" sz="1000" dirty="0"/>
+              <a:t>     </a:t>
+            </a:r>
+            <a:r>
+              <a:rPr lang="en-US" sz="1000" b="0" i="0" dirty="0">
+                <a:effectLst/>
+                <a:latin typeface="ui-monospace"/>
+              </a:rPr>
+              <a:t>def</a:t>
+            </a:r>
+            <a:r>
+              <a:rPr lang="en-US" sz="1000" b="0" i="0" dirty="0">
+                <a:solidFill>
+                  <a:srgbClr val="24292F"/>
+                </a:solidFill>
+                <a:effectLst/>
+                <a:latin typeface="ui-monospace"/>
+              </a:rPr>
+              <a:t> </a:t>
+            </a:r>
+            <a:r>
+              <a:rPr lang="en-US" sz="1000" b="0" i="0" dirty="0">
+                <a:effectLst/>
+                <a:latin typeface="ui-monospace"/>
+              </a:rPr>
+              <a:t>loadStorage</a:t>
+            </a:r>
+            <a:r>
+              <a:rPr lang="en-US" sz="1000" b="0" i="0" dirty="0">
+                <a:solidFill>
+                  <a:srgbClr val="24292F"/>
+                </a:solidFill>
+                <a:effectLst/>
+                <a:latin typeface="ui-monospace"/>
+              </a:rPr>
+              <a:t>(self)</a:t>
+            </a:r>
+            <a:endParaRPr lang="en-US" sz="1000" dirty="0"/>
+          </a:p>
+          <a:p>
+            <a:r>
+              <a:rPr lang="en-US" sz="1000" dirty="0"/>
+              <a:t>     </a:t>
+            </a:r>
+            <a:r>
+              <a:rPr lang="en-US" sz="1000" b="0" i="0" dirty="0">
+                <a:effectLst/>
+                <a:latin typeface="ui-monospace"/>
+              </a:rPr>
+              <a:t>def</a:t>
+            </a:r>
+            <a:r>
+              <a:rPr lang="en-US" sz="1000" b="0" i="0" dirty="0">
+                <a:solidFill>
+                  <a:srgbClr val="24292F"/>
+                </a:solidFill>
+                <a:effectLst/>
+                <a:latin typeface="ui-monospace"/>
+              </a:rPr>
+              <a:t> </a:t>
+            </a:r>
+            <a:r>
+              <a:rPr lang="en-US" sz="1000" b="0" i="0" dirty="0">
+                <a:effectLst/>
+                <a:latin typeface="ui-monospace"/>
+              </a:rPr>
+              <a:t>formatFile</a:t>
+            </a:r>
+            <a:r>
+              <a:rPr lang="en-US" sz="1000" b="0" i="0" dirty="0">
+                <a:solidFill>
+                  <a:srgbClr val="24292F"/>
+                </a:solidFill>
+                <a:effectLst/>
+                <a:latin typeface="ui-monospace"/>
+              </a:rPr>
+              <a:t>(self)</a:t>
+            </a:r>
+            <a:endParaRPr lang="en-US" sz="1000" dirty="0"/>
+          </a:p>
+          <a:p>
+            <a:r>
+              <a:rPr lang="en-US" sz="1000" dirty="0"/>
+              <a:t>     </a:t>
+            </a:r>
+            <a:r>
+              <a:rPr lang="en-US" sz="1000" b="0" i="0" dirty="0">
+                <a:effectLst/>
+                <a:latin typeface="ui-monospace"/>
+              </a:rPr>
+              <a:t>def</a:t>
+            </a:r>
+            <a:r>
+              <a:rPr lang="en-US" sz="1000" b="0" i="0" dirty="0">
+                <a:solidFill>
+                  <a:srgbClr val="24292F"/>
+                </a:solidFill>
+                <a:effectLst/>
+                <a:latin typeface="ui-monospace"/>
+              </a:rPr>
+              <a:t> </a:t>
+            </a:r>
+            <a:r>
+              <a:rPr lang="en-US" sz="1000" b="0" i="0" dirty="0">
+                <a:effectLst/>
+                <a:latin typeface="ui-monospace"/>
+              </a:rPr>
+              <a:t>resultsPublisher</a:t>
+            </a:r>
+            <a:r>
+              <a:rPr lang="en-US" sz="1000" b="0" i="0" dirty="0">
+                <a:solidFill>
+                  <a:srgbClr val="24292F"/>
+                </a:solidFill>
+                <a:effectLst/>
+                <a:latin typeface="ui-monospace"/>
+              </a:rPr>
+              <a:t>(self)</a:t>
+            </a:r>
+            <a:endParaRPr lang="en-US" sz="1000" dirty="0"/>
+          </a:p>
+          <a:p>
+            <a:endParaRPr lang="en-US" sz="1000" dirty="0"/>
+          </a:p>
+          <a:p>
+            <a:r>
+              <a:rPr lang="en-US" sz="1000" dirty="0"/>
               <a:t>parameterFile = "param.json"</a:t>
             </a:r>
           </a:p>
           <a:p>
             <a:r>
-              <a:rPr lang="en-US" sz="900" dirty="0"/>
-              <a:t>parameterFile = ParameterFile(parameterFile)</a:t>
-            </a:r>
-          </a:p>
-          <a:p>
-            <a:r>
-              <a:rPr lang="en-US" sz="900" dirty="0"/>
+              <a:rPr lang="en-US" sz="1000" dirty="0"/>
+              <a:t>parameterFile = ParameterFile(parameterFile)     #Initialize ParameterFile Class</a:t>
+            </a:r>
+          </a:p>
+          <a:p>
+            <a:endParaRPr lang="en-US" sz="1000" dirty="0"/>
+          </a:p>
+          <a:p>
+            <a:r>
+              <a:rPr lang="en-US" sz="1000" dirty="0"/>
               <a:t>osProxy, scriptName, fileFormat, publishType, path = parameterFile.readParameterFile()</a:t>
             </a:r>
           </a:p>
           <a:p>
             <a:r>
-              <a:rPr lang="en-US" sz="900" dirty="0"/>
+              <a:rPr lang="en-US" sz="1000" dirty="0"/>
               <a:t>newPath = r'C:\{}'.format(path)</a:t>
             </a:r>
           </a:p>
           <a:p>
-            <a:r>
-              <a:rPr lang="en-US" sz="900" dirty="0"/>
-              <a:t>validator = Validator()</a:t>
-            </a:r>
-          </a:p>
-          <a:p>
-            <a:r>
-              <a:rPr lang="en-US" sz="900" dirty="0"/>
-              <a:t>getStorage = GetStorage(newPath, osProxy, scriptName, fileFormat, publishType, validator)</a:t>
-            </a:r>
-          </a:p>
-          <a:p>
-            <a:r>
-              <a:rPr lang="en-US" sz="900" dirty="0"/>
-              <a:t>getStorage.validateParameters()</a:t>
-            </a:r>
-          </a:p>
-          <a:p>
-            <a:r>
-              <a:rPr lang="en-US" sz="900" dirty="0"/>
-              <a:t>getStorage.getStorageDetails()</a:t>
-            </a:r>
-          </a:p>
-          <a:p>
-            <a:r>
-              <a:rPr lang="en-US" sz="900" dirty="0"/>
-              <a:t>getStorage.runScript()</a:t>
-            </a:r>
-          </a:p>
-          <a:p>
-            <a:r>
-              <a:rPr lang="en-US" sz="900" dirty="0"/>
-              <a:t>getStorage.loadStorage()</a:t>
-            </a:r>
-          </a:p>
-          <a:p>
-            <a:r>
-              <a:rPr lang="en-US" sz="900" dirty="0"/>
-              <a:t>getStorage.fileFormatter()</a:t>
-            </a:r>
-          </a:p>
-          <a:p>
-            <a:r>
-              <a:rPr lang="en-US" sz="900" dirty="0"/>
-              <a:t>getStorage.publishResults()</a:t>
-            </a:r>
+            <a:endParaRPr lang="en-US" sz="1000" dirty="0"/>
+          </a:p>
+          <a:p>
+            <a:r>
+              <a:rPr lang="en-US" sz="1000" dirty="0"/>
+              <a:t>#Initialize GetStorage Class</a:t>
+            </a:r>
+          </a:p>
+          <a:p>
+            <a:r>
+              <a:rPr lang="en-US" sz="1000" dirty="0"/>
+              <a:t>getStorage = GetStorage(newPath, osProxy, scriptName, fileFormat, publishType)</a:t>
+            </a:r>
+          </a:p>
+          <a:p>
+            <a:endParaRPr lang="en-US" sz="1000" dirty="0"/>
+          </a:p>
+          <a:p>
+            <a:r>
+              <a:rPr lang="en-US" sz="1000" dirty="0"/>
+              <a:t>getStorage.validateParameters()    #Validate All Parameters</a:t>
+            </a:r>
+          </a:p>
+          <a:p>
+            <a:r>
+              <a:rPr lang="en-US" sz="1000" dirty="0"/>
+              <a:t>getStorage.getStorageDetails()       #Get Storage Details</a:t>
+            </a:r>
+          </a:p>
+          <a:p>
+            <a:r>
+              <a:rPr lang="en-US" sz="1000" dirty="0"/>
+              <a:t>getStorage.runScript()                      #Script To Captures Disk Space -&gt; A Raw File</a:t>
+            </a:r>
+          </a:p>
+          <a:p>
+            <a:r>
+              <a:rPr lang="en-US" sz="1000" dirty="0"/>
+              <a:t>getStorage.loadStorage()                 #Transfer Raw File -&gt; To A Common Format</a:t>
+            </a:r>
+          </a:p>
+          <a:p>
+            <a:r>
+              <a:rPr lang="en-US" sz="1000" dirty="0"/>
+              <a:t>getStorage.formatFile()                    #Detect Output File Formatter</a:t>
+            </a:r>
+          </a:p>
+          <a:p>
+            <a:r>
+              <a:rPr lang="en-US" sz="1000" dirty="0"/>
+              <a:t>getStorage.resultsPublisher()          #Load Details Into Desired Format</a:t>
+            </a:r>
+          </a:p>
+          <a:p>
+            <a:endParaRPr lang="en-US" sz="1000" dirty="0"/>
           </a:p>
         </p:txBody>
       </p:sp>
@@ -4401,7 +5200,7 @@
         <p:spPr>
           <a:xfrm>
             <a:off x="362811" y="1362075"/>
-            <a:ext cx="3961377" cy="5187290"/>
+            <a:ext cx="3961377" cy="5231226"/>
           </a:xfrm>
           <a:prstGeom prst="rect">
             <a:avLst/>
@@ -4412,6 +5211,7 @@
               <a:lumOff val="80000"/>
             </a:schemeClr>
           </a:solidFill>
+          <a:ln w="19050"/>
         </p:spPr>
         <p:style>
           <a:lnRef idx="2">
@@ -4613,7 +5413,15 @@
           <a:p>
             <a:r>
               <a:rPr lang="en-US" sz="800" dirty="0"/>
-              <a:t>                bat '''copy "PublishResults\\diskSpaceInfo.json" /A "C:\\Users\\manoj\\Downloads\\Python Study\\Coding Challenges\\Interview Problem Statement\\System_Programming_getStorageDetails\\CaptureResults\\Windows\\diskSpaceInfo.json" /A /Y'''</a:t>
+              <a:t>                bat '''copy "PublishResults\\diskSpaceInfo.json" /A "C:\\Users\\manoj\\Downloads\\Python Study\\Coding Challenges\\Interview Problem Statement\\</a:t>
+            </a:r>
+            <a:r>
+              <a:rPr lang="en-US" sz="800" dirty="0" err="1"/>
+              <a:t>System_Programming_getStorageDetails</a:t>
+            </a:r>
+            <a:r>
+              <a:rPr lang="en-US" sz="800" dirty="0"/>
+              <a:t>\\CaptureResults\\Windows\\diskSpaceInfo.json" /A /Y'''</a:t>
             </a:r>
           </a:p>
           <a:p>
@@ -4752,12 +5560,13 @@
         </p:nvSpPr>
         <p:spPr>
           <a:xfrm>
-            <a:off x="9252283" y="1363075"/>
-            <a:ext cx="2310063" cy="586041"/>
+            <a:off x="8927432" y="1363075"/>
+            <a:ext cx="3144251" cy="423235"/>
           </a:xfrm>
           <a:prstGeom prst="rect">
             <a:avLst/>
           </a:prstGeom>
+          <a:ln w="19050"/>
         </p:spPr>
         <p:style>
           <a:lnRef idx="2">
@@ -4791,15 +5600,7 @@
           <a:p>
             <a:r>
               <a:rPr lang="en-US" sz="900" dirty="0"/>
-              <a:t>     def </a:t>
-            </a:r>
-            <a:r>
-              <a:rPr lang="en-US" sz="900" dirty="0" err="1"/>
-              <a:t>readParamterFile</a:t>
-            </a:r>
-            <a:r>
-              <a:rPr lang="en-US" sz="900" dirty="0"/>
-              <a:t>(self, *param)</a:t>
+              <a:t>     def readParamterFile(self, *param)</a:t>
             </a:r>
           </a:p>
         </p:txBody>
@@ -4867,7 +5668,7 @@
         </p:nvSpPr>
         <p:spPr>
           <a:xfrm>
-            <a:off x="9379111" y="1106799"/>
+            <a:off x="9523491" y="1106799"/>
             <a:ext cx="2056405" cy="244244"/>
           </a:xfrm>
           <a:prstGeom prst="rect">
@@ -4902,47 +5703,6 @@
           </a:p>
         </p:txBody>
       </p:sp>
-      <p:cxnSp>
-        <p:nvCxnSpPr>
-          <p:cNvPr id="31" name="Connector: Elbow 30">
-            <a:extLst>
-              <a:ext uri="{FF2B5EF4-FFF2-40B4-BE49-F238E27FC236}">
-                <a16:creationId xmlns:a16="http://schemas.microsoft.com/office/drawing/2014/main" id="{C447FD03-0D16-423B-93AC-0BC04A23BFB4}"/>
-              </a:ext>
-            </a:extLst>
-          </p:cNvPr>
-          <p:cNvCxnSpPr>
-            <a:cxnSpLocks/>
-          </p:cNvCxnSpPr>
-          <p:nvPr/>
-        </p:nvCxnSpPr>
-        <p:spPr>
-          <a:xfrm flipV="1">
-            <a:off x="6771109" y="1595936"/>
-            <a:ext cx="2541334" cy="2496068"/>
-          </a:xfrm>
-          <a:prstGeom prst="bentConnector3">
-            <a:avLst/>
-          </a:prstGeom>
-          <a:ln>
-            <a:tailEnd type="triangle"/>
-          </a:ln>
-        </p:spPr>
-        <p:style>
-          <a:lnRef idx="1">
-            <a:schemeClr val="accent2"/>
-          </a:lnRef>
-          <a:fillRef idx="0">
-            <a:schemeClr val="accent2"/>
-          </a:fillRef>
-          <a:effectRef idx="0">
-            <a:schemeClr val="accent2"/>
-          </a:effectRef>
-          <a:fontRef idx="minor">
-            <a:schemeClr val="tx1"/>
-          </a:fontRef>
-        </p:style>
-      </p:cxnSp>
       <p:sp>
         <p:nvSpPr>
           <p:cNvPr id="35" name="TextBox 34">
@@ -5103,49 +5863,6 @@
           </a:p>
         </p:txBody>
       </p:sp>
-      <p:cxnSp>
-        <p:nvCxnSpPr>
-          <p:cNvPr id="49" name="Connector: Elbow 48">
-            <a:extLst>
-              <a:ext uri="{FF2B5EF4-FFF2-40B4-BE49-F238E27FC236}">
-                <a16:creationId xmlns:a16="http://schemas.microsoft.com/office/drawing/2014/main" id="{12AD08E6-CE13-4CC6-8C0F-8F7509369D77}"/>
-              </a:ext>
-            </a:extLst>
-          </p:cNvPr>
-          <p:cNvCxnSpPr>
-            <a:cxnSpLocks/>
-          </p:cNvCxnSpPr>
-          <p:nvPr/>
-        </p:nvCxnSpPr>
-        <p:spPr>
-          <a:xfrm rot="5400000" flipH="1" flipV="1">
-            <a:off x="7781448" y="2537391"/>
-            <a:ext cx="2364159" cy="914403"/>
-          </a:xfrm>
-          <a:prstGeom prst="bentConnector3">
-            <a:avLst>
-              <a:gd name="adj1" fmla="val 100383"/>
-            </a:avLst>
-          </a:prstGeom>
-          <a:ln>
-            <a:tailEnd type="triangle"/>
-          </a:ln>
-        </p:spPr>
-        <p:style>
-          <a:lnRef idx="1">
-            <a:schemeClr val="accent2"/>
-          </a:lnRef>
-          <a:fillRef idx="0">
-            <a:schemeClr val="accent2"/>
-          </a:fillRef>
-          <a:effectRef idx="0">
-            <a:schemeClr val="accent2"/>
-          </a:effectRef>
-          <a:fontRef idx="minor">
-            <a:schemeClr val="tx1"/>
-          </a:fontRef>
-        </p:style>
-      </p:cxnSp>
       <p:sp>
         <p:nvSpPr>
           <p:cNvPr id="52" name="Rectangle 51">
@@ -5160,12 +5877,13 @@
         </p:nvSpPr>
         <p:spPr>
           <a:xfrm>
-            <a:off x="9260305" y="2477999"/>
-            <a:ext cx="2310063" cy="586041"/>
+            <a:off x="8927433" y="2092984"/>
+            <a:ext cx="3144252" cy="586041"/>
           </a:xfrm>
           <a:prstGeom prst="rect">
             <a:avLst/>
           </a:prstGeom>
+          <a:ln w="19050"/>
         </p:spPr>
         <p:style>
           <a:lnRef idx="2">
@@ -5193,43 +5911,19 @@
           <a:p>
             <a:r>
               <a:rPr lang="en-US" sz="900" dirty="0"/>
-              <a:t>     def </a:t>
-            </a:r>
-            <a:r>
-              <a:rPr lang="en-US" sz="900" dirty="0" err="1"/>
-              <a:t>validatorNull</a:t>
-            </a:r>
+              <a:t>     def validatorNull(self, *param)</a:t>
+            </a:r>
+          </a:p>
+          <a:p>
             <a:r>
               <a:rPr lang="en-US" sz="900" dirty="0"/>
-              <a:t>(self, *param)</a:t>
+              <a:t>     def validateEmpty(self, *param)</a:t>
             </a:r>
           </a:p>
           <a:p>
             <a:r>
               <a:rPr lang="en-US" sz="900" dirty="0"/>
-              <a:t>     def </a:t>
-            </a:r>
-            <a:r>
-              <a:rPr lang="en-US" sz="900" dirty="0" err="1"/>
-              <a:t>validateEmpty</a:t>
-            </a:r>
-            <a:r>
-              <a:rPr lang="en-US" sz="900" dirty="0"/>
-              <a:t>(self, *param)</a:t>
-            </a:r>
-          </a:p>
-          <a:p>
-            <a:r>
-              <a:rPr lang="en-US" sz="900" dirty="0"/>
-              <a:t>     def </a:t>
-            </a:r>
-            <a:r>
-              <a:rPr lang="en-US" sz="900" dirty="0" err="1"/>
-              <a:t>validateGetValue</a:t>
-            </a:r>
-            <a:r>
-              <a:rPr lang="en-US" sz="900" dirty="0"/>
-              <a:t>(self, *param)</a:t>
+              <a:t>     def validateGetValue(self, *param)</a:t>
             </a:r>
           </a:p>
         </p:txBody>
@@ -5248,7 +5942,7 @@
         </p:nvSpPr>
         <p:spPr>
           <a:xfrm>
-            <a:off x="9387133" y="2221723"/>
+            <a:off x="9579640" y="1836708"/>
             <a:ext cx="2056405" cy="244244"/>
           </a:xfrm>
           <a:prstGeom prst="rect">
@@ -5283,29 +5977,810 @@
           </a:p>
         </p:txBody>
       </p:sp>
+      <p:sp>
+        <p:nvSpPr>
+          <p:cNvPr id="24" name="Rectangle 23">
+            <a:extLst>
+              <a:ext uri="{FF2B5EF4-FFF2-40B4-BE49-F238E27FC236}">
+                <a16:creationId xmlns:a16="http://schemas.microsoft.com/office/drawing/2014/main" id="{E7977BD1-3DE9-45B6-9253-39148C14B92B}"/>
+              </a:ext>
+            </a:extLst>
+          </p:cNvPr>
+          <p:cNvSpPr/>
+          <p:nvPr/>
+        </p:nvSpPr>
+        <p:spPr>
+          <a:xfrm>
+            <a:off x="8927432" y="3015397"/>
+            <a:ext cx="3164305" cy="642598"/>
+          </a:xfrm>
+          <a:prstGeom prst="rect">
+            <a:avLst/>
+          </a:prstGeom>
+          <a:ln w="19050"/>
+        </p:spPr>
+        <p:style>
+          <a:lnRef idx="2">
+            <a:schemeClr val="dk1"/>
+          </a:lnRef>
+          <a:fillRef idx="1">
+            <a:schemeClr val="lt1"/>
+          </a:fillRef>
+          <a:effectRef idx="0">
+            <a:schemeClr val="dk1"/>
+          </a:effectRef>
+          <a:fontRef idx="minor">
+            <a:schemeClr val="dk1"/>
+          </a:fontRef>
+        </p:style>
+        <p:txBody>
+          <a:bodyPr rtlCol="0" anchor="ctr"/>
+          <a:lstStyle/>
+          <a:p>
+            <a:r>
+              <a:rPr lang="en-US" sz="900" dirty="0"/>
+              <a:t>Class Validator:`</a:t>
+            </a:r>
+          </a:p>
+          <a:p>
+            <a:r>
+              <a:rPr lang="en-US" sz="900" dirty="0"/>
+              <a:t>     </a:t>
+            </a:r>
+            <a:r>
+              <a:rPr lang="en-US" sz="900" b="0" i="0" dirty="0">
+                <a:effectLst/>
+                <a:latin typeface="ui-monospace"/>
+              </a:rPr>
+              <a:t>def</a:t>
+            </a:r>
+            <a:r>
+              <a:rPr lang="en-US" sz="900" b="0" i="0" dirty="0">
+                <a:solidFill>
+                  <a:srgbClr val="24292F"/>
+                </a:solidFill>
+                <a:effectLst/>
+                <a:latin typeface="ui-monospace"/>
+              </a:rPr>
+              <a:t> </a:t>
+            </a:r>
+            <a:r>
+              <a:rPr lang="en-US" sz="900" b="0" i="0" dirty="0">
+                <a:effectLst/>
+                <a:latin typeface="ui-monospace"/>
+              </a:rPr>
+              <a:t>__init__</a:t>
+            </a:r>
+            <a:r>
+              <a:rPr lang="en-US" sz="900" b="0" i="0" dirty="0">
+                <a:solidFill>
+                  <a:srgbClr val="24292F"/>
+                </a:solidFill>
+                <a:effectLst/>
+                <a:latin typeface="ui-monospace"/>
+              </a:rPr>
+              <a:t>(self):</a:t>
+            </a:r>
+          </a:p>
+          <a:p>
+            <a:r>
+              <a:rPr lang="en-US" sz="900" dirty="0"/>
+              <a:t>     </a:t>
+            </a:r>
+            <a:r>
+              <a:rPr lang="en-US" sz="900" b="0" i="0" dirty="0">
+                <a:effectLst/>
+                <a:latin typeface="ui-monospace"/>
+              </a:rPr>
+              <a:t>def</a:t>
+            </a:r>
+            <a:r>
+              <a:rPr lang="en-US" sz="900" b="0" i="0" dirty="0">
+                <a:solidFill>
+                  <a:srgbClr val="24292F"/>
+                </a:solidFill>
+                <a:effectLst/>
+                <a:latin typeface="ui-monospace"/>
+              </a:rPr>
+              <a:t> </a:t>
+            </a:r>
+            <a:r>
+              <a:rPr lang="en-US" sz="900" b="0" i="0" dirty="0">
+                <a:effectLst/>
+                <a:latin typeface="ui-monospace"/>
+              </a:rPr>
+              <a:t>loadJsonFileFormat</a:t>
+            </a:r>
+            <a:r>
+              <a:rPr lang="en-US" sz="900" b="0" i="0" dirty="0">
+                <a:solidFill>
+                  <a:srgbClr val="24292F"/>
+                </a:solidFill>
+                <a:effectLst/>
+                <a:latin typeface="ui-monospace"/>
+              </a:rPr>
+              <a:t>(self, commonFrameworkResults)</a:t>
+            </a:r>
+          </a:p>
+          <a:p>
+            <a:r>
+              <a:rPr lang="en-US" sz="900" dirty="0">
+                <a:solidFill>
+                  <a:srgbClr val="24292F"/>
+                </a:solidFill>
+                <a:latin typeface="ui-monospace"/>
+              </a:rPr>
+              <a:t>     </a:t>
+            </a:r>
+            <a:r>
+              <a:rPr lang="en-US" sz="900" b="0" i="0" dirty="0">
+                <a:effectLst/>
+                <a:latin typeface="ui-monospace"/>
+              </a:rPr>
+              <a:t>def</a:t>
+            </a:r>
+            <a:r>
+              <a:rPr lang="en-US" sz="900" b="0" i="0" dirty="0">
+                <a:solidFill>
+                  <a:srgbClr val="24292F"/>
+                </a:solidFill>
+                <a:effectLst/>
+                <a:latin typeface="ui-monospace"/>
+              </a:rPr>
+              <a:t> </a:t>
+            </a:r>
+            <a:r>
+              <a:rPr lang="en-US" sz="900" b="0" i="0" dirty="0">
+                <a:effectLst/>
+                <a:latin typeface="ui-monospace"/>
+              </a:rPr>
+              <a:t>loadXMLFileFormat</a:t>
+            </a:r>
+            <a:r>
+              <a:rPr lang="en-US" sz="900" b="0" i="0" dirty="0">
+                <a:solidFill>
+                  <a:srgbClr val="24292F"/>
+                </a:solidFill>
+                <a:effectLst/>
+                <a:latin typeface="ui-monospace"/>
+              </a:rPr>
+              <a:t>(self, commonFrameworkResults)</a:t>
+            </a:r>
+            <a:endParaRPr lang="en-US" sz="900" dirty="0">
+              <a:solidFill>
+                <a:srgbClr val="24292F"/>
+              </a:solidFill>
+              <a:latin typeface="ui-monospace"/>
+            </a:endParaRPr>
+          </a:p>
+          <a:p>
+            <a:r>
+              <a:rPr lang="en-US" sz="900" b="0" i="0" dirty="0">
+                <a:effectLst/>
+                <a:latin typeface="ui-monospace"/>
+              </a:rPr>
+              <a:t>     def</a:t>
+            </a:r>
+            <a:r>
+              <a:rPr lang="en-US" sz="900" b="0" i="0" dirty="0">
+                <a:solidFill>
+                  <a:srgbClr val="24292F"/>
+                </a:solidFill>
+                <a:effectLst/>
+                <a:latin typeface="ui-monospace"/>
+              </a:rPr>
+              <a:t> </a:t>
+            </a:r>
+            <a:r>
+              <a:rPr lang="en-US" sz="900" b="0" i="0" dirty="0">
+                <a:effectLst/>
+                <a:latin typeface="ui-monospace"/>
+              </a:rPr>
+              <a:t>loadTextFileFormat</a:t>
+            </a:r>
+            <a:r>
+              <a:rPr lang="en-US" sz="900" b="0" i="0" dirty="0">
+                <a:solidFill>
+                  <a:srgbClr val="24292F"/>
+                </a:solidFill>
+                <a:effectLst/>
+                <a:latin typeface="ui-monospace"/>
+              </a:rPr>
+              <a:t>(self, commonFrameworkResults)</a:t>
+            </a:r>
+            <a:endParaRPr lang="en-US" sz="900" dirty="0"/>
+          </a:p>
+        </p:txBody>
+      </p:sp>
+      <p:sp>
+        <p:nvSpPr>
+          <p:cNvPr id="26" name="Rectangle 25">
+            <a:extLst>
+              <a:ext uri="{FF2B5EF4-FFF2-40B4-BE49-F238E27FC236}">
+                <a16:creationId xmlns:a16="http://schemas.microsoft.com/office/drawing/2014/main" id="{3558EB32-6B85-4B5D-9AC2-FE93BF1FD72C}"/>
+              </a:ext>
+            </a:extLst>
+          </p:cNvPr>
+          <p:cNvSpPr/>
+          <p:nvPr/>
+        </p:nvSpPr>
+        <p:spPr>
+          <a:xfrm>
+            <a:off x="9587658" y="2759121"/>
+            <a:ext cx="2056405" cy="244244"/>
+          </a:xfrm>
+          <a:prstGeom prst="rect">
+            <a:avLst/>
+          </a:prstGeom>
+        </p:spPr>
+        <p:style>
+          <a:lnRef idx="2">
+            <a:schemeClr val="accent1">
+              <a:shade val="50000"/>
+            </a:schemeClr>
+          </a:lnRef>
+          <a:fillRef idx="1">
+            <a:schemeClr val="accent1"/>
+          </a:fillRef>
+          <a:effectRef idx="0">
+            <a:schemeClr val="accent1"/>
+          </a:effectRef>
+          <a:fontRef idx="minor">
+            <a:schemeClr val="lt1"/>
+          </a:fontRef>
+        </p:style>
+        <p:txBody>
+          <a:bodyPr rtlCol="0" anchor="ctr"/>
+          <a:lstStyle/>
+          <a:p>
+            <a:pPr algn="ctr"/>
+            <a:r>
+              <a:rPr lang="en-US" dirty="0"/>
+              <a:t>FileFormatter.py</a:t>
+            </a:r>
+          </a:p>
+        </p:txBody>
+      </p:sp>
+      <p:sp>
+        <p:nvSpPr>
+          <p:cNvPr id="29" name="Rectangle 28">
+            <a:extLst>
+              <a:ext uri="{FF2B5EF4-FFF2-40B4-BE49-F238E27FC236}">
+                <a16:creationId xmlns:a16="http://schemas.microsoft.com/office/drawing/2014/main" id="{9CC72E74-F8E1-4D6E-A3E4-39C77A67F909}"/>
+              </a:ext>
+            </a:extLst>
+          </p:cNvPr>
+          <p:cNvSpPr/>
+          <p:nvPr/>
+        </p:nvSpPr>
+        <p:spPr>
+          <a:xfrm>
+            <a:off x="8927432" y="3973915"/>
+            <a:ext cx="3160293" cy="1200068"/>
+          </a:xfrm>
+          <a:prstGeom prst="rect">
+            <a:avLst/>
+          </a:prstGeom>
+          <a:ln w="19050"/>
+        </p:spPr>
+        <p:style>
+          <a:lnRef idx="2">
+            <a:schemeClr val="accent1"/>
+          </a:lnRef>
+          <a:fillRef idx="1">
+            <a:schemeClr val="lt1"/>
+          </a:fillRef>
+          <a:effectRef idx="0">
+            <a:schemeClr val="accent1"/>
+          </a:effectRef>
+          <a:fontRef idx="minor">
+            <a:schemeClr val="dk1"/>
+          </a:fontRef>
+        </p:style>
+        <p:txBody>
+          <a:bodyPr rtlCol="0" anchor="ctr"/>
+          <a:lstStyle/>
+          <a:p>
+            <a:r>
+              <a:rPr lang="en-US" sz="900" dirty="0"/>
+              <a:t>Class Validator:`</a:t>
+            </a:r>
+          </a:p>
+          <a:p>
+            <a:r>
+              <a:rPr lang="en-US" sz="900" dirty="0"/>
+              <a:t>     </a:t>
+            </a:r>
+            <a:r>
+              <a:rPr lang="en-US" sz="900" b="0" i="0" dirty="0">
+                <a:effectLst/>
+                <a:latin typeface="ui-monospace"/>
+              </a:rPr>
+              <a:t>def</a:t>
+            </a:r>
+            <a:r>
+              <a:rPr lang="en-US" sz="900" b="0" i="0" dirty="0">
+                <a:solidFill>
+                  <a:srgbClr val="24292F"/>
+                </a:solidFill>
+                <a:effectLst/>
+                <a:latin typeface="ui-monospace"/>
+              </a:rPr>
+              <a:t> </a:t>
+            </a:r>
+            <a:r>
+              <a:rPr lang="en-US" sz="900" b="0" i="0" dirty="0">
+                <a:effectLst/>
+                <a:latin typeface="ui-monospace"/>
+              </a:rPr>
+              <a:t>__init__</a:t>
+            </a:r>
+            <a:r>
+              <a:rPr lang="en-US" sz="900" b="0" i="0" dirty="0">
+                <a:solidFill>
+                  <a:srgbClr val="24292F"/>
+                </a:solidFill>
+                <a:effectLst/>
+                <a:latin typeface="ui-monospace"/>
+              </a:rPr>
+              <a:t>(self)</a:t>
+            </a:r>
+          </a:p>
+          <a:p>
+            <a:r>
+              <a:rPr lang="en-US" sz="900" dirty="0"/>
+              <a:t>     </a:t>
+            </a:r>
+            <a:r>
+              <a:rPr lang="en-US" sz="900" b="0" i="0" dirty="0">
+                <a:effectLst/>
+                <a:latin typeface="ui-monospace"/>
+              </a:rPr>
+              <a:t>def</a:t>
+            </a:r>
+            <a:r>
+              <a:rPr lang="en-US" sz="900" b="0" i="0" dirty="0">
+                <a:solidFill>
+                  <a:srgbClr val="24292F"/>
+                </a:solidFill>
+                <a:effectLst/>
+                <a:latin typeface="ui-monospace"/>
+              </a:rPr>
+              <a:t> </a:t>
+            </a:r>
+            <a:r>
+              <a:rPr lang="en-US" sz="900" b="0" i="0" dirty="0">
+                <a:effectLst/>
+                <a:latin typeface="ui-monospace"/>
+              </a:rPr>
+              <a:t>transferFileToDisk</a:t>
+            </a:r>
+            <a:r>
+              <a:rPr lang="en-US" sz="900" b="0" i="0" dirty="0">
+                <a:solidFill>
+                  <a:srgbClr val="24292F"/>
+                </a:solidFill>
+                <a:effectLst/>
+                <a:latin typeface="ui-monospace"/>
+              </a:rPr>
+              <a:t>(self, resultsFileName, commonFrameworkResults)</a:t>
+            </a:r>
+          </a:p>
+          <a:p>
+            <a:r>
+              <a:rPr lang="en-US" sz="900" dirty="0">
+                <a:solidFill>
+                  <a:srgbClr val="24292F"/>
+                </a:solidFill>
+                <a:latin typeface="ui-monospace"/>
+              </a:rPr>
+              <a:t>     </a:t>
+            </a:r>
+            <a:r>
+              <a:rPr lang="en-US" sz="900" b="0" i="0" dirty="0">
+                <a:effectLst/>
+                <a:latin typeface="ui-monospace"/>
+              </a:rPr>
+              <a:t>def</a:t>
+            </a:r>
+            <a:r>
+              <a:rPr lang="en-US" sz="900" b="0" i="0" dirty="0">
+                <a:solidFill>
+                  <a:srgbClr val="24292F"/>
+                </a:solidFill>
+                <a:effectLst/>
+                <a:latin typeface="ui-monospace"/>
+              </a:rPr>
+              <a:t> </a:t>
+            </a:r>
+            <a:r>
+              <a:rPr lang="en-US" sz="900" b="0" i="0" dirty="0">
+                <a:effectLst/>
+                <a:latin typeface="ui-monospace"/>
+              </a:rPr>
+              <a:t>transferFileToEmail</a:t>
+            </a:r>
+            <a:r>
+              <a:rPr lang="en-US" sz="900" b="0" i="0" dirty="0">
+                <a:solidFill>
+                  <a:srgbClr val="24292F"/>
+                </a:solidFill>
+                <a:effectLst/>
+                <a:latin typeface="ui-monospace"/>
+              </a:rPr>
+              <a:t>(self, resultsFileName, commonFrameworkResults)</a:t>
+            </a:r>
+            <a:endParaRPr lang="en-US" sz="900" dirty="0">
+              <a:solidFill>
+                <a:srgbClr val="24292F"/>
+              </a:solidFill>
+              <a:latin typeface="ui-monospace"/>
+            </a:endParaRPr>
+          </a:p>
+          <a:p>
+            <a:r>
+              <a:rPr lang="en-US" sz="900" b="0" i="0" dirty="0">
+                <a:effectLst/>
+                <a:latin typeface="ui-monospace"/>
+              </a:rPr>
+              <a:t>     def</a:t>
+            </a:r>
+            <a:r>
+              <a:rPr lang="en-US" sz="900" b="0" i="0" dirty="0">
+                <a:solidFill>
+                  <a:srgbClr val="24292F"/>
+                </a:solidFill>
+                <a:effectLst/>
+                <a:latin typeface="ui-monospace"/>
+              </a:rPr>
+              <a:t> </a:t>
+            </a:r>
+            <a:r>
+              <a:rPr lang="en-US" sz="900" b="0" i="0" dirty="0">
+                <a:effectLst/>
+                <a:latin typeface="ui-monospace"/>
+              </a:rPr>
+              <a:t>transferFileToSharedServer</a:t>
+            </a:r>
+            <a:r>
+              <a:rPr lang="en-US" sz="900" b="0" i="0" dirty="0">
+                <a:solidFill>
+                  <a:srgbClr val="24292F"/>
+                </a:solidFill>
+                <a:effectLst/>
+                <a:latin typeface="ui-monospace"/>
+              </a:rPr>
+              <a:t>(self, resultsFileName, commonFrameworkResults)</a:t>
+            </a:r>
+            <a:endParaRPr lang="en-US" sz="900" dirty="0"/>
+          </a:p>
+        </p:txBody>
+      </p:sp>
+      <p:sp>
+        <p:nvSpPr>
+          <p:cNvPr id="30" name="Rectangle 29">
+            <a:extLst>
+              <a:ext uri="{FF2B5EF4-FFF2-40B4-BE49-F238E27FC236}">
+                <a16:creationId xmlns:a16="http://schemas.microsoft.com/office/drawing/2014/main" id="{9EA416E0-9AEF-410D-B0CB-025A26CADD31}"/>
+              </a:ext>
+            </a:extLst>
+          </p:cNvPr>
+          <p:cNvSpPr/>
+          <p:nvPr/>
+        </p:nvSpPr>
+        <p:spPr>
+          <a:xfrm>
+            <a:off x="9573125" y="3727891"/>
+            <a:ext cx="2056405" cy="244244"/>
+          </a:xfrm>
+          <a:prstGeom prst="rect">
+            <a:avLst/>
+          </a:prstGeom>
+        </p:spPr>
+        <p:style>
+          <a:lnRef idx="2">
+            <a:schemeClr val="accent1">
+              <a:shade val="50000"/>
+            </a:schemeClr>
+          </a:lnRef>
+          <a:fillRef idx="1">
+            <a:schemeClr val="accent1"/>
+          </a:fillRef>
+          <a:effectRef idx="0">
+            <a:schemeClr val="accent1"/>
+          </a:effectRef>
+          <a:fontRef idx="minor">
+            <a:schemeClr val="lt1"/>
+          </a:fontRef>
+        </p:style>
+        <p:txBody>
+          <a:bodyPr rtlCol="0" anchor="ctr"/>
+          <a:lstStyle/>
+          <a:p>
+            <a:pPr algn="ctr"/>
+            <a:r>
+              <a:rPr lang="en-US" dirty="0"/>
+              <a:t>PublishResults.py</a:t>
+            </a:r>
+          </a:p>
+        </p:txBody>
+      </p:sp>
+      <p:sp>
+        <p:nvSpPr>
+          <p:cNvPr id="32" name="Rectangle 31">
+            <a:extLst>
+              <a:ext uri="{FF2B5EF4-FFF2-40B4-BE49-F238E27FC236}">
+                <a16:creationId xmlns:a16="http://schemas.microsoft.com/office/drawing/2014/main" id="{4FD0C1EF-A3D6-4779-B4A1-89D36CE9C54F}"/>
+              </a:ext>
+            </a:extLst>
+          </p:cNvPr>
+          <p:cNvSpPr/>
+          <p:nvPr/>
+        </p:nvSpPr>
+        <p:spPr>
+          <a:xfrm>
+            <a:off x="8935453" y="5465833"/>
+            <a:ext cx="3164304" cy="1127468"/>
+          </a:xfrm>
+          <a:prstGeom prst="rect">
+            <a:avLst/>
+          </a:prstGeom>
+          <a:ln w="19050"/>
+        </p:spPr>
+        <p:style>
+          <a:lnRef idx="2">
+            <a:schemeClr val="accent5"/>
+          </a:lnRef>
+          <a:fillRef idx="1">
+            <a:schemeClr val="lt1"/>
+          </a:fillRef>
+          <a:effectRef idx="0">
+            <a:schemeClr val="accent5"/>
+          </a:effectRef>
+          <a:fontRef idx="minor">
+            <a:schemeClr val="dk1"/>
+          </a:fontRef>
+        </p:style>
+        <p:txBody>
+          <a:bodyPr rtlCol="0" anchor="ctr"/>
+          <a:lstStyle/>
+          <a:p>
+            <a:r>
+              <a:rPr lang="en-US" sz="900" dirty="0"/>
+              <a:t>Class Validator:`</a:t>
+            </a:r>
+          </a:p>
+          <a:p>
+            <a:r>
+              <a:rPr lang="en-US" sz="900" dirty="0"/>
+              <a:t>     </a:t>
+            </a:r>
+            <a:r>
+              <a:rPr lang="en-US" sz="900" b="0" i="0" dirty="0">
+                <a:effectLst/>
+                <a:latin typeface="ui-monospace"/>
+              </a:rPr>
+              <a:t>def</a:t>
+            </a:r>
+            <a:r>
+              <a:rPr lang="en-US" sz="900" b="0" i="0" dirty="0">
+                <a:solidFill>
+                  <a:srgbClr val="24292F"/>
+                </a:solidFill>
+                <a:effectLst/>
+                <a:latin typeface="ui-monospace"/>
+              </a:rPr>
+              <a:t> </a:t>
+            </a:r>
+            <a:r>
+              <a:rPr lang="en-US" sz="900" b="0" i="0" dirty="0">
+                <a:effectLst/>
+                <a:latin typeface="ui-monospace"/>
+              </a:rPr>
+              <a:t>__init__</a:t>
+            </a:r>
+            <a:r>
+              <a:rPr lang="en-US" sz="900" b="0" i="0" dirty="0">
+                <a:solidFill>
+                  <a:srgbClr val="24292F"/>
+                </a:solidFill>
+                <a:effectLst/>
+                <a:latin typeface="ui-monospace"/>
+              </a:rPr>
+              <a:t>(self):</a:t>
+            </a:r>
+          </a:p>
+          <a:p>
+            <a:r>
+              <a:rPr lang="en-US" sz="900" b="0" i="0" dirty="0">
+                <a:effectLst/>
+                <a:latin typeface="ui-monospace"/>
+              </a:rPr>
+              <a:t>def</a:t>
+            </a:r>
+            <a:r>
+              <a:rPr lang="en-US" sz="900" b="0" i="0" dirty="0">
+                <a:solidFill>
+                  <a:srgbClr val="24292F"/>
+                </a:solidFill>
+                <a:effectLst/>
+                <a:latin typeface="ui-monospace"/>
+              </a:rPr>
+              <a:t> </a:t>
+            </a:r>
+            <a:r>
+              <a:rPr lang="en-US" sz="900" b="0" i="0" dirty="0">
+                <a:effectLst/>
+                <a:latin typeface="ui-monospace"/>
+              </a:rPr>
+              <a:t>transferFileToDisk</a:t>
+            </a:r>
+            <a:r>
+              <a:rPr lang="en-US" sz="900" b="0" i="0" dirty="0">
+                <a:solidFill>
+                  <a:srgbClr val="24292F"/>
+                </a:solidFill>
+                <a:effectLst/>
+                <a:latin typeface="ui-monospace"/>
+              </a:rPr>
+              <a:t>(self, resultsFileName, commonFrameworkResults)</a:t>
+            </a:r>
+          </a:p>
+          <a:p>
+            <a:r>
+              <a:rPr lang="en-US" sz="900" dirty="0">
+                <a:solidFill>
+                  <a:srgbClr val="24292F"/>
+                </a:solidFill>
+                <a:latin typeface="ui-monospace"/>
+              </a:rPr>
+              <a:t>     </a:t>
+            </a:r>
+            <a:r>
+              <a:rPr lang="en-US" sz="900" b="0" i="0" dirty="0">
+                <a:effectLst/>
+                <a:latin typeface="ui-monospace"/>
+              </a:rPr>
+              <a:t>def</a:t>
+            </a:r>
+            <a:r>
+              <a:rPr lang="en-US" sz="900" b="0" i="0" dirty="0">
+                <a:solidFill>
+                  <a:srgbClr val="24292F"/>
+                </a:solidFill>
+                <a:effectLst/>
+                <a:latin typeface="ui-monospace"/>
+              </a:rPr>
+              <a:t> </a:t>
+            </a:r>
+            <a:r>
+              <a:rPr lang="en-US" sz="900" b="0" i="0" dirty="0">
+                <a:effectLst/>
+                <a:latin typeface="ui-monospace"/>
+              </a:rPr>
+              <a:t>transferFileToEmail</a:t>
+            </a:r>
+            <a:r>
+              <a:rPr lang="en-US" sz="900" b="0" i="0" dirty="0">
+                <a:solidFill>
+                  <a:srgbClr val="24292F"/>
+                </a:solidFill>
+                <a:effectLst/>
+                <a:latin typeface="ui-monospace"/>
+              </a:rPr>
+              <a:t>(self, resultsFileName, commonFrameworkResults)</a:t>
+            </a:r>
+          </a:p>
+          <a:p>
+            <a:r>
+              <a:rPr lang="en-US" sz="900" b="0" i="0" dirty="0">
+                <a:effectLst/>
+                <a:latin typeface="ui-monospace"/>
+              </a:rPr>
+              <a:t>     def</a:t>
+            </a:r>
+            <a:r>
+              <a:rPr lang="en-US" sz="900" b="0" i="0" dirty="0">
+                <a:solidFill>
+                  <a:srgbClr val="24292F"/>
+                </a:solidFill>
+                <a:effectLst/>
+                <a:latin typeface="ui-monospace"/>
+              </a:rPr>
+              <a:t> </a:t>
+            </a:r>
+            <a:r>
+              <a:rPr lang="en-US" sz="900" b="0" i="0" dirty="0">
+                <a:effectLst/>
+                <a:latin typeface="ui-monospace"/>
+              </a:rPr>
+              <a:t>transferFileToSharedServer</a:t>
+            </a:r>
+            <a:r>
+              <a:rPr lang="en-US" sz="900" b="0" i="0" dirty="0">
+                <a:solidFill>
+                  <a:srgbClr val="24292F"/>
+                </a:solidFill>
+                <a:effectLst/>
+                <a:latin typeface="ui-monospace"/>
+              </a:rPr>
+              <a:t>(self, resultsFileName, commonFrameworkResults)</a:t>
+            </a:r>
+            <a:endParaRPr lang="en-US" sz="900" dirty="0"/>
+          </a:p>
+        </p:txBody>
+      </p:sp>
+      <p:sp>
+        <p:nvSpPr>
+          <p:cNvPr id="33" name="Rectangle 32">
+            <a:extLst>
+              <a:ext uri="{FF2B5EF4-FFF2-40B4-BE49-F238E27FC236}">
+                <a16:creationId xmlns:a16="http://schemas.microsoft.com/office/drawing/2014/main" id="{AD6D06F7-97AD-42A1-8B11-C4437063E9BC}"/>
+              </a:ext>
+            </a:extLst>
+          </p:cNvPr>
+          <p:cNvSpPr/>
+          <p:nvPr/>
+        </p:nvSpPr>
+        <p:spPr>
+          <a:xfrm>
+            <a:off x="9595677" y="5209557"/>
+            <a:ext cx="2056405" cy="244244"/>
+          </a:xfrm>
+          <a:prstGeom prst="rect">
+            <a:avLst/>
+          </a:prstGeom>
+        </p:spPr>
+        <p:style>
+          <a:lnRef idx="2">
+            <a:schemeClr val="accent1">
+              <a:shade val="50000"/>
+            </a:schemeClr>
+          </a:lnRef>
+          <a:fillRef idx="1">
+            <a:schemeClr val="accent1"/>
+          </a:fillRef>
+          <a:effectRef idx="0">
+            <a:schemeClr val="accent1"/>
+          </a:effectRef>
+          <a:fontRef idx="minor">
+            <a:schemeClr val="lt1"/>
+          </a:fontRef>
+        </p:style>
+        <p:txBody>
+          <a:bodyPr rtlCol="0" anchor="ctr"/>
+          <a:lstStyle/>
+          <a:p>
+            <a:pPr algn="ctr"/>
+            <a:r>
+              <a:rPr lang="en-US" dirty="0"/>
+              <a:t>ExtractDetails.py</a:t>
+            </a:r>
+          </a:p>
+        </p:txBody>
+      </p:sp>
       <p:cxnSp>
         <p:nvCxnSpPr>
-          <p:cNvPr id="55" name="Connector: Elbow 54">
-            <a:extLst>
-              <a:ext uri="{FF2B5EF4-FFF2-40B4-BE49-F238E27FC236}">
-                <a16:creationId xmlns:a16="http://schemas.microsoft.com/office/drawing/2014/main" id="{E77437D9-D7DE-45D2-B3B6-8B9821C9F8D4}"/>
+          <p:cNvPr id="44" name="Connector: Curved 43">
+            <a:extLst>
+              <a:ext uri="{FF2B5EF4-FFF2-40B4-BE49-F238E27FC236}">
+                <a16:creationId xmlns:a16="http://schemas.microsoft.com/office/drawing/2014/main" id="{2A7E9F10-F4A3-4188-A1F3-622937A88CED}"/>
               </a:ext>
             </a:extLst>
           </p:cNvPr>
           <p:cNvCxnSpPr>
             <a:cxnSpLocks/>
+            <a:endCxn id="29" idx="1"/>
           </p:cNvCxnSpPr>
           <p:nvPr/>
         </p:nvCxnSpPr>
         <p:spPr>
-          <a:xfrm flipV="1">
-            <a:off x="5678906" y="2622884"/>
-            <a:ext cx="3581399" cy="1890648"/>
-          </a:xfrm>
-          <a:prstGeom prst="bentConnector3">
-            <a:avLst>
-              <a:gd name="adj1" fmla="val 85274"/>
-            </a:avLst>
+          <a:xfrm rot="5400000" flipH="1" flipV="1">
+            <a:off x="7820296" y="4820829"/>
+            <a:ext cx="1354016" cy="860256"/>
+          </a:xfrm>
+          <a:prstGeom prst="curvedConnector2">
+            <a:avLst/>
           </a:prstGeom>
           <a:ln>
             <a:tailEnd type="triangle"/>
@@ -5313,13 +6788,13 @@
         </p:spPr>
         <p:style>
           <a:lnRef idx="1">
-            <a:schemeClr val="accent6"/>
+            <a:schemeClr val="accent1"/>
           </a:lnRef>
           <a:fillRef idx="0">
-            <a:schemeClr val="accent6"/>
+            <a:schemeClr val="accent1"/>
           </a:fillRef>
           <a:effectRef idx="0">
-            <a:schemeClr val="accent6"/>
+            <a:schemeClr val="accent1"/>
           </a:effectRef>
           <a:fontRef idx="minor">
             <a:schemeClr val="tx1"/>
@@ -5328,22 +6803,25 @@
       </p:cxnSp>
       <p:cxnSp>
         <p:nvCxnSpPr>
-          <p:cNvPr id="67" name="Connector: Elbow 66">
-            <a:extLst>
-              <a:ext uri="{FF2B5EF4-FFF2-40B4-BE49-F238E27FC236}">
-                <a16:creationId xmlns:a16="http://schemas.microsoft.com/office/drawing/2014/main" id="{AEDA1797-201D-4EB2-917D-25206E70DD9F}"/>
-              </a:ext>
-            </a:extLst>
-          </p:cNvPr>
-          <p:cNvCxnSpPr/>
+          <p:cNvPr id="46" name="Connector: Curved 45">
+            <a:extLst>
+              <a:ext uri="{FF2B5EF4-FFF2-40B4-BE49-F238E27FC236}">
+                <a16:creationId xmlns:a16="http://schemas.microsoft.com/office/drawing/2014/main" id="{1F9EF135-F0EC-464D-AB4D-CBACD1C3B252}"/>
+              </a:ext>
+            </a:extLst>
+          </p:cNvPr>
+          <p:cNvCxnSpPr>
+            <a:cxnSpLocks/>
+            <a:endCxn id="52" idx="1"/>
+          </p:cNvCxnSpPr>
           <p:nvPr/>
         </p:nvCxnSpPr>
         <p:spPr>
-          <a:xfrm>
-            <a:off x="6488362" y="1949116"/>
-            <a:ext cx="2763921" cy="894854"/>
-          </a:xfrm>
-          <a:prstGeom prst="bentConnector3">
+          <a:xfrm rot="5400000" flipH="1" flipV="1">
+            <a:off x="6745372" y="2991923"/>
+            <a:ext cx="2787978" cy="1576143"/>
+          </a:xfrm>
+          <a:prstGeom prst="curvedConnector2">
             <a:avLst/>
           </a:prstGeom>
           <a:ln>
@@ -5352,13 +6830,139 @@
         </p:spPr>
         <p:style>
           <a:lnRef idx="1">
-            <a:schemeClr val="accent6"/>
+            <a:schemeClr val="accent1"/>
           </a:lnRef>
           <a:fillRef idx="0">
-            <a:schemeClr val="accent6"/>
+            <a:schemeClr val="accent1"/>
           </a:fillRef>
           <a:effectRef idx="0">
-            <a:schemeClr val="accent6"/>
+            <a:schemeClr val="accent1"/>
+          </a:effectRef>
+          <a:fontRef idx="minor">
+            <a:schemeClr val="tx1"/>
+          </a:fontRef>
+        </p:style>
+      </p:cxnSp>
+      <p:cxnSp>
+        <p:nvCxnSpPr>
+          <p:cNvPr id="50" name="Connector: Curved 49">
+            <a:extLst>
+              <a:ext uri="{FF2B5EF4-FFF2-40B4-BE49-F238E27FC236}">
+                <a16:creationId xmlns:a16="http://schemas.microsoft.com/office/drawing/2014/main" id="{36E2B705-3F37-43CF-8B83-F6B903AED103}"/>
+              </a:ext>
+            </a:extLst>
+          </p:cNvPr>
+          <p:cNvCxnSpPr>
+            <a:endCxn id="24" idx="1"/>
+          </p:cNvCxnSpPr>
+          <p:nvPr/>
+        </p:nvCxnSpPr>
+        <p:spPr>
+          <a:xfrm rot="5400000" flipH="1" flipV="1">
+            <a:off x="7103759" y="3945179"/>
+            <a:ext cx="2432156" cy="1215190"/>
+          </a:xfrm>
+          <a:prstGeom prst="curvedConnector2">
+            <a:avLst/>
+          </a:prstGeom>
+          <a:ln>
+            <a:tailEnd type="triangle"/>
+          </a:ln>
+        </p:spPr>
+        <p:style>
+          <a:lnRef idx="1">
+            <a:schemeClr val="accent1"/>
+          </a:lnRef>
+          <a:fillRef idx="0">
+            <a:schemeClr val="accent1"/>
+          </a:fillRef>
+          <a:effectRef idx="0">
+            <a:schemeClr val="accent1"/>
+          </a:effectRef>
+          <a:fontRef idx="minor">
+            <a:schemeClr val="tx1"/>
+          </a:fontRef>
+        </p:style>
+      </p:cxnSp>
+      <p:cxnSp>
+        <p:nvCxnSpPr>
+          <p:cNvPr id="57" name="Connector: Curved 56">
+            <a:extLst>
+              <a:ext uri="{FF2B5EF4-FFF2-40B4-BE49-F238E27FC236}">
+                <a16:creationId xmlns:a16="http://schemas.microsoft.com/office/drawing/2014/main" id="{10D429EA-FF81-4557-9CEB-08B39DD6685C}"/>
+              </a:ext>
+            </a:extLst>
+          </p:cNvPr>
+          <p:cNvCxnSpPr>
+            <a:endCxn id="25" idx="1"/>
+          </p:cNvCxnSpPr>
+          <p:nvPr/>
+        </p:nvCxnSpPr>
+        <p:spPr>
+          <a:xfrm rot="5400000" flipH="1" flipV="1">
+            <a:off x="7025523" y="1756086"/>
+            <a:ext cx="2083302" cy="1720516"/>
+          </a:xfrm>
+          <a:prstGeom prst="curvedConnector2">
+            <a:avLst/>
+          </a:prstGeom>
+          <a:ln>
+            <a:tailEnd type="triangle"/>
+          </a:ln>
+        </p:spPr>
+        <p:style>
+          <a:lnRef idx="1">
+            <a:schemeClr val="accent1"/>
+          </a:lnRef>
+          <a:fillRef idx="0">
+            <a:schemeClr val="accent1"/>
+          </a:fillRef>
+          <a:effectRef idx="0">
+            <a:schemeClr val="accent1"/>
+          </a:effectRef>
+          <a:fontRef idx="minor">
+            <a:schemeClr val="tx1"/>
+          </a:fontRef>
+        </p:style>
+      </p:cxnSp>
+      <p:cxnSp>
+        <p:nvCxnSpPr>
+          <p:cNvPr id="60" name="Connector: Curved 59">
+            <a:extLst>
+              <a:ext uri="{FF2B5EF4-FFF2-40B4-BE49-F238E27FC236}">
+                <a16:creationId xmlns:a16="http://schemas.microsoft.com/office/drawing/2014/main" id="{82B4BCBD-CD53-4B47-81CE-93B3E233FF3C}"/>
+              </a:ext>
+            </a:extLst>
+          </p:cNvPr>
+          <p:cNvCxnSpPr>
+            <a:cxnSpLocks/>
+            <a:endCxn id="32" idx="1"/>
+          </p:cNvCxnSpPr>
+          <p:nvPr/>
+        </p:nvCxnSpPr>
+        <p:spPr>
+          <a:xfrm>
+            <a:off x="8497306" y="5655173"/>
+            <a:ext cx="438147" cy="374394"/>
+          </a:xfrm>
+          <a:prstGeom prst="curvedConnector3">
+            <a:avLst>
+              <a:gd name="adj1" fmla="val -7666"/>
+            </a:avLst>
+          </a:prstGeom>
+          <a:ln>
+            <a:tailEnd type="triangle"/>
+          </a:ln>
+        </p:spPr>
+        <p:style>
+          <a:lnRef idx="1">
+            <a:schemeClr val="accent1"/>
+          </a:lnRef>
+          <a:fillRef idx="0">
+            <a:schemeClr val="accent1"/>
+          </a:fillRef>
+          <a:effectRef idx="0">
+            <a:schemeClr val="accent1"/>
           </a:effectRef>
           <a:fontRef idx="minor">
             <a:schemeClr val="tx1"/>
@@ -5369,6 +6973,1401 @@
     <p:extLst>
       <p:ext uri="{BB962C8B-B14F-4D97-AF65-F5344CB8AC3E}">
         <p14:creationId xmlns:p14="http://schemas.microsoft.com/office/powerpoint/2010/main" val="2728604786"/>
+      </p:ext>
+    </p:extLst>
+  </p:cSld>
+  <p:clrMapOvr>
+    <a:masterClrMapping/>
+  </p:clrMapOvr>
+</p:sld>
+</file>
+
+<file path=ppt/slides/slide4.xml><?xml version="1.0" encoding="utf-8"?>
+<p:sld xmlns:a="http://schemas.openxmlformats.org/drawingml/2006/main" xmlns:r="http://schemas.openxmlformats.org/officeDocument/2006/relationships" xmlns:p="http://schemas.openxmlformats.org/presentationml/2006/main">
+  <p:cSld>
+    <p:spTree>
+      <p:nvGrpSpPr>
+        <p:cNvPr id="1" name=""/>
+        <p:cNvGrpSpPr/>
+        <p:nvPr/>
+      </p:nvGrpSpPr>
+      <p:grpSpPr>
+        <a:xfrm>
+          <a:off x="0" y="0"/>
+          <a:ext cx="0" cy="0"/>
+          <a:chOff x="0" y="0"/>
+          <a:chExt cx="0" cy="0"/>
+        </a:xfrm>
+      </p:grpSpPr>
+      <p:sp>
+        <p:nvSpPr>
+          <p:cNvPr id="2" name="Title 1">
+            <a:extLst>
+              <a:ext uri="{FF2B5EF4-FFF2-40B4-BE49-F238E27FC236}">
+                <a16:creationId xmlns:a16="http://schemas.microsoft.com/office/drawing/2014/main" id="{5B336246-F970-4E72-8DC3-5A0C7662B686}"/>
+              </a:ext>
+            </a:extLst>
+          </p:cNvPr>
+          <p:cNvSpPr>
+            <a:spLocks noGrp="1"/>
+          </p:cNvSpPr>
+          <p:nvPr>
+            <p:ph type="ctrTitle"/>
+          </p:nvPr>
+        </p:nvSpPr>
+        <p:spPr>
+          <a:xfrm>
+            <a:off x="4330688" y="644066"/>
+            <a:ext cx="3617496" cy="423234"/>
+          </a:xfrm>
+        </p:spPr>
+        <p:txBody>
+          <a:bodyPr>
+            <a:noAutofit/>
+          </a:bodyPr>
+          <a:lstStyle/>
+          <a:p>
+            <a:r>
+              <a:rPr lang="en-US" sz="2800" dirty="0"/>
+              <a:t>Windows Pipeline Flow</a:t>
+            </a:r>
+          </a:p>
+        </p:txBody>
+      </p:sp>
+      <p:sp>
+        <p:nvSpPr>
+          <p:cNvPr id="27" name="Rectangle 26">
+            <a:extLst>
+              <a:ext uri="{FF2B5EF4-FFF2-40B4-BE49-F238E27FC236}">
+                <a16:creationId xmlns:a16="http://schemas.microsoft.com/office/drawing/2014/main" id="{F2267F14-0C4E-4091-A8C2-7413CE73D72E}"/>
+              </a:ext>
+            </a:extLst>
+          </p:cNvPr>
+          <p:cNvSpPr/>
+          <p:nvPr/>
+        </p:nvSpPr>
+        <p:spPr>
+          <a:xfrm>
+            <a:off x="2513760" y="1351043"/>
+            <a:ext cx="1353132" cy="220169"/>
+          </a:xfrm>
+          <a:prstGeom prst="rect">
+            <a:avLst/>
+          </a:prstGeom>
+        </p:spPr>
+        <p:style>
+          <a:lnRef idx="2">
+            <a:schemeClr val="accent1">
+              <a:shade val="50000"/>
+            </a:schemeClr>
+          </a:lnRef>
+          <a:fillRef idx="1">
+            <a:schemeClr val="accent1"/>
+          </a:fillRef>
+          <a:effectRef idx="0">
+            <a:schemeClr val="accent1"/>
+          </a:effectRef>
+          <a:fontRef idx="minor">
+            <a:schemeClr val="lt1"/>
+          </a:fontRef>
+        </p:style>
+        <p:txBody>
+          <a:bodyPr rtlCol="0" anchor="ctr"/>
+          <a:lstStyle/>
+          <a:p>
+            <a:pPr algn="ctr"/>
+            <a:r>
+              <a:rPr lang="en-US" sz="1400" dirty="0"/>
+              <a:t>GetStorage.py</a:t>
+            </a:r>
+          </a:p>
+        </p:txBody>
+      </p:sp>
+      <p:sp>
+        <p:nvSpPr>
+          <p:cNvPr id="33" name="Rectangle 32">
+            <a:extLst>
+              <a:ext uri="{FF2B5EF4-FFF2-40B4-BE49-F238E27FC236}">
+                <a16:creationId xmlns:a16="http://schemas.microsoft.com/office/drawing/2014/main" id="{AD6D06F7-97AD-42A1-8B11-C4437063E9BC}"/>
+              </a:ext>
+            </a:extLst>
+          </p:cNvPr>
+          <p:cNvSpPr/>
+          <p:nvPr/>
+        </p:nvSpPr>
+        <p:spPr>
+          <a:xfrm>
+            <a:off x="10578789" y="1347030"/>
+            <a:ext cx="1475502" cy="224182"/>
+          </a:xfrm>
+          <a:prstGeom prst="rect">
+            <a:avLst/>
+          </a:prstGeom>
+        </p:spPr>
+        <p:style>
+          <a:lnRef idx="2">
+            <a:schemeClr val="accent1">
+              <a:shade val="50000"/>
+            </a:schemeClr>
+          </a:lnRef>
+          <a:fillRef idx="1">
+            <a:schemeClr val="accent1"/>
+          </a:fillRef>
+          <a:effectRef idx="0">
+            <a:schemeClr val="accent1"/>
+          </a:effectRef>
+          <a:fontRef idx="minor">
+            <a:schemeClr val="lt1"/>
+          </a:fontRef>
+        </p:style>
+        <p:txBody>
+          <a:bodyPr rtlCol="0" anchor="ctr"/>
+          <a:lstStyle/>
+          <a:p>
+            <a:pPr algn="ctr"/>
+            <a:r>
+              <a:rPr lang="en-US" sz="1400" dirty="0"/>
+              <a:t>ExtractDetails.py</a:t>
+            </a:r>
+          </a:p>
+        </p:txBody>
+      </p:sp>
+      <p:cxnSp>
+        <p:nvCxnSpPr>
+          <p:cNvPr id="4" name="Straight Arrow Connector 3">
+            <a:extLst>
+              <a:ext uri="{FF2B5EF4-FFF2-40B4-BE49-F238E27FC236}">
+                <a16:creationId xmlns:a16="http://schemas.microsoft.com/office/drawing/2014/main" id="{B997A587-7380-46A7-9D79-A397476450AF}"/>
+              </a:ext>
+            </a:extLst>
+          </p:cNvPr>
+          <p:cNvCxnSpPr>
+            <a:cxnSpLocks/>
+            <a:stCxn id="27" idx="2"/>
+          </p:cNvCxnSpPr>
+          <p:nvPr/>
+        </p:nvCxnSpPr>
+        <p:spPr>
+          <a:xfrm>
+            <a:off x="3190326" y="1571212"/>
+            <a:ext cx="0" cy="4385088"/>
+          </a:xfrm>
+          <a:prstGeom prst="straightConnector1">
+            <a:avLst/>
+          </a:prstGeom>
+          <a:ln>
+            <a:tailEnd type="triangle"/>
+          </a:ln>
+        </p:spPr>
+        <p:style>
+          <a:lnRef idx="1">
+            <a:schemeClr val="accent1"/>
+          </a:lnRef>
+          <a:fillRef idx="0">
+            <a:schemeClr val="accent1"/>
+          </a:fillRef>
+          <a:effectRef idx="0">
+            <a:schemeClr val="accent1"/>
+          </a:effectRef>
+          <a:fontRef idx="minor">
+            <a:schemeClr val="tx1"/>
+          </a:fontRef>
+        </p:style>
+      </p:cxnSp>
+      <p:sp>
+        <p:nvSpPr>
+          <p:cNvPr id="31" name="Rectangle 30">
+            <a:extLst>
+              <a:ext uri="{FF2B5EF4-FFF2-40B4-BE49-F238E27FC236}">
+                <a16:creationId xmlns:a16="http://schemas.microsoft.com/office/drawing/2014/main" id="{4EEBA76D-9D57-4DFA-B2D0-8E1395B254F8}"/>
+              </a:ext>
+            </a:extLst>
+          </p:cNvPr>
+          <p:cNvSpPr/>
+          <p:nvPr/>
+        </p:nvSpPr>
+        <p:spPr>
+          <a:xfrm>
+            <a:off x="4068007" y="1347032"/>
+            <a:ext cx="1498094" cy="224182"/>
+          </a:xfrm>
+          <a:prstGeom prst="rect">
+            <a:avLst/>
+          </a:prstGeom>
+        </p:spPr>
+        <p:style>
+          <a:lnRef idx="2">
+            <a:schemeClr val="accent1">
+              <a:shade val="50000"/>
+            </a:schemeClr>
+          </a:lnRef>
+          <a:fillRef idx="1">
+            <a:schemeClr val="accent1"/>
+          </a:fillRef>
+          <a:effectRef idx="0">
+            <a:schemeClr val="accent1"/>
+          </a:effectRef>
+          <a:fontRef idx="minor">
+            <a:schemeClr val="lt1"/>
+          </a:fontRef>
+        </p:style>
+        <p:txBody>
+          <a:bodyPr rtlCol="0" anchor="ctr"/>
+          <a:lstStyle/>
+          <a:p>
+            <a:pPr algn="ctr"/>
+            <a:r>
+              <a:rPr lang="en-US" sz="1400" dirty="0"/>
+              <a:t>ParameterFile.py</a:t>
+            </a:r>
+          </a:p>
+        </p:txBody>
+      </p:sp>
+      <p:cxnSp>
+        <p:nvCxnSpPr>
+          <p:cNvPr id="34" name="Straight Arrow Connector 33">
+            <a:extLst>
+              <a:ext uri="{FF2B5EF4-FFF2-40B4-BE49-F238E27FC236}">
+                <a16:creationId xmlns:a16="http://schemas.microsoft.com/office/drawing/2014/main" id="{2831DFA7-CD33-4484-B26E-2861C6FB6CF6}"/>
+              </a:ext>
+            </a:extLst>
+          </p:cNvPr>
+          <p:cNvCxnSpPr>
+            <a:cxnSpLocks/>
+            <a:stCxn id="31" idx="2"/>
+          </p:cNvCxnSpPr>
+          <p:nvPr/>
+        </p:nvCxnSpPr>
+        <p:spPr>
+          <a:xfrm>
+            <a:off x="4817054" y="1571214"/>
+            <a:ext cx="0" cy="1527586"/>
+          </a:xfrm>
+          <a:prstGeom prst="straightConnector1">
+            <a:avLst/>
+          </a:prstGeom>
+          <a:ln>
+            <a:tailEnd type="triangle"/>
+          </a:ln>
+        </p:spPr>
+        <p:style>
+          <a:lnRef idx="1">
+            <a:schemeClr val="accent1"/>
+          </a:lnRef>
+          <a:fillRef idx="0">
+            <a:schemeClr val="accent1"/>
+          </a:fillRef>
+          <a:effectRef idx="0">
+            <a:schemeClr val="accent1"/>
+          </a:effectRef>
+          <a:fontRef idx="minor">
+            <a:schemeClr val="tx1"/>
+          </a:fontRef>
+        </p:style>
+      </p:cxnSp>
+      <p:sp>
+        <p:nvSpPr>
+          <p:cNvPr id="36" name="Rectangle 35">
+            <a:extLst>
+              <a:ext uri="{FF2B5EF4-FFF2-40B4-BE49-F238E27FC236}">
+                <a16:creationId xmlns:a16="http://schemas.microsoft.com/office/drawing/2014/main" id="{52BA37C8-2669-4B1D-A273-0F2FDA79EC38}"/>
+              </a:ext>
+            </a:extLst>
+          </p:cNvPr>
+          <p:cNvSpPr/>
+          <p:nvPr/>
+        </p:nvSpPr>
+        <p:spPr>
+          <a:xfrm>
+            <a:off x="5776998" y="1359730"/>
+            <a:ext cx="1171566" cy="224182"/>
+          </a:xfrm>
+          <a:prstGeom prst="rect">
+            <a:avLst/>
+          </a:prstGeom>
+        </p:spPr>
+        <p:style>
+          <a:lnRef idx="2">
+            <a:schemeClr val="accent1">
+              <a:shade val="50000"/>
+            </a:schemeClr>
+          </a:lnRef>
+          <a:fillRef idx="1">
+            <a:schemeClr val="accent1"/>
+          </a:fillRef>
+          <a:effectRef idx="0">
+            <a:schemeClr val="accent1"/>
+          </a:effectRef>
+          <a:fontRef idx="minor">
+            <a:schemeClr val="lt1"/>
+          </a:fontRef>
+        </p:style>
+        <p:txBody>
+          <a:bodyPr rtlCol="0" anchor="ctr"/>
+          <a:lstStyle/>
+          <a:p>
+            <a:pPr algn="ctr"/>
+            <a:r>
+              <a:rPr lang="en-US" sz="1400" dirty="0"/>
+              <a:t>Validator.py</a:t>
+            </a:r>
+          </a:p>
+        </p:txBody>
+      </p:sp>
+      <p:cxnSp>
+        <p:nvCxnSpPr>
+          <p:cNvPr id="40" name="Straight Arrow Connector 39">
+            <a:extLst>
+              <a:ext uri="{FF2B5EF4-FFF2-40B4-BE49-F238E27FC236}">
+                <a16:creationId xmlns:a16="http://schemas.microsoft.com/office/drawing/2014/main" id="{F289EC55-2D56-49FE-BA61-B1C39725E234}"/>
+              </a:ext>
+            </a:extLst>
+          </p:cNvPr>
+          <p:cNvCxnSpPr>
+            <a:cxnSpLocks/>
+            <a:stCxn id="36" idx="2"/>
+          </p:cNvCxnSpPr>
+          <p:nvPr/>
+        </p:nvCxnSpPr>
+        <p:spPr>
+          <a:xfrm>
+            <a:off x="6362781" y="1583912"/>
+            <a:ext cx="0" cy="2251488"/>
+          </a:xfrm>
+          <a:prstGeom prst="straightConnector1">
+            <a:avLst/>
+          </a:prstGeom>
+          <a:ln>
+            <a:tailEnd type="triangle"/>
+          </a:ln>
+        </p:spPr>
+        <p:style>
+          <a:lnRef idx="1">
+            <a:schemeClr val="accent1"/>
+          </a:lnRef>
+          <a:fillRef idx="0">
+            <a:schemeClr val="accent1"/>
+          </a:fillRef>
+          <a:effectRef idx="0">
+            <a:schemeClr val="accent1"/>
+          </a:effectRef>
+          <a:fontRef idx="minor">
+            <a:schemeClr val="tx1"/>
+          </a:fontRef>
+        </p:style>
+      </p:cxnSp>
+      <p:sp>
+        <p:nvSpPr>
+          <p:cNvPr id="41" name="Rectangle 40">
+            <a:extLst>
+              <a:ext uri="{FF2B5EF4-FFF2-40B4-BE49-F238E27FC236}">
+                <a16:creationId xmlns:a16="http://schemas.microsoft.com/office/drawing/2014/main" id="{39FA949B-011E-4A21-A3AC-746F08AC7BFB}"/>
+              </a:ext>
+            </a:extLst>
+          </p:cNvPr>
+          <p:cNvSpPr/>
+          <p:nvPr/>
+        </p:nvSpPr>
+        <p:spPr>
+          <a:xfrm>
+            <a:off x="7192042" y="1351043"/>
+            <a:ext cx="1475501" cy="220170"/>
+          </a:xfrm>
+          <a:prstGeom prst="rect">
+            <a:avLst/>
+          </a:prstGeom>
+        </p:spPr>
+        <p:style>
+          <a:lnRef idx="2">
+            <a:schemeClr val="accent1">
+              <a:shade val="50000"/>
+            </a:schemeClr>
+          </a:lnRef>
+          <a:fillRef idx="1">
+            <a:schemeClr val="accent1"/>
+          </a:fillRef>
+          <a:effectRef idx="0">
+            <a:schemeClr val="accent1"/>
+          </a:effectRef>
+          <a:fontRef idx="minor">
+            <a:schemeClr val="lt1"/>
+          </a:fontRef>
+        </p:style>
+        <p:txBody>
+          <a:bodyPr rtlCol="0" anchor="ctr"/>
+          <a:lstStyle/>
+          <a:p>
+            <a:pPr algn="ctr"/>
+            <a:r>
+              <a:rPr lang="en-US" sz="1400" dirty="0"/>
+              <a:t>FileFormatter.py</a:t>
+            </a:r>
+          </a:p>
+        </p:txBody>
+      </p:sp>
+      <p:cxnSp>
+        <p:nvCxnSpPr>
+          <p:cNvPr id="42" name="Straight Arrow Connector 41">
+            <a:extLst>
+              <a:ext uri="{FF2B5EF4-FFF2-40B4-BE49-F238E27FC236}">
+                <a16:creationId xmlns:a16="http://schemas.microsoft.com/office/drawing/2014/main" id="{27555EDF-6AF5-4196-B6E7-AC5516C64581}"/>
+              </a:ext>
+            </a:extLst>
+          </p:cNvPr>
+          <p:cNvCxnSpPr>
+            <a:cxnSpLocks/>
+            <a:stCxn id="41" idx="2"/>
+          </p:cNvCxnSpPr>
+          <p:nvPr/>
+        </p:nvCxnSpPr>
+        <p:spPr>
+          <a:xfrm>
+            <a:off x="7929793" y="1571213"/>
+            <a:ext cx="0" cy="3013487"/>
+          </a:xfrm>
+          <a:prstGeom prst="straightConnector1">
+            <a:avLst/>
+          </a:prstGeom>
+          <a:ln>
+            <a:tailEnd type="triangle"/>
+          </a:ln>
+        </p:spPr>
+        <p:style>
+          <a:lnRef idx="1">
+            <a:schemeClr val="accent1"/>
+          </a:lnRef>
+          <a:fillRef idx="0">
+            <a:schemeClr val="accent1"/>
+          </a:fillRef>
+          <a:effectRef idx="0">
+            <a:schemeClr val="accent1"/>
+          </a:effectRef>
+          <a:fontRef idx="minor">
+            <a:schemeClr val="tx1"/>
+          </a:fontRef>
+        </p:style>
+      </p:cxnSp>
+      <p:sp>
+        <p:nvSpPr>
+          <p:cNvPr id="45" name="Rectangle 44">
+            <a:extLst>
+              <a:ext uri="{FF2B5EF4-FFF2-40B4-BE49-F238E27FC236}">
+                <a16:creationId xmlns:a16="http://schemas.microsoft.com/office/drawing/2014/main" id="{DEE9512B-27D6-4009-B15E-9CC397591537}"/>
+              </a:ext>
+            </a:extLst>
+          </p:cNvPr>
+          <p:cNvSpPr/>
+          <p:nvPr/>
+        </p:nvSpPr>
+        <p:spPr>
+          <a:xfrm>
+            <a:off x="8865093" y="1347030"/>
+            <a:ext cx="1475501" cy="224182"/>
+          </a:xfrm>
+          <a:prstGeom prst="rect">
+            <a:avLst/>
+          </a:prstGeom>
+        </p:spPr>
+        <p:style>
+          <a:lnRef idx="2">
+            <a:schemeClr val="accent1">
+              <a:shade val="50000"/>
+            </a:schemeClr>
+          </a:lnRef>
+          <a:fillRef idx="1">
+            <a:schemeClr val="accent1"/>
+          </a:fillRef>
+          <a:effectRef idx="0">
+            <a:schemeClr val="accent1"/>
+          </a:effectRef>
+          <a:fontRef idx="minor">
+            <a:schemeClr val="lt1"/>
+          </a:fontRef>
+        </p:style>
+        <p:txBody>
+          <a:bodyPr rtlCol="0" anchor="ctr"/>
+          <a:lstStyle/>
+          <a:p>
+            <a:pPr algn="ctr"/>
+            <a:r>
+              <a:rPr lang="en-US" sz="1400" dirty="0"/>
+              <a:t>PublishResults.py</a:t>
+            </a:r>
+          </a:p>
+        </p:txBody>
+      </p:sp>
+      <p:cxnSp>
+        <p:nvCxnSpPr>
+          <p:cNvPr id="47" name="Straight Arrow Connector 46">
+            <a:extLst>
+              <a:ext uri="{FF2B5EF4-FFF2-40B4-BE49-F238E27FC236}">
+                <a16:creationId xmlns:a16="http://schemas.microsoft.com/office/drawing/2014/main" id="{D0E263F5-FFCD-429E-8D93-EA138CB4FB75}"/>
+              </a:ext>
+            </a:extLst>
+          </p:cNvPr>
+          <p:cNvCxnSpPr>
+            <a:cxnSpLocks/>
+            <a:stCxn id="45" idx="2"/>
+          </p:cNvCxnSpPr>
+          <p:nvPr/>
+        </p:nvCxnSpPr>
+        <p:spPr>
+          <a:xfrm>
+            <a:off x="9602844" y="1571212"/>
+            <a:ext cx="0" cy="3724688"/>
+          </a:xfrm>
+          <a:prstGeom prst="straightConnector1">
+            <a:avLst/>
+          </a:prstGeom>
+          <a:ln>
+            <a:tailEnd type="triangle"/>
+          </a:ln>
+        </p:spPr>
+        <p:style>
+          <a:lnRef idx="1">
+            <a:schemeClr val="accent1"/>
+          </a:lnRef>
+          <a:fillRef idx="0">
+            <a:schemeClr val="accent1"/>
+          </a:fillRef>
+          <a:effectRef idx="0">
+            <a:schemeClr val="accent1"/>
+          </a:effectRef>
+          <a:fontRef idx="minor">
+            <a:schemeClr val="tx1"/>
+          </a:fontRef>
+        </p:style>
+      </p:cxnSp>
+      <p:cxnSp>
+        <p:nvCxnSpPr>
+          <p:cNvPr id="63" name="Straight Arrow Connector 62">
+            <a:extLst>
+              <a:ext uri="{FF2B5EF4-FFF2-40B4-BE49-F238E27FC236}">
+                <a16:creationId xmlns:a16="http://schemas.microsoft.com/office/drawing/2014/main" id="{5126B4CC-2C5C-45F4-9F34-4A8E1DDCD536}"/>
+              </a:ext>
+            </a:extLst>
+          </p:cNvPr>
+          <p:cNvCxnSpPr>
+            <a:cxnSpLocks/>
+            <a:stCxn id="33" idx="2"/>
+          </p:cNvCxnSpPr>
+          <p:nvPr/>
+        </p:nvCxnSpPr>
+        <p:spPr>
+          <a:xfrm>
+            <a:off x="11316540" y="1571212"/>
+            <a:ext cx="0" cy="4385088"/>
+          </a:xfrm>
+          <a:prstGeom prst="straightConnector1">
+            <a:avLst/>
+          </a:prstGeom>
+          <a:ln>
+            <a:tailEnd type="triangle"/>
+          </a:ln>
+        </p:spPr>
+        <p:style>
+          <a:lnRef idx="1">
+            <a:schemeClr val="accent1"/>
+          </a:lnRef>
+          <a:fillRef idx="0">
+            <a:schemeClr val="accent1"/>
+          </a:fillRef>
+          <a:effectRef idx="0">
+            <a:schemeClr val="accent1"/>
+          </a:effectRef>
+          <a:fontRef idx="minor">
+            <a:schemeClr val="tx1"/>
+          </a:fontRef>
+        </p:style>
+      </p:cxnSp>
+      <p:sp>
+        <p:nvSpPr>
+          <p:cNvPr id="64" name="Rectangle: Rounded Corners 63">
+            <a:extLst>
+              <a:ext uri="{FF2B5EF4-FFF2-40B4-BE49-F238E27FC236}">
+                <a16:creationId xmlns:a16="http://schemas.microsoft.com/office/drawing/2014/main" id="{A2549797-F885-46F8-A3D6-BAD680FA29DC}"/>
+              </a:ext>
+            </a:extLst>
+          </p:cNvPr>
+          <p:cNvSpPr/>
+          <p:nvPr/>
+        </p:nvSpPr>
+        <p:spPr>
+          <a:xfrm>
+            <a:off x="190499" y="1727200"/>
+            <a:ext cx="2601856" cy="1473200"/>
+          </a:xfrm>
+          <a:prstGeom prst="roundRect">
+            <a:avLst/>
+          </a:prstGeom>
+        </p:spPr>
+        <p:style>
+          <a:lnRef idx="2">
+            <a:schemeClr val="accent2"/>
+          </a:lnRef>
+          <a:fillRef idx="1">
+            <a:schemeClr val="lt1"/>
+          </a:fillRef>
+          <a:effectRef idx="0">
+            <a:schemeClr val="accent2"/>
+          </a:effectRef>
+          <a:fontRef idx="minor">
+            <a:schemeClr val="dk1"/>
+          </a:fontRef>
+        </p:style>
+        <p:txBody>
+          <a:bodyPr rtlCol="0" anchor="ctr"/>
+          <a:lstStyle/>
+          <a:p>
+            <a:r>
+              <a:rPr lang="en-US" sz="900" dirty="0"/>
+              <a:t>{</a:t>
+            </a:r>
+          </a:p>
+          <a:p>
+            <a:r>
+              <a:rPr lang="en-US" sz="900" dirty="0"/>
+              <a:t>    "osProxy" : "Windows",</a:t>
+            </a:r>
+          </a:p>
+          <a:p>
+            <a:r>
+              <a:rPr lang="en-US" sz="900" dirty="0"/>
+              <a:t>    "scriptName" : "folderPathFileSizeInfo.bat",</a:t>
+            </a:r>
+          </a:p>
+          <a:p>
+            <a:r>
+              <a:rPr lang="en-US" sz="900" dirty="0"/>
+              <a:t>    "fileFormat" : "json",</a:t>
+            </a:r>
+          </a:p>
+          <a:p>
+            <a:r>
+              <a:rPr lang="en-US" sz="900" dirty="0"/>
+              <a:t>    "publishType" : "disk",</a:t>
+            </a:r>
+          </a:p>
+          <a:p>
+            <a:r>
+              <a:rPr lang="en-US" sz="900" dirty="0"/>
+              <a:t>    "path" : "Users\\</a:t>
+            </a:r>
+            <a:r>
+              <a:rPr lang="en-US" sz="900" dirty="0" err="1"/>
+              <a:t>manoj</a:t>
+            </a:r>
+            <a:r>
+              <a:rPr lang="en-US" sz="900" dirty="0"/>
+              <a:t>\\Downloads\\Python Study\\Coding Challenges\\Interview Problem Statement\\</a:t>
+            </a:r>
+            <a:r>
+              <a:rPr lang="en-US" sz="900" dirty="0" err="1"/>
+              <a:t>System_Programming_getStorageDetails</a:t>
+            </a:r>
+            <a:r>
+              <a:rPr lang="en-US" sz="900" dirty="0"/>
+              <a:t>"</a:t>
+            </a:r>
+          </a:p>
+          <a:p>
+            <a:r>
+              <a:rPr lang="en-US" sz="900" dirty="0"/>
+              <a:t>}</a:t>
+            </a:r>
+          </a:p>
+        </p:txBody>
+      </p:sp>
+      <p:cxnSp>
+        <p:nvCxnSpPr>
+          <p:cNvPr id="67" name="Straight Arrow Connector 66">
+            <a:extLst>
+              <a:ext uri="{FF2B5EF4-FFF2-40B4-BE49-F238E27FC236}">
+                <a16:creationId xmlns:a16="http://schemas.microsoft.com/office/drawing/2014/main" id="{BA382B6D-74B1-4C8A-8D6F-30674C4EA96D}"/>
+              </a:ext>
+            </a:extLst>
+          </p:cNvPr>
+          <p:cNvCxnSpPr/>
+          <p:nvPr/>
+        </p:nvCxnSpPr>
+        <p:spPr>
+          <a:xfrm>
+            <a:off x="2792355" y="2387600"/>
+            <a:ext cx="410671" cy="0"/>
+          </a:xfrm>
+          <a:prstGeom prst="straightConnector1">
+            <a:avLst/>
+          </a:prstGeom>
+          <a:ln>
+            <a:tailEnd type="triangle"/>
+          </a:ln>
+        </p:spPr>
+        <p:style>
+          <a:lnRef idx="1">
+            <a:schemeClr val="accent1"/>
+          </a:lnRef>
+          <a:fillRef idx="0">
+            <a:schemeClr val="accent1"/>
+          </a:fillRef>
+          <a:effectRef idx="0">
+            <a:schemeClr val="accent1"/>
+          </a:effectRef>
+          <a:fontRef idx="minor">
+            <a:schemeClr val="tx1"/>
+          </a:fontRef>
+        </p:style>
+      </p:cxnSp>
+      <p:cxnSp>
+        <p:nvCxnSpPr>
+          <p:cNvPr id="69" name="Straight Arrow Connector 68">
+            <a:extLst>
+              <a:ext uri="{FF2B5EF4-FFF2-40B4-BE49-F238E27FC236}">
+                <a16:creationId xmlns:a16="http://schemas.microsoft.com/office/drawing/2014/main" id="{FDC3B52D-2DD5-4886-9AC6-72E9A49A3F14}"/>
+              </a:ext>
+            </a:extLst>
+          </p:cNvPr>
+          <p:cNvCxnSpPr/>
+          <p:nvPr/>
+        </p:nvCxnSpPr>
+        <p:spPr>
+          <a:xfrm>
+            <a:off x="3203026" y="2717800"/>
+            <a:ext cx="1614028" cy="0"/>
+          </a:xfrm>
+          <a:prstGeom prst="straightConnector1">
+            <a:avLst/>
+          </a:prstGeom>
+          <a:ln>
+            <a:tailEnd type="triangle"/>
+          </a:ln>
+        </p:spPr>
+        <p:style>
+          <a:lnRef idx="1">
+            <a:schemeClr val="accent1"/>
+          </a:lnRef>
+          <a:fillRef idx="0">
+            <a:schemeClr val="accent1"/>
+          </a:fillRef>
+          <a:effectRef idx="0">
+            <a:schemeClr val="accent1"/>
+          </a:effectRef>
+          <a:fontRef idx="minor">
+            <a:schemeClr val="tx1"/>
+          </a:fontRef>
+        </p:style>
+      </p:cxnSp>
+      <p:cxnSp>
+        <p:nvCxnSpPr>
+          <p:cNvPr id="71" name="Straight Arrow Connector 70">
+            <a:extLst>
+              <a:ext uri="{FF2B5EF4-FFF2-40B4-BE49-F238E27FC236}">
+                <a16:creationId xmlns:a16="http://schemas.microsoft.com/office/drawing/2014/main" id="{4274D306-FE34-4B53-A61D-2B1181501421}"/>
+              </a:ext>
+            </a:extLst>
+          </p:cNvPr>
+          <p:cNvCxnSpPr/>
+          <p:nvPr/>
+        </p:nvCxnSpPr>
+        <p:spPr>
+          <a:xfrm flipH="1">
+            <a:off x="3203026" y="2857500"/>
+            <a:ext cx="1614028" cy="0"/>
+          </a:xfrm>
+          <a:prstGeom prst="straightConnector1">
+            <a:avLst/>
+          </a:prstGeom>
+          <a:ln>
+            <a:tailEnd type="triangle"/>
+          </a:ln>
+        </p:spPr>
+        <p:style>
+          <a:lnRef idx="1">
+            <a:schemeClr val="accent1"/>
+          </a:lnRef>
+          <a:fillRef idx="0">
+            <a:schemeClr val="accent1"/>
+          </a:fillRef>
+          <a:effectRef idx="0">
+            <a:schemeClr val="accent1"/>
+          </a:effectRef>
+          <a:fontRef idx="minor">
+            <a:schemeClr val="tx1"/>
+          </a:fontRef>
+        </p:style>
+      </p:cxnSp>
+      <p:cxnSp>
+        <p:nvCxnSpPr>
+          <p:cNvPr id="73" name="Straight Arrow Connector 72">
+            <a:extLst>
+              <a:ext uri="{FF2B5EF4-FFF2-40B4-BE49-F238E27FC236}">
+                <a16:creationId xmlns:a16="http://schemas.microsoft.com/office/drawing/2014/main" id="{47D8F10E-3CF8-4EE6-9326-FBA5579E49CB}"/>
+              </a:ext>
+            </a:extLst>
+          </p:cNvPr>
+          <p:cNvCxnSpPr/>
+          <p:nvPr/>
+        </p:nvCxnSpPr>
+        <p:spPr>
+          <a:xfrm>
+            <a:off x="3203026" y="3365500"/>
+            <a:ext cx="3159755" cy="0"/>
+          </a:xfrm>
+          <a:prstGeom prst="straightConnector1">
+            <a:avLst/>
+          </a:prstGeom>
+          <a:ln>
+            <a:tailEnd type="triangle"/>
+          </a:ln>
+        </p:spPr>
+        <p:style>
+          <a:lnRef idx="1">
+            <a:schemeClr val="accent1"/>
+          </a:lnRef>
+          <a:fillRef idx="0">
+            <a:schemeClr val="accent1"/>
+          </a:fillRef>
+          <a:effectRef idx="0">
+            <a:schemeClr val="accent1"/>
+          </a:effectRef>
+          <a:fontRef idx="minor">
+            <a:schemeClr val="tx1"/>
+          </a:fontRef>
+        </p:style>
+      </p:cxnSp>
+      <p:cxnSp>
+        <p:nvCxnSpPr>
+          <p:cNvPr id="75" name="Straight Arrow Connector 74">
+            <a:extLst>
+              <a:ext uri="{FF2B5EF4-FFF2-40B4-BE49-F238E27FC236}">
+                <a16:creationId xmlns:a16="http://schemas.microsoft.com/office/drawing/2014/main" id="{3A51B3CC-182F-4BA5-80FE-44B38FBEC6E5}"/>
+              </a:ext>
+            </a:extLst>
+          </p:cNvPr>
+          <p:cNvCxnSpPr/>
+          <p:nvPr/>
+        </p:nvCxnSpPr>
+        <p:spPr>
+          <a:xfrm flipH="1">
+            <a:off x="3203026" y="3517900"/>
+            <a:ext cx="3159755" cy="0"/>
+          </a:xfrm>
+          <a:prstGeom prst="straightConnector1">
+            <a:avLst/>
+          </a:prstGeom>
+          <a:ln>
+            <a:tailEnd type="triangle"/>
+          </a:ln>
+        </p:spPr>
+        <p:style>
+          <a:lnRef idx="1">
+            <a:schemeClr val="accent1"/>
+          </a:lnRef>
+          <a:fillRef idx="0">
+            <a:schemeClr val="accent1"/>
+          </a:fillRef>
+          <a:effectRef idx="0">
+            <a:schemeClr val="accent1"/>
+          </a:effectRef>
+          <a:fontRef idx="minor">
+            <a:schemeClr val="tx1"/>
+          </a:fontRef>
+        </p:style>
+      </p:cxnSp>
+      <p:cxnSp>
+        <p:nvCxnSpPr>
+          <p:cNvPr id="79" name="Straight Arrow Connector 78">
+            <a:extLst>
+              <a:ext uri="{FF2B5EF4-FFF2-40B4-BE49-F238E27FC236}">
+                <a16:creationId xmlns:a16="http://schemas.microsoft.com/office/drawing/2014/main" id="{82553703-A9AD-42DB-B507-B36DD40A34CF}"/>
+              </a:ext>
+            </a:extLst>
+          </p:cNvPr>
+          <p:cNvCxnSpPr/>
+          <p:nvPr/>
+        </p:nvCxnSpPr>
+        <p:spPr>
+          <a:xfrm>
+            <a:off x="3203026" y="4216400"/>
+            <a:ext cx="4745158" cy="0"/>
+          </a:xfrm>
+          <a:prstGeom prst="straightConnector1">
+            <a:avLst/>
+          </a:prstGeom>
+          <a:ln>
+            <a:tailEnd type="triangle"/>
+          </a:ln>
+        </p:spPr>
+        <p:style>
+          <a:lnRef idx="1">
+            <a:schemeClr val="accent1"/>
+          </a:lnRef>
+          <a:fillRef idx="0">
+            <a:schemeClr val="accent1"/>
+          </a:fillRef>
+          <a:effectRef idx="0">
+            <a:schemeClr val="accent1"/>
+          </a:effectRef>
+          <a:fontRef idx="minor">
+            <a:schemeClr val="tx1"/>
+          </a:fontRef>
+        </p:style>
+      </p:cxnSp>
+      <p:cxnSp>
+        <p:nvCxnSpPr>
+          <p:cNvPr id="81" name="Straight Arrow Connector 80">
+            <a:extLst>
+              <a:ext uri="{FF2B5EF4-FFF2-40B4-BE49-F238E27FC236}">
+                <a16:creationId xmlns:a16="http://schemas.microsoft.com/office/drawing/2014/main" id="{BBF8D489-467E-4D66-B679-B1B8796ABD0C}"/>
+              </a:ext>
+            </a:extLst>
+          </p:cNvPr>
+          <p:cNvCxnSpPr/>
+          <p:nvPr/>
+        </p:nvCxnSpPr>
+        <p:spPr>
+          <a:xfrm flipH="1">
+            <a:off x="3203026" y="4368800"/>
+            <a:ext cx="4726767" cy="0"/>
+          </a:xfrm>
+          <a:prstGeom prst="straightConnector1">
+            <a:avLst/>
+          </a:prstGeom>
+          <a:ln>
+            <a:tailEnd type="triangle"/>
+          </a:ln>
+        </p:spPr>
+        <p:style>
+          <a:lnRef idx="1">
+            <a:schemeClr val="accent1"/>
+          </a:lnRef>
+          <a:fillRef idx="0">
+            <a:schemeClr val="accent1"/>
+          </a:fillRef>
+          <a:effectRef idx="0">
+            <a:schemeClr val="accent1"/>
+          </a:effectRef>
+          <a:fontRef idx="minor">
+            <a:schemeClr val="tx1"/>
+          </a:fontRef>
+        </p:style>
+      </p:cxnSp>
+      <p:cxnSp>
+        <p:nvCxnSpPr>
+          <p:cNvPr id="83" name="Straight Arrow Connector 82">
+            <a:extLst>
+              <a:ext uri="{FF2B5EF4-FFF2-40B4-BE49-F238E27FC236}">
+                <a16:creationId xmlns:a16="http://schemas.microsoft.com/office/drawing/2014/main" id="{ECC2A35E-1F16-40A4-BE3A-140CD1B0DE21}"/>
+              </a:ext>
+            </a:extLst>
+          </p:cNvPr>
+          <p:cNvCxnSpPr/>
+          <p:nvPr/>
+        </p:nvCxnSpPr>
+        <p:spPr>
+          <a:xfrm>
+            <a:off x="3203026" y="4902200"/>
+            <a:ext cx="6399818" cy="0"/>
+          </a:xfrm>
+          <a:prstGeom prst="straightConnector1">
+            <a:avLst/>
+          </a:prstGeom>
+          <a:ln>
+            <a:tailEnd type="triangle"/>
+          </a:ln>
+        </p:spPr>
+        <p:style>
+          <a:lnRef idx="1">
+            <a:schemeClr val="accent1"/>
+          </a:lnRef>
+          <a:fillRef idx="0">
+            <a:schemeClr val="accent1"/>
+          </a:fillRef>
+          <a:effectRef idx="0">
+            <a:schemeClr val="accent1"/>
+          </a:effectRef>
+          <a:fontRef idx="minor">
+            <a:schemeClr val="tx1"/>
+          </a:fontRef>
+        </p:style>
+      </p:cxnSp>
+      <p:cxnSp>
+        <p:nvCxnSpPr>
+          <p:cNvPr id="85" name="Straight Arrow Connector 84">
+            <a:extLst>
+              <a:ext uri="{FF2B5EF4-FFF2-40B4-BE49-F238E27FC236}">
+                <a16:creationId xmlns:a16="http://schemas.microsoft.com/office/drawing/2014/main" id="{3B25AADF-42C9-4181-A0BB-2B11E0A9A870}"/>
+              </a:ext>
+            </a:extLst>
+          </p:cNvPr>
+          <p:cNvCxnSpPr/>
+          <p:nvPr/>
+        </p:nvCxnSpPr>
+        <p:spPr>
+          <a:xfrm flipH="1">
+            <a:off x="3203026" y="5067300"/>
+            <a:ext cx="6399818" cy="0"/>
+          </a:xfrm>
+          <a:prstGeom prst="straightConnector1">
+            <a:avLst/>
+          </a:prstGeom>
+          <a:ln>
+            <a:tailEnd type="triangle"/>
+          </a:ln>
+        </p:spPr>
+        <p:style>
+          <a:lnRef idx="1">
+            <a:schemeClr val="accent1"/>
+          </a:lnRef>
+          <a:fillRef idx="0">
+            <a:schemeClr val="accent1"/>
+          </a:fillRef>
+          <a:effectRef idx="0">
+            <a:schemeClr val="accent1"/>
+          </a:effectRef>
+          <a:fontRef idx="minor">
+            <a:schemeClr val="tx1"/>
+          </a:fontRef>
+        </p:style>
+      </p:cxnSp>
+      <p:cxnSp>
+        <p:nvCxnSpPr>
+          <p:cNvPr id="87" name="Straight Arrow Connector 86">
+            <a:extLst>
+              <a:ext uri="{FF2B5EF4-FFF2-40B4-BE49-F238E27FC236}">
+                <a16:creationId xmlns:a16="http://schemas.microsoft.com/office/drawing/2014/main" id="{0ACFF84D-F815-47E2-B23B-77C1567EAB39}"/>
+              </a:ext>
+            </a:extLst>
+          </p:cNvPr>
+          <p:cNvCxnSpPr/>
+          <p:nvPr/>
+        </p:nvCxnSpPr>
+        <p:spPr>
+          <a:xfrm>
+            <a:off x="3203026" y="5511800"/>
+            <a:ext cx="8113514" cy="0"/>
+          </a:xfrm>
+          <a:prstGeom prst="straightConnector1">
+            <a:avLst/>
+          </a:prstGeom>
+          <a:ln>
+            <a:tailEnd type="triangle"/>
+          </a:ln>
+        </p:spPr>
+        <p:style>
+          <a:lnRef idx="1">
+            <a:schemeClr val="accent1"/>
+          </a:lnRef>
+          <a:fillRef idx="0">
+            <a:schemeClr val="accent1"/>
+          </a:fillRef>
+          <a:effectRef idx="0">
+            <a:schemeClr val="accent1"/>
+          </a:effectRef>
+          <a:fontRef idx="minor">
+            <a:schemeClr val="tx1"/>
+          </a:fontRef>
+        </p:style>
+      </p:cxnSp>
+      <p:cxnSp>
+        <p:nvCxnSpPr>
+          <p:cNvPr id="89" name="Straight Arrow Connector 88">
+            <a:extLst>
+              <a:ext uri="{FF2B5EF4-FFF2-40B4-BE49-F238E27FC236}">
+                <a16:creationId xmlns:a16="http://schemas.microsoft.com/office/drawing/2014/main" id="{A8CA5E80-4B7C-4CB4-9DDE-DFDFC4F75B29}"/>
+              </a:ext>
+            </a:extLst>
+          </p:cNvPr>
+          <p:cNvCxnSpPr>
+            <a:cxnSpLocks/>
+          </p:cNvCxnSpPr>
+          <p:nvPr/>
+        </p:nvCxnSpPr>
+        <p:spPr>
+          <a:xfrm flipH="1">
+            <a:off x="3203026" y="5715000"/>
+            <a:ext cx="8113514" cy="0"/>
+          </a:xfrm>
+          <a:prstGeom prst="straightConnector1">
+            <a:avLst/>
+          </a:prstGeom>
+          <a:ln>
+            <a:tailEnd type="triangle"/>
+          </a:ln>
+        </p:spPr>
+        <p:style>
+          <a:lnRef idx="1">
+            <a:schemeClr val="accent1"/>
+          </a:lnRef>
+          <a:fillRef idx="0">
+            <a:schemeClr val="accent1"/>
+          </a:fillRef>
+          <a:effectRef idx="0">
+            <a:schemeClr val="accent1"/>
+          </a:effectRef>
+          <a:fontRef idx="minor">
+            <a:schemeClr val="tx1"/>
+          </a:fontRef>
+        </p:style>
+      </p:cxnSp>
+      <p:sp>
+        <p:nvSpPr>
+          <p:cNvPr id="99" name="TextBox 98">
+            <a:extLst>
+              <a:ext uri="{FF2B5EF4-FFF2-40B4-BE49-F238E27FC236}">
+                <a16:creationId xmlns:a16="http://schemas.microsoft.com/office/drawing/2014/main" id="{8EADD441-8A65-4DA6-9087-0764D553EA1C}"/>
+              </a:ext>
+            </a:extLst>
+          </p:cNvPr>
+          <p:cNvSpPr txBox="1"/>
+          <p:nvPr/>
+        </p:nvSpPr>
+        <p:spPr>
+          <a:xfrm>
+            <a:off x="3372153" y="2286000"/>
+            <a:ext cx="1393775" cy="369332"/>
+          </a:xfrm>
+          <a:prstGeom prst="rect">
+            <a:avLst/>
+          </a:prstGeom>
+          <a:solidFill>
+            <a:schemeClr val="bg2"/>
+          </a:solidFill>
+        </p:spPr>
+        <p:style>
+          <a:lnRef idx="2">
+            <a:schemeClr val="accent1"/>
+          </a:lnRef>
+          <a:fillRef idx="1">
+            <a:schemeClr val="lt1"/>
+          </a:fillRef>
+          <a:effectRef idx="0">
+            <a:schemeClr val="accent1"/>
+          </a:effectRef>
+          <a:fontRef idx="minor">
+            <a:schemeClr val="dk1"/>
+          </a:fontRef>
+        </p:style>
+        <p:txBody>
+          <a:bodyPr wrap="square" rtlCol="0">
+            <a:spAutoFit/>
+          </a:bodyPr>
+          <a:lstStyle/>
+          <a:p>
+            <a:r>
+              <a:rPr lang="en-US" sz="900" dirty="0"/>
+              <a:t>Read Parameter File To Proceed With </a:t>
+            </a:r>
+          </a:p>
+        </p:txBody>
+      </p:sp>
+      <p:sp>
+        <p:nvSpPr>
+          <p:cNvPr id="100" name="TextBox 99">
+            <a:extLst>
+              <a:ext uri="{FF2B5EF4-FFF2-40B4-BE49-F238E27FC236}">
+                <a16:creationId xmlns:a16="http://schemas.microsoft.com/office/drawing/2014/main" id="{11043F7B-840D-4D2D-8E1C-2C1C7A9FEE91}"/>
+              </a:ext>
+            </a:extLst>
+          </p:cNvPr>
+          <p:cNvSpPr txBox="1"/>
+          <p:nvPr/>
+        </p:nvSpPr>
+        <p:spPr>
+          <a:xfrm>
+            <a:off x="5118100" y="3073400"/>
+            <a:ext cx="1201670" cy="246221"/>
+          </a:xfrm>
+          <a:prstGeom prst="rect">
+            <a:avLst/>
+          </a:prstGeom>
+          <a:solidFill>
+            <a:schemeClr val="accent6">
+              <a:lumMod val="40000"/>
+              <a:lumOff val="60000"/>
+            </a:schemeClr>
+          </a:solidFill>
+        </p:spPr>
+        <p:style>
+          <a:lnRef idx="2">
+            <a:schemeClr val="accent4"/>
+          </a:lnRef>
+          <a:fillRef idx="1">
+            <a:schemeClr val="lt1"/>
+          </a:fillRef>
+          <a:effectRef idx="0">
+            <a:schemeClr val="accent4"/>
+          </a:effectRef>
+          <a:fontRef idx="minor">
+            <a:schemeClr val="dk1"/>
+          </a:fontRef>
+        </p:style>
+        <p:txBody>
+          <a:bodyPr wrap="square" rtlCol="0">
+            <a:spAutoFit/>
+          </a:bodyPr>
+          <a:lstStyle/>
+          <a:p>
+            <a:r>
+              <a:rPr lang="en-US" sz="1000" dirty="0"/>
+              <a:t>Perform Validation</a:t>
+            </a:r>
+          </a:p>
+        </p:txBody>
+      </p:sp>
+      <p:sp>
+        <p:nvSpPr>
+          <p:cNvPr id="101" name="TextBox 100">
+            <a:extLst>
+              <a:ext uri="{FF2B5EF4-FFF2-40B4-BE49-F238E27FC236}">
+                <a16:creationId xmlns:a16="http://schemas.microsoft.com/office/drawing/2014/main" id="{22205C0B-A183-458B-9D8B-35591D3AB734}"/>
+              </a:ext>
+            </a:extLst>
+          </p:cNvPr>
+          <p:cNvSpPr txBox="1"/>
+          <p:nvPr/>
+        </p:nvSpPr>
+        <p:spPr>
+          <a:xfrm>
+            <a:off x="4445000" y="3911600"/>
+            <a:ext cx="3420136" cy="253916"/>
+          </a:xfrm>
+          <a:prstGeom prst="rect">
+            <a:avLst/>
+          </a:prstGeom>
+          <a:solidFill>
+            <a:schemeClr val="accent4">
+              <a:lumMod val="20000"/>
+              <a:lumOff val="80000"/>
+            </a:schemeClr>
+          </a:solidFill>
+        </p:spPr>
+        <p:style>
+          <a:lnRef idx="2">
+            <a:schemeClr val="dk1"/>
+          </a:lnRef>
+          <a:fillRef idx="1">
+            <a:schemeClr val="lt1"/>
+          </a:fillRef>
+          <a:effectRef idx="0">
+            <a:schemeClr val="dk1"/>
+          </a:effectRef>
+          <a:fontRef idx="minor">
+            <a:schemeClr val="dk1"/>
+          </a:fontRef>
+        </p:style>
+        <p:txBody>
+          <a:bodyPr wrap="square" rtlCol="0">
+            <a:spAutoFit/>
+          </a:bodyPr>
+          <a:lstStyle/>
+          <a:p>
+            <a:r>
+              <a:rPr lang="en-US" sz="1050" dirty="0"/>
+              <a:t>Run Windows Batch Script And Format With </a:t>
+            </a:r>
+            <a:r>
+              <a:rPr lang="en-US" sz="1050" b="1" dirty="0"/>
+              <a:t>.json</a:t>
+            </a:r>
+            <a:r>
+              <a:rPr lang="en-US" sz="1050" dirty="0"/>
+              <a:t> File Type</a:t>
+            </a:r>
+          </a:p>
+        </p:txBody>
+      </p:sp>
+      <p:sp>
+        <p:nvSpPr>
+          <p:cNvPr id="102" name="TextBox 101">
+            <a:extLst>
+              <a:ext uri="{FF2B5EF4-FFF2-40B4-BE49-F238E27FC236}">
+                <a16:creationId xmlns:a16="http://schemas.microsoft.com/office/drawing/2014/main" id="{F9F21443-EC8E-4D77-BE7A-2C28657E3983}"/>
+              </a:ext>
+            </a:extLst>
+          </p:cNvPr>
+          <p:cNvSpPr txBox="1"/>
+          <p:nvPr/>
+        </p:nvSpPr>
+        <p:spPr>
+          <a:xfrm>
+            <a:off x="7747000" y="4610100"/>
+            <a:ext cx="1828798" cy="246221"/>
+          </a:xfrm>
+          <a:prstGeom prst="rect">
+            <a:avLst/>
+          </a:prstGeom>
+        </p:spPr>
+        <p:style>
+          <a:lnRef idx="1">
+            <a:schemeClr val="accent5"/>
+          </a:lnRef>
+          <a:fillRef idx="2">
+            <a:schemeClr val="accent5"/>
+          </a:fillRef>
+          <a:effectRef idx="1">
+            <a:schemeClr val="accent5"/>
+          </a:effectRef>
+          <a:fontRef idx="minor">
+            <a:schemeClr val="dk1"/>
+          </a:fontRef>
+        </p:style>
+        <p:txBody>
+          <a:bodyPr wrap="square" rtlCol="0">
+            <a:spAutoFit/>
+          </a:bodyPr>
+          <a:lstStyle/>
+          <a:p>
+            <a:r>
+              <a:rPr lang="en-US" sz="1000" dirty="0"/>
+              <a:t>Load The Results Into Local Disk</a:t>
+            </a:r>
+          </a:p>
+        </p:txBody>
+      </p:sp>
+      <p:sp>
+        <p:nvSpPr>
+          <p:cNvPr id="104" name="TextBox 103">
+            <a:extLst>
+              <a:ext uri="{FF2B5EF4-FFF2-40B4-BE49-F238E27FC236}">
+                <a16:creationId xmlns:a16="http://schemas.microsoft.com/office/drawing/2014/main" id="{B578E1B6-0E24-4A21-8B26-CA768DB0E863}"/>
+              </a:ext>
+            </a:extLst>
+          </p:cNvPr>
+          <p:cNvSpPr txBox="1"/>
+          <p:nvPr/>
+        </p:nvSpPr>
+        <p:spPr>
+          <a:xfrm>
+            <a:off x="9842500" y="5194300"/>
+            <a:ext cx="1422400" cy="253916"/>
+          </a:xfrm>
+          <a:prstGeom prst="rect">
+            <a:avLst/>
+          </a:prstGeom>
+          <a:solidFill>
+            <a:schemeClr val="accent4">
+              <a:lumMod val="60000"/>
+              <a:lumOff val="40000"/>
+            </a:schemeClr>
+          </a:solidFill>
+        </p:spPr>
+        <p:txBody>
+          <a:bodyPr wrap="square" rtlCol="0">
+            <a:spAutoFit/>
+          </a:bodyPr>
+          <a:lstStyle/>
+          <a:p>
+            <a:r>
+              <a:rPr lang="en-US" sz="1050" dirty="0"/>
+              <a:t>Transfer File To Disk</a:t>
+            </a:r>
+          </a:p>
+        </p:txBody>
+      </p:sp>
+    </p:spTree>
+    <p:extLst>
+      <p:ext uri="{BB962C8B-B14F-4D97-AF65-F5344CB8AC3E}">
+        <p14:creationId xmlns:p14="http://schemas.microsoft.com/office/powerpoint/2010/main" val="2767848785"/>
       </p:ext>
     </p:extLst>
   </p:cSld>
@@ -5671,4 +8670,299 @@
     </a:ext>
   </a:extLst>
 </a:theme>
+</file>
+
+<file path=ppt/theme/theme2.xml><?xml version="1.0" encoding="utf-8"?>
+<a:theme xmlns:a="http://schemas.openxmlformats.org/drawingml/2006/main" name="Office Theme">
+  <a:themeElements>
+    <a:clrScheme name="Office">
+      <a:dk1>
+        <a:sysClr val="windowText" lastClr="000000"/>
+      </a:dk1>
+      <a:lt1>
+        <a:sysClr val="window" lastClr="FFFFFF"/>
+      </a:lt1>
+      <a:dk2>
+        <a:srgbClr val="44546A"/>
+      </a:dk2>
+      <a:lt2>
+        <a:srgbClr val="E7E6E6"/>
+      </a:lt2>
+      <a:accent1>
+        <a:srgbClr val="4472C4"/>
+      </a:accent1>
+      <a:accent2>
+        <a:srgbClr val="ED7D31"/>
+      </a:accent2>
+      <a:accent3>
+        <a:srgbClr val="A5A5A5"/>
+      </a:accent3>
+      <a:accent4>
+        <a:srgbClr val="FFC000"/>
+      </a:accent4>
+      <a:accent5>
+        <a:srgbClr val="5B9BD5"/>
+      </a:accent5>
+      <a:accent6>
+        <a:srgbClr val="70AD47"/>
+      </a:accent6>
+      <a:hlink>
+        <a:srgbClr val="0563C1"/>
+      </a:hlink>
+      <a:folHlink>
+        <a:srgbClr val="954F72"/>
+      </a:folHlink>
+    </a:clrScheme>
+    <a:fontScheme name="Office">
+      <a:majorFont>
+        <a:latin typeface="Calibri Light" panose="020F0302020204030204"/>
+        <a:ea typeface=""/>
+        <a:cs typeface=""/>
+        <a:font script="Jpan" typeface="游ゴシック Light"/>
+        <a:font script="Hang" typeface="맑은 고딕"/>
+        <a:font script="Hans" typeface="等线 Light"/>
+        <a:font script="Hant" typeface="新細明體"/>
+        <a:font script="Arab" typeface="Times New Roman"/>
+        <a:font script="Hebr" typeface="Times New Roman"/>
+        <a:font script="Thai" typeface="Angsana New"/>
+        <a:font script="Ethi" typeface="Nyala"/>
+        <a:font script="Beng" typeface="Vrinda"/>
+        <a:font script="Gujr" typeface="Shruti"/>
+        <a:font script="Khmr" typeface="MoolBoran"/>
+        <a:font script="Knda" typeface="Tunga"/>
+        <a:font script="Guru" typeface="Raavi"/>
+        <a:font script="Cans" typeface="Euphemia"/>
+        <a:font script="Cher" typeface="Plantagenet Cherokee"/>
+        <a:font script="Yiii" typeface="Microsoft Yi Baiti"/>
+        <a:font script="Tibt" typeface="Microsoft Himalaya"/>
+        <a:font script="Thaa" typeface="MV Boli"/>
+        <a:font script="Deva" typeface="Mangal"/>
+        <a:font script="Telu" typeface="Gautami"/>
+        <a:font script="Taml" typeface="Latha"/>
+        <a:font script="Syrc" typeface="Estrangelo Edessa"/>
+        <a:font script="Orya" typeface="Kalinga"/>
+        <a:font script="Mlym" typeface="Kartika"/>
+        <a:font script="Laoo" typeface="DokChampa"/>
+        <a:font script="Sinh" typeface="Iskoola Pota"/>
+        <a:font script="Mong" typeface="Mongolian Baiti"/>
+        <a:font script="Viet" typeface="Times New Roman"/>
+        <a:font script="Uigh" typeface="Microsoft Uighur"/>
+        <a:font script="Geor" typeface="Sylfaen"/>
+        <a:font script="Armn" typeface="Arial"/>
+        <a:font script="Bugi" typeface="Leelawadee UI"/>
+        <a:font script="Bopo" typeface="Microsoft JhengHei"/>
+        <a:font script="Java" typeface="Javanese Text"/>
+        <a:font script="Lisu" typeface="Segoe UI"/>
+        <a:font script="Mymr" typeface="Myanmar Text"/>
+        <a:font script="Nkoo" typeface="Ebrima"/>
+        <a:font script="Olck" typeface="Nirmala UI"/>
+        <a:font script="Osma" typeface="Ebrima"/>
+        <a:font script="Phag" typeface="Phagspa"/>
+        <a:font script="Syrn" typeface="Estrangelo Edessa"/>
+        <a:font script="Syrj" typeface="Estrangelo Edessa"/>
+        <a:font script="Syre" typeface="Estrangelo Edessa"/>
+        <a:font script="Sora" typeface="Nirmala UI"/>
+        <a:font script="Tale" typeface="Microsoft Tai Le"/>
+        <a:font script="Talu" typeface="Microsoft New Tai Lue"/>
+        <a:font script="Tfng" typeface="Ebrima"/>
+      </a:majorFont>
+      <a:minorFont>
+        <a:latin typeface="Calibri" panose="020F0502020204030204"/>
+        <a:ea typeface=""/>
+        <a:cs typeface=""/>
+        <a:font script="Jpan" typeface="游ゴシック"/>
+        <a:font script="Hang" typeface="맑은 고딕"/>
+        <a:font script="Hans" typeface="等线"/>
+        <a:font script="Hant" typeface="新細明體"/>
+        <a:font script="Arab" typeface="Arial"/>
+        <a:font script="Hebr" typeface="Arial"/>
+        <a:font script="Thai" typeface="Cordia New"/>
+        <a:font script="Ethi" typeface="Nyala"/>
+        <a:font script="Beng" typeface="Vrinda"/>
+        <a:font script="Gujr" typeface="Shruti"/>
+        <a:font script="Khmr" typeface="DaunPenh"/>
+        <a:font script="Knda" typeface="Tunga"/>
+        <a:font script="Guru" typeface="Raavi"/>
+        <a:font script="Cans" typeface="Euphemia"/>
+        <a:font script="Cher" typeface="Plantagenet Cherokee"/>
+        <a:font script="Yiii" typeface="Microsoft Yi Baiti"/>
+        <a:font script="Tibt" typeface="Microsoft Himalaya"/>
+        <a:font script="Thaa" typeface="MV Boli"/>
+        <a:font script="Deva" typeface="Mangal"/>
+        <a:font script="Telu" typeface="Gautami"/>
+        <a:font script="Taml" typeface="Latha"/>
+        <a:font script="Syrc" typeface="Estrangelo Edessa"/>
+        <a:font script="Orya" typeface="Kalinga"/>
+        <a:font script="Mlym" typeface="Kartika"/>
+        <a:font script="Laoo" typeface="DokChampa"/>
+        <a:font script="Sinh" typeface="Iskoola Pota"/>
+        <a:font script="Mong" typeface="Mongolian Baiti"/>
+        <a:font script="Viet" typeface="Arial"/>
+        <a:font script="Uigh" typeface="Microsoft Uighur"/>
+        <a:font script="Geor" typeface="Sylfaen"/>
+        <a:font script="Armn" typeface="Arial"/>
+        <a:font script="Bugi" typeface="Leelawadee UI"/>
+        <a:font script="Bopo" typeface="Microsoft JhengHei"/>
+        <a:font script="Java" typeface="Javanese Text"/>
+        <a:font script="Lisu" typeface="Segoe UI"/>
+        <a:font script="Mymr" typeface="Myanmar Text"/>
+        <a:font script="Nkoo" typeface="Ebrima"/>
+        <a:font script="Olck" typeface="Nirmala UI"/>
+        <a:font script="Osma" typeface="Ebrima"/>
+        <a:font script="Phag" typeface="Phagspa"/>
+        <a:font script="Syrn" typeface="Estrangelo Edessa"/>
+        <a:font script="Syrj" typeface="Estrangelo Edessa"/>
+        <a:font script="Syre" typeface="Estrangelo Edessa"/>
+        <a:font script="Sora" typeface="Nirmala UI"/>
+        <a:font script="Tale" typeface="Microsoft Tai Le"/>
+        <a:font script="Talu" typeface="Microsoft New Tai Lue"/>
+        <a:font script="Tfng" typeface="Ebrima"/>
+      </a:minorFont>
+    </a:fontScheme>
+    <a:fmtScheme name="Office">
+      <a:fillStyleLst>
+        <a:solidFill>
+          <a:schemeClr val="phClr"/>
+        </a:solidFill>
+        <a:gradFill rotWithShape="1">
+          <a:gsLst>
+            <a:gs pos="0">
+              <a:schemeClr val="phClr">
+                <a:lumMod val="110000"/>
+                <a:satMod val="105000"/>
+                <a:tint val="67000"/>
+              </a:schemeClr>
+            </a:gs>
+            <a:gs pos="50000">
+              <a:schemeClr val="phClr">
+                <a:lumMod val="105000"/>
+                <a:satMod val="103000"/>
+                <a:tint val="73000"/>
+              </a:schemeClr>
+            </a:gs>
+            <a:gs pos="100000">
+              <a:schemeClr val="phClr">
+                <a:lumMod val="105000"/>
+                <a:satMod val="109000"/>
+                <a:tint val="81000"/>
+              </a:schemeClr>
+            </a:gs>
+          </a:gsLst>
+          <a:lin ang="5400000" scaled="0"/>
+        </a:gradFill>
+        <a:gradFill rotWithShape="1">
+          <a:gsLst>
+            <a:gs pos="0">
+              <a:schemeClr val="phClr">
+                <a:satMod val="103000"/>
+                <a:lumMod val="102000"/>
+                <a:tint val="94000"/>
+              </a:schemeClr>
+            </a:gs>
+            <a:gs pos="50000">
+              <a:schemeClr val="phClr">
+                <a:satMod val="110000"/>
+                <a:lumMod val="100000"/>
+                <a:shade val="100000"/>
+              </a:schemeClr>
+            </a:gs>
+            <a:gs pos="100000">
+              <a:schemeClr val="phClr">
+                <a:lumMod val="99000"/>
+                <a:satMod val="120000"/>
+                <a:shade val="78000"/>
+              </a:schemeClr>
+            </a:gs>
+          </a:gsLst>
+          <a:lin ang="5400000" scaled="0"/>
+        </a:gradFill>
+      </a:fillStyleLst>
+      <a:lnStyleLst>
+        <a:ln w="6350" cap="flat" cmpd="sng" algn="ctr">
+          <a:solidFill>
+            <a:schemeClr val="phClr"/>
+          </a:solidFill>
+          <a:prstDash val="solid"/>
+          <a:miter lim="800000"/>
+        </a:ln>
+        <a:ln w="12700" cap="flat" cmpd="sng" algn="ctr">
+          <a:solidFill>
+            <a:schemeClr val="phClr"/>
+          </a:solidFill>
+          <a:prstDash val="solid"/>
+          <a:miter lim="800000"/>
+        </a:ln>
+        <a:ln w="19050" cap="flat" cmpd="sng" algn="ctr">
+          <a:solidFill>
+            <a:schemeClr val="phClr"/>
+          </a:solidFill>
+          <a:prstDash val="solid"/>
+          <a:miter lim="800000"/>
+        </a:ln>
+      </a:lnStyleLst>
+      <a:effectStyleLst>
+        <a:effectStyle>
+          <a:effectLst/>
+        </a:effectStyle>
+        <a:effectStyle>
+          <a:effectLst/>
+        </a:effectStyle>
+        <a:effectStyle>
+          <a:effectLst>
+            <a:outerShdw blurRad="57150" dist="19050" dir="5400000" algn="ctr" rotWithShape="0">
+              <a:srgbClr val="000000">
+                <a:alpha val="63000"/>
+              </a:srgbClr>
+            </a:outerShdw>
+          </a:effectLst>
+        </a:effectStyle>
+      </a:effectStyleLst>
+      <a:bgFillStyleLst>
+        <a:solidFill>
+          <a:schemeClr val="phClr"/>
+        </a:solidFill>
+        <a:solidFill>
+          <a:schemeClr val="phClr">
+            <a:tint val="95000"/>
+            <a:satMod val="170000"/>
+          </a:schemeClr>
+        </a:solidFill>
+        <a:gradFill rotWithShape="1">
+          <a:gsLst>
+            <a:gs pos="0">
+              <a:schemeClr val="phClr">
+                <a:tint val="93000"/>
+                <a:satMod val="150000"/>
+                <a:shade val="98000"/>
+                <a:lumMod val="102000"/>
+              </a:schemeClr>
+            </a:gs>
+            <a:gs pos="50000">
+              <a:schemeClr val="phClr">
+                <a:tint val="98000"/>
+                <a:satMod val="130000"/>
+                <a:shade val="90000"/>
+                <a:lumMod val="103000"/>
+              </a:schemeClr>
+            </a:gs>
+            <a:gs pos="100000">
+              <a:schemeClr val="phClr">
+                <a:shade val="63000"/>
+                <a:satMod val="120000"/>
+              </a:schemeClr>
+            </a:gs>
+          </a:gsLst>
+          <a:lin ang="5400000" scaled="0"/>
+        </a:gradFill>
+      </a:bgFillStyleLst>
+    </a:fmtScheme>
+  </a:themeElements>
+  <a:objectDefaults/>
+  <a:extraClrSchemeLst/>
+  <a:extLst>
+    <a:ext uri="{05A4C25C-085E-4340-85A3-A5531E510DB2}">
+      <thm15:themeFamily xmlns:thm15="http://schemas.microsoft.com/office/thememl/2012/main" name="Office Theme" id="{62F939B6-93AF-4DB8-9C6B-D6C7DFDC589F}" vid="{4A3C46E8-61CC-4603-A589-7422A47A8E4A}"/>
+    </a:ext>
+  </a:extLst>
+</a:theme>
 </file>